--- a/CalendarioAgo25/presentaciones/18_Expresiones_regulares.pptx
+++ b/CalendarioAgo25/presentaciones/18_Expresiones_regulares.pptx
@@ -178,6 +178,35 @@
 </p:presentation>
 </file>
 
+<file path=ppt/changesInfos/changesInfo1.xml><?xml version="1.0" encoding="utf-8"?>
+<pc:chgInfo xmlns:a="http://schemas.openxmlformats.org/drawingml/2006/main" xmlns:r="http://schemas.openxmlformats.org/officeDocument/2006/relationships" xmlns:ac="http://schemas.microsoft.com/office/drawing/2013/main/command" xmlns:pc="http://schemas.microsoft.com/office/powerpoint/2013/main/command">
+  <pc:docChgLst>
+    <pc:chgData name="Lizethe Pérez Fuertes" userId="4ae9ef87-2a7d-42f8-8dfa-0a501a9e2ff4" providerId="ADAL" clId="{FDDD45CB-1330-4033-A842-3D2746AFF7C7}"/>
+    <pc:docChg chg="custSel modSld">
+      <pc:chgData name="Lizethe Pérez Fuertes" userId="4ae9ef87-2a7d-42f8-8dfa-0a501a9e2ff4" providerId="ADAL" clId="{FDDD45CB-1330-4033-A842-3D2746AFF7C7}" dt="2025-09-03T01:11:23.814" v="0" actId="33524"/>
+      <pc:docMkLst>
+        <pc:docMk/>
+      </pc:docMkLst>
+      <pc:sldChg chg="modSp mod">
+        <pc:chgData name="Lizethe Pérez Fuertes" userId="4ae9ef87-2a7d-42f8-8dfa-0a501a9e2ff4" providerId="ADAL" clId="{FDDD45CB-1330-4033-A842-3D2746AFF7C7}" dt="2025-09-03T01:11:23.814" v="0" actId="33524"/>
+        <pc:sldMkLst>
+          <pc:docMk/>
+          <pc:sldMk cId="4056088228" sldId="619"/>
+        </pc:sldMkLst>
+        <pc:spChg chg="mod">
+          <ac:chgData name="Lizethe Pérez Fuertes" userId="4ae9ef87-2a7d-42f8-8dfa-0a501a9e2ff4" providerId="ADAL" clId="{FDDD45CB-1330-4033-A842-3D2746AFF7C7}" dt="2025-09-03T01:11:23.814" v="0" actId="33524"/>
+          <ac:spMkLst>
+            <pc:docMk/>
+            <pc:sldMk cId="4056088228" sldId="619"/>
+            <ac:spMk id="10" creationId="{28D7FAFF-9722-4D6A-9DE5-55FC738D0886}"/>
+          </ac:spMkLst>
+        </pc:spChg>
+      </pc:sldChg>
+    </pc:docChg>
+  </pc:docChgLst>
+</pc:chgInfo>
+</file>
+
 <file path=ppt/notesMasters/notesMaster1.xml><?xml version="1.0" encoding="utf-8"?>
 <p:notesMaster xmlns:a="http://schemas.openxmlformats.org/drawingml/2006/main" xmlns:r="http://schemas.openxmlformats.org/officeDocument/2006/relationships" xmlns:p="http://schemas.openxmlformats.org/presentationml/2006/main">
   <p:cSld>
@@ -260,7 +289,7 @@
           <a:p>
             <a:fld id="{DDE721D5-655F-45D2-B717-3C4CD78C8568}" type="datetimeFigureOut">
               <a:rPr lang="es-MX" smtClean="0"/>
-              <a:t>05/03/2025</a:t>
+              <a:t>02/09/2025</a:t>
             </a:fld>
             <a:endParaRPr lang="es-MX" dirty="0"/>
           </a:p>
@@ -419,7 +448,7 @@
           <a:p>
             <a:fld id="{6BAB4312-99A1-4CE9-ACE7-4C62E9FD90EE}" type="slidenum">
               <a:rPr lang="es-MX" smtClean="0"/>
-              <a:t>‹#›</a:t>
+              <a:t>‹Nº›</a:t>
             </a:fld>
             <a:endParaRPr lang="es-MX" dirty="0"/>
           </a:p>
@@ -5017,7 +5046,7 @@
           <a:p>
             <a:fld id="{B3F3E716-CACC-4490-AD07-F24B6A68DE47}" type="datetimeFigureOut">
               <a:rPr lang="es-MX" smtClean="0"/>
-              <a:t>05/03/2025</a:t>
+              <a:t>02/09/2025</a:t>
             </a:fld>
             <a:endParaRPr lang="es-MX" dirty="0"/>
           </a:p>
@@ -5059,7 +5088,7 @@
           <a:p>
             <a:fld id="{52A58D3C-5A37-463D-B2C9-8DF65AE0B01C}" type="slidenum">
               <a:rPr lang="es-MX" smtClean="0"/>
-              <a:t>‹#›</a:t>
+              <a:t>‹Nº›</a:t>
             </a:fld>
             <a:endParaRPr lang="es-MX" dirty="0"/>
           </a:p>
@@ -5187,7 +5216,7 @@
           <a:p>
             <a:fld id="{B3F3E716-CACC-4490-AD07-F24B6A68DE47}" type="datetimeFigureOut">
               <a:rPr lang="es-MX" smtClean="0"/>
-              <a:t>05/03/2025</a:t>
+              <a:t>02/09/2025</a:t>
             </a:fld>
             <a:endParaRPr lang="es-MX" dirty="0"/>
           </a:p>
@@ -5229,7 +5258,7 @@
           <a:p>
             <a:fld id="{52A58D3C-5A37-463D-B2C9-8DF65AE0B01C}" type="slidenum">
               <a:rPr lang="es-MX" smtClean="0"/>
-              <a:t>‹#›</a:t>
+              <a:t>‹Nº›</a:t>
             </a:fld>
             <a:endParaRPr lang="es-MX" dirty="0"/>
           </a:p>
@@ -5367,7 +5396,7 @@
           <a:p>
             <a:fld id="{B3F3E716-CACC-4490-AD07-F24B6A68DE47}" type="datetimeFigureOut">
               <a:rPr lang="es-MX" smtClean="0"/>
-              <a:t>05/03/2025</a:t>
+              <a:t>02/09/2025</a:t>
             </a:fld>
             <a:endParaRPr lang="es-MX" dirty="0"/>
           </a:p>
@@ -5409,7 +5438,7 @@
           <a:p>
             <a:fld id="{52A58D3C-5A37-463D-B2C9-8DF65AE0B01C}" type="slidenum">
               <a:rPr lang="es-MX" smtClean="0"/>
-              <a:t>‹#›</a:t>
+              <a:t>‹Nº›</a:t>
             </a:fld>
             <a:endParaRPr lang="es-MX" dirty="0"/>
           </a:p>
@@ -5520,7 +5549,7 @@
           <a:p>
             <a:fld id="{1D8BD707-D9CF-40AE-B4C6-C98DA3205C09}" type="datetimeFigureOut">
               <a:rPr lang="en-US" smtClean="0"/>
-              <a:t>3/5/2025</a:t>
+              <a:t>9/2/2025</a:t>
             </a:fld>
             <a:endParaRPr lang="en-US" dirty="0"/>
           </a:p>
@@ -5550,7 +5579,7 @@
                 <a:cs typeface="Calibri"/>
               </a:rPr>
               <a:pPr marL="25400"/>
-              <a:t>‹#›</a:t>
+              <a:t>‹Nº›</a:t>
             </a:fld>
             <a:endParaRPr lang="es-MX" dirty="0">
               <a:cs typeface="Calibri"/>
@@ -5680,7 +5709,7 @@
           <a:p>
             <a:fld id="{B3F3E716-CACC-4490-AD07-F24B6A68DE47}" type="datetimeFigureOut">
               <a:rPr lang="es-MX" smtClean="0"/>
-              <a:t>05/03/2025</a:t>
+              <a:t>02/09/2025</a:t>
             </a:fld>
             <a:endParaRPr lang="es-MX" dirty="0"/>
           </a:p>
@@ -5722,7 +5751,7 @@
           <a:p>
             <a:fld id="{52A58D3C-5A37-463D-B2C9-8DF65AE0B01C}" type="slidenum">
               <a:rPr lang="es-MX" smtClean="0"/>
-              <a:t>‹#›</a:t>
+              <a:t>‹Nº›</a:t>
             </a:fld>
             <a:endParaRPr lang="es-MX" dirty="0"/>
           </a:p>
@@ -5926,7 +5955,7 @@
           <a:p>
             <a:fld id="{B3F3E716-CACC-4490-AD07-F24B6A68DE47}" type="datetimeFigureOut">
               <a:rPr lang="es-MX" smtClean="0"/>
-              <a:t>05/03/2025</a:t>
+              <a:t>02/09/2025</a:t>
             </a:fld>
             <a:endParaRPr lang="es-MX" dirty="0"/>
           </a:p>
@@ -5968,7 +5997,7 @@
           <a:p>
             <a:fld id="{52A58D3C-5A37-463D-B2C9-8DF65AE0B01C}" type="slidenum">
               <a:rPr lang="es-MX" smtClean="0"/>
-              <a:t>‹#›</a:t>
+              <a:t>‹Nº›</a:t>
             </a:fld>
             <a:endParaRPr lang="es-MX" dirty="0"/>
           </a:p>
@@ -6214,7 +6243,7 @@
           <a:p>
             <a:fld id="{B3F3E716-CACC-4490-AD07-F24B6A68DE47}" type="datetimeFigureOut">
               <a:rPr lang="es-MX" smtClean="0"/>
-              <a:t>05/03/2025</a:t>
+              <a:t>02/09/2025</a:t>
             </a:fld>
             <a:endParaRPr lang="es-MX" dirty="0"/>
           </a:p>
@@ -6256,7 +6285,7 @@
           <a:p>
             <a:fld id="{52A58D3C-5A37-463D-B2C9-8DF65AE0B01C}" type="slidenum">
               <a:rPr lang="es-MX" smtClean="0"/>
-              <a:t>‹#›</a:t>
+              <a:t>‹Nº›</a:t>
             </a:fld>
             <a:endParaRPr lang="es-MX" dirty="0"/>
           </a:p>
@@ -6636,7 +6665,7 @@
           <a:p>
             <a:fld id="{B3F3E716-CACC-4490-AD07-F24B6A68DE47}" type="datetimeFigureOut">
               <a:rPr lang="es-MX" smtClean="0"/>
-              <a:t>05/03/2025</a:t>
+              <a:t>02/09/2025</a:t>
             </a:fld>
             <a:endParaRPr lang="es-MX" dirty="0"/>
           </a:p>
@@ -6678,7 +6707,7 @@
           <a:p>
             <a:fld id="{52A58D3C-5A37-463D-B2C9-8DF65AE0B01C}" type="slidenum">
               <a:rPr lang="es-MX" smtClean="0"/>
-              <a:t>‹#›</a:t>
+              <a:t>‹Nº›</a:t>
             </a:fld>
             <a:endParaRPr lang="es-MX" dirty="0"/>
           </a:p>
@@ -6754,7 +6783,7 @@
           <a:p>
             <a:fld id="{B3F3E716-CACC-4490-AD07-F24B6A68DE47}" type="datetimeFigureOut">
               <a:rPr lang="es-MX" smtClean="0"/>
-              <a:t>05/03/2025</a:t>
+              <a:t>02/09/2025</a:t>
             </a:fld>
             <a:endParaRPr lang="es-MX" dirty="0"/>
           </a:p>
@@ -6796,7 +6825,7 @@
           <a:p>
             <a:fld id="{52A58D3C-5A37-463D-B2C9-8DF65AE0B01C}" type="slidenum">
               <a:rPr lang="es-MX" smtClean="0"/>
-              <a:t>‹#›</a:t>
+              <a:t>‹Nº›</a:t>
             </a:fld>
             <a:endParaRPr lang="es-MX" dirty="0"/>
           </a:p>
@@ -6849,7 +6878,7 @@
           <a:p>
             <a:fld id="{B3F3E716-CACC-4490-AD07-F24B6A68DE47}" type="datetimeFigureOut">
               <a:rPr lang="es-MX" smtClean="0"/>
-              <a:t>05/03/2025</a:t>
+              <a:t>02/09/2025</a:t>
             </a:fld>
             <a:endParaRPr lang="es-MX" dirty="0"/>
           </a:p>
@@ -6891,7 +6920,7 @@
           <a:p>
             <a:fld id="{52A58D3C-5A37-463D-B2C9-8DF65AE0B01C}" type="slidenum">
               <a:rPr lang="es-MX" smtClean="0"/>
-              <a:t>‹#›</a:t>
+              <a:t>‹Nº›</a:t>
             </a:fld>
             <a:endParaRPr lang="es-MX" dirty="0"/>
           </a:p>
@@ -7126,7 +7155,7 @@
           <a:p>
             <a:fld id="{B3F3E716-CACC-4490-AD07-F24B6A68DE47}" type="datetimeFigureOut">
               <a:rPr lang="es-MX" smtClean="0"/>
-              <a:t>05/03/2025</a:t>
+              <a:t>02/09/2025</a:t>
             </a:fld>
             <a:endParaRPr lang="es-MX" dirty="0"/>
           </a:p>
@@ -7168,7 +7197,7 @@
           <a:p>
             <a:fld id="{52A58D3C-5A37-463D-B2C9-8DF65AE0B01C}" type="slidenum">
               <a:rPr lang="es-MX" smtClean="0"/>
-              <a:t>‹#›</a:t>
+              <a:t>‹Nº›</a:t>
             </a:fld>
             <a:endParaRPr lang="es-MX" dirty="0"/>
           </a:p>
@@ -7379,7 +7408,7 @@
           <a:p>
             <a:fld id="{B3F3E716-CACC-4490-AD07-F24B6A68DE47}" type="datetimeFigureOut">
               <a:rPr lang="es-MX" smtClean="0"/>
-              <a:t>05/03/2025</a:t>
+              <a:t>02/09/2025</a:t>
             </a:fld>
             <a:endParaRPr lang="es-MX" dirty="0"/>
           </a:p>
@@ -7421,7 +7450,7 @@
           <a:p>
             <a:fld id="{52A58D3C-5A37-463D-B2C9-8DF65AE0B01C}" type="slidenum">
               <a:rPr lang="es-MX" smtClean="0"/>
-              <a:t>‹#›</a:t>
+              <a:t>‹Nº›</a:t>
             </a:fld>
             <a:endParaRPr lang="es-MX" dirty="0"/>
           </a:p>
@@ -7592,7 +7621,7 @@
           <a:p>
             <a:fld id="{B3F3E716-CACC-4490-AD07-F24B6A68DE47}" type="datetimeFigureOut">
               <a:rPr lang="es-MX" smtClean="0"/>
-              <a:t>05/03/2025</a:t>
+              <a:t>02/09/2025</a:t>
             </a:fld>
             <a:endParaRPr lang="es-MX" dirty="0"/>
           </a:p>
@@ -7670,7 +7699,7 @@
           <a:p>
             <a:fld id="{52A58D3C-5A37-463D-B2C9-8DF65AE0B01C}" type="slidenum">
               <a:rPr lang="es-MX" smtClean="0"/>
-              <a:t>‹#›</a:t>
+              <a:t>‹Nº›</a:t>
             </a:fld>
             <a:endParaRPr lang="es-MX" dirty="0"/>
           </a:p>
@@ -16189,7 +16218,7 @@
                 </a:solidFill>
                 <a:effectLst/>
               </a:rPr>
-              <a:t>El texto a manipular</a:t>
+              <a:t>El texto por manipular</a:t>
             </a:r>
             <a:r>
               <a:rPr lang="es-ES" sz="2000" b="1" dirty="0">

--- a/CalendarioAgo25/presentaciones/18_Expresiones_regulares.pptx
+++ b/CalendarioAgo25/presentaciones/18_Expresiones_regulares.pptx
@@ -5,7 +5,7 @@
     <p:sldMasterId id="2147483648" r:id="rId1"/>
   </p:sldMasterIdLst>
   <p:notesMasterIdLst>
-    <p:notesMasterId r:id="rId55"/>
+    <p:notesMasterId r:id="rId53"/>
   </p:notesMasterIdLst>
   <p:sldIdLst>
     <p:sldId id="293" r:id="rId2"/>
@@ -44,23 +44,21 @@
     <p:sldId id="682" r:id="rId35"/>
     <p:sldId id="683" r:id="rId36"/>
     <p:sldId id="708" r:id="rId37"/>
-    <p:sldId id="684" r:id="rId38"/>
-    <p:sldId id="709" r:id="rId39"/>
-    <p:sldId id="710" r:id="rId40"/>
-    <p:sldId id="711" r:id="rId41"/>
-    <p:sldId id="712" r:id="rId42"/>
-    <p:sldId id="713" r:id="rId43"/>
-    <p:sldId id="688" r:id="rId44"/>
-    <p:sldId id="687" r:id="rId45"/>
-    <p:sldId id="674" r:id="rId46"/>
-    <p:sldId id="730" r:id="rId47"/>
-    <p:sldId id="685" r:id="rId48"/>
+    <p:sldId id="709" r:id="rId38"/>
+    <p:sldId id="710" r:id="rId39"/>
+    <p:sldId id="711" r:id="rId40"/>
+    <p:sldId id="712" r:id="rId41"/>
+    <p:sldId id="713" r:id="rId42"/>
+    <p:sldId id="688" r:id="rId43"/>
+    <p:sldId id="687" r:id="rId44"/>
+    <p:sldId id="674" r:id="rId45"/>
+    <p:sldId id="730" r:id="rId46"/>
+    <p:sldId id="689" r:id="rId47"/>
+    <p:sldId id="729" r:id="rId48"/>
     <p:sldId id="731" r:id="rId49"/>
-    <p:sldId id="689" r:id="rId50"/>
-    <p:sldId id="729" r:id="rId51"/>
-    <p:sldId id="691" r:id="rId52"/>
-    <p:sldId id="728" r:id="rId53"/>
-    <p:sldId id="282" r:id="rId54"/>
+    <p:sldId id="728" r:id="rId50"/>
+    <p:sldId id="732" r:id="rId51"/>
+    <p:sldId id="282" r:id="rId52"/>
   </p:sldIdLst>
   <p:sldSz cx="9144000" cy="6858000" type="screen4x3"/>
   <p:notesSz cx="7010400" cy="9296400"/>
@@ -178,12 +176,20 @@
 </p:presentation>
 </file>
 
+<file path=ppt/revisionInfo.xml><?xml version="1.0" encoding="utf-8"?>
+<p1510:revInfo xmlns:a="http://schemas.openxmlformats.org/drawingml/2006/main" xmlns:r="http://schemas.openxmlformats.org/officeDocument/2006/relationships" xmlns:p1510="http://schemas.microsoft.com/office/powerpoint/2015/10/main">
+  <p1510:revLst>
+    <p1510:client id="{1943A9A4-A4D4-4B2F-A97C-D7347219F3EB}" v="4" dt="2025-09-03T18:19:08.672"/>
+  </p1510:revLst>
+</p1510:revInfo>
+</file>
+
 <file path=ppt/changesInfos/changesInfo1.xml><?xml version="1.0" encoding="utf-8"?>
 <pc:chgInfo xmlns:a="http://schemas.openxmlformats.org/drawingml/2006/main" xmlns:r="http://schemas.openxmlformats.org/officeDocument/2006/relationships" xmlns:ac="http://schemas.microsoft.com/office/drawing/2013/main/command" xmlns:pc="http://schemas.microsoft.com/office/powerpoint/2013/main/command">
   <pc:docChgLst>
     <pc:chgData name="Lizethe Pérez Fuertes" userId="4ae9ef87-2a7d-42f8-8dfa-0a501a9e2ff4" providerId="ADAL" clId="{FDDD45CB-1330-4033-A842-3D2746AFF7C7}"/>
-    <pc:docChg chg="custSel modSld">
-      <pc:chgData name="Lizethe Pérez Fuertes" userId="4ae9ef87-2a7d-42f8-8dfa-0a501a9e2ff4" providerId="ADAL" clId="{FDDD45CB-1330-4033-A842-3D2746AFF7C7}" dt="2025-09-03T01:11:23.814" v="0" actId="33524"/>
+    <pc:docChg chg="undo custSel addSld delSld modSld">
+      <pc:chgData name="Lizethe Pérez Fuertes" userId="4ae9ef87-2a7d-42f8-8dfa-0a501a9e2ff4" providerId="ADAL" clId="{FDDD45CB-1330-4033-A842-3D2746AFF7C7}" dt="2025-09-03T18:33:13.529" v="375" actId="113"/>
       <pc:docMkLst>
         <pc:docMk/>
       </pc:docMkLst>
@@ -201,6 +207,331 @@
             <ac:spMk id="10" creationId="{28D7FAFF-9722-4D6A-9DE5-55FC738D0886}"/>
           </ac:spMkLst>
         </pc:spChg>
+      </pc:sldChg>
+      <pc:sldChg chg="addSp delSp modSp mod">
+        <pc:chgData name="Lizethe Pérez Fuertes" userId="4ae9ef87-2a7d-42f8-8dfa-0a501a9e2ff4" providerId="ADAL" clId="{FDDD45CB-1330-4033-A842-3D2746AFF7C7}" dt="2025-09-03T17:39:34.078" v="286" actId="1076"/>
+        <pc:sldMkLst>
+          <pc:docMk/>
+          <pc:sldMk cId="3850094616" sldId="674"/>
+        </pc:sldMkLst>
+        <pc:spChg chg="mod">
+          <ac:chgData name="Lizethe Pérez Fuertes" userId="4ae9ef87-2a7d-42f8-8dfa-0a501a9e2ff4" providerId="ADAL" clId="{FDDD45CB-1330-4033-A842-3D2746AFF7C7}" dt="2025-09-03T17:35:45.234" v="243" actId="6549"/>
+          <ac:spMkLst>
+            <pc:docMk/>
+            <pc:sldMk cId="3850094616" sldId="674"/>
+            <ac:spMk id="5" creationId="{FC189524-E564-48DD-B173-E7D162EDC50C}"/>
+          </ac:spMkLst>
+        </pc:spChg>
+        <pc:spChg chg="mod">
+          <ac:chgData name="Lizethe Pérez Fuertes" userId="4ae9ef87-2a7d-42f8-8dfa-0a501a9e2ff4" providerId="ADAL" clId="{FDDD45CB-1330-4033-A842-3D2746AFF7C7}" dt="2025-09-03T17:38:40.671" v="283" actId="6549"/>
+          <ac:spMkLst>
+            <pc:docMk/>
+            <pc:sldMk cId="3850094616" sldId="674"/>
+            <ac:spMk id="6" creationId="{7B04CF3A-CFE2-489B-A399-BF52B6C4C715}"/>
+          </ac:spMkLst>
+        </pc:spChg>
+        <pc:picChg chg="add del mod">
+          <ac:chgData name="Lizethe Pérez Fuertes" userId="4ae9ef87-2a7d-42f8-8dfa-0a501a9e2ff4" providerId="ADAL" clId="{FDDD45CB-1330-4033-A842-3D2746AFF7C7}" dt="2025-09-03T17:35:26.070" v="214" actId="478"/>
+          <ac:picMkLst>
+            <pc:docMk/>
+            <pc:sldMk cId="3850094616" sldId="674"/>
+            <ac:picMk id="3" creationId="{4C517BBD-0FC8-20AD-6402-EF993A26CC3B}"/>
+          </ac:picMkLst>
+        </pc:picChg>
+        <pc:picChg chg="del mod">
+          <ac:chgData name="Lizethe Pérez Fuertes" userId="4ae9ef87-2a7d-42f8-8dfa-0a501a9e2ff4" providerId="ADAL" clId="{FDDD45CB-1330-4033-A842-3D2746AFF7C7}" dt="2025-09-03T17:28:31.970" v="144" actId="478"/>
+          <ac:picMkLst>
+            <pc:docMk/>
+            <pc:sldMk cId="3850094616" sldId="674"/>
+            <ac:picMk id="4" creationId="{B38B6A45-54CF-401F-B4D1-EA9E2C35CADA}"/>
+          </ac:picMkLst>
+        </pc:picChg>
+        <pc:picChg chg="add del mod">
+          <ac:chgData name="Lizethe Pérez Fuertes" userId="4ae9ef87-2a7d-42f8-8dfa-0a501a9e2ff4" providerId="ADAL" clId="{FDDD45CB-1330-4033-A842-3D2746AFF7C7}" dt="2025-09-03T17:39:27.763" v="284" actId="478"/>
+          <ac:picMkLst>
+            <pc:docMk/>
+            <pc:sldMk cId="3850094616" sldId="674"/>
+            <ac:picMk id="9" creationId="{2513634C-F818-ECAD-C596-18E2EDA47C79}"/>
+          </ac:picMkLst>
+        </pc:picChg>
+        <pc:picChg chg="add mod">
+          <ac:chgData name="Lizethe Pérez Fuertes" userId="4ae9ef87-2a7d-42f8-8dfa-0a501a9e2ff4" providerId="ADAL" clId="{FDDD45CB-1330-4033-A842-3D2746AFF7C7}" dt="2025-09-03T17:39:34.078" v="286" actId="1076"/>
+          <ac:picMkLst>
+            <pc:docMk/>
+            <pc:sldMk cId="3850094616" sldId="674"/>
+            <ac:picMk id="11" creationId="{40FAFC4F-C677-08E6-65FA-6C0A7E64CA35}"/>
+          </ac:picMkLst>
+        </pc:picChg>
+      </pc:sldChg>
+      <pc:sldChg chg="del">
+        <pc:chgData name="Lizethe Pérez Fuertes" userId="4ae9ef87-2a7d-42f8-8dfa-0a501a9e2ff4" providerId="ADAL" clId="{FDDD45CB-1330-4033-A842-3D2746AFF7C7}" dt="2025-09-03T17:13:05.248" v="1" actId="47"/>
+        <pc:sldMkLst>
+          <pc:docMk/>
+          <pc:sldMk cId="647178352" sldId="684"/>
+        </pc:sldMkLst>
+      </pc:sldChg>
+      <pc:sldChg chg="del">
+        <pc:chgData name="Lizethe Pérez Fuertes" userId="4ae9ef87-2a7d-42f8-8dfa-0a501a9e2ff4" providerId="ADAL" clId="{FDDD45CB-1330-4033-A842-3D2746AFF7C7}" dt="2025-09-03T17:30:51.353" v="187" actId="47"/>
+        <pc:sldMkLst>
+          <pc:docMk/>
+          <pc:sldMk cId="2105101594" sldId="685"/>
+        </pc:sldMkLst>
+      </pc:sldChg>
+      <pc:sldChg chg="addSp delSp modSp mod">
+        <pc:chgData name="Lizethe Pérez Fuertes" userId="4ae9ef87-2a7d-42f8-8dfa-0a501a9e2ff4" providerId="ADAL" clId="{FDDD45CB-1330-4033-A842-3D2746AFF7C7}" dt="2025-09-03T17:44:02.305" v="319" actId="6549"/>
+        <pc:sldMkLst>
+          <pc:docMk/>
+          <pc:sldMk cId="3789720049" sldId="689"/>
+        </pc:sldMkLst>
+        <pc:spChg chg="mod">
+          <ac:chgData name="Lizethe Pérez Fuertes" userId="4ae9ef87-2a7d-42f8-8dfa-0a501a9e2ff4" providerId="ADAL" clId="{FDDD45CB-1330-4033-A842-3D2746AFF7C7}" dt="2025-09-03T17:44:02.305" v="319" actId="6549"/>
+          <ac:spMkLst>
+            <pc:docMk/>
+            <pc:sldMk cId="3789720049" sldId="689"/>
+            <ac:spMk id="5" creationId="{CD51C6FC-C7B4-4F3A-BEE8-8127DCEAF665}"/>
+          </ac:spMkLst>
+        </pc:spChg>
+        <pc:spChg chg="mod">
+          <ac:chgData name="Lizethe Pérez Fuertes" userId="4ae9ef87-2a7d-42f8-8dfa-0a501a9e2ff4" providerId="ADAL" clId="{FDDD45CB-1330-4033-A842-3D2746AFF7C7}" dt="2025-09-03T17:43:33.380" v="312" actId="1076"/>
+          <ac:spMkLst>
+            <pc:docMk/>
+            <pc:sldMk cId="3789720049" sldId="689"/>
+            <ac:spMk id="13" creationId="{D8614476-5746-4910-AE97-837BDC1DE82C}"/>
+          </ac:spMkLst>
+        </pc:spChg>
+        <pc:picChg chg="add mod">
+          <ac:chgData name="Lizethe Pérez Fuertes" userId="4ae9ef87-2a7d-42f8-8dfa-0a501a9e2ff4" providerId="ADAL" clId="{FDDD45CB-1330-4033-A842-3D2746AFF7C7}" dt="2025-09-03T17:43:42.700" v="317" actId="1076"/>
+          <ac:picMkLst>
+            <pc:docMk/>
+            <pc:sldMk cId="3789720049" sldId="689"/>
+            <ac:picMk id="3" creationId="{CC56C17C-52EF-DEF6-AFA2-44D926EB428F}"/>
+          </ac:picMkLst>
+        </pc:picChg>
+        <pc:picChg chg="del">
+          <ac:chgData name="Lizethe Pérez Fuertes" userId="4ae9ef87-2a7d-42f8-8dfa-0a501a9e2ff4" providerId="ADAL" clId="{FDDD45CB-1330-4033-A842-3D2746AFF7C7}" dt="2025-09-03T17:41:13.446" v="289" actId="478"/>
+          <ac:picMkLst>
+            <pc:docMk/>
+            <pc:sldMk cId="3789720049" sldId="689"/>
+            <ac:picMk id="4" creationId="{4A0F5007-3343-4069-AEEE-C64F855CC1DB}"/>
+          </ac:picMkLst>
+        </pc:picChg>
+        <pc:picChg chg="del mod">
+          <ac:chgData name="Lizethe Pérez Fuertes" userId="4ae9ef87-2a7d-42f8-8dfa-0a501a9e2ff4" providerId="ADAL" clId="{FDDD45CB-1330-4033-A842-3D2746AFF7C7}" dt="2025-09-03T17:41:23.080" v="291" actId="478"/>
+          <ac:picMkLst>
+            <pc:docMk/>
+            <pc:sldMk cId="3789720049" sldId="689"/>
+            <ac:picMk id="8" creationId="{1C8D1C6E-EE42-B43B-9084-CF731AF947A1}"/>
+          </ac:picMkLst>
+        </pc:picChg>
+      </pc:sldChg>
+      <pc:sldChg chg="del">
+        <pc:chgData name="Lizethe Pérez Fuertes" userId="4ae9ef87-2a7d-42f8-8dfa-0a501a9e2ff4" providerId="ADAL" clId="{FDDD45CB-1330-4033-A842-3D2746AFF7C7}" dt="2025-09-03T17:53:11.664" v="341" actId="47"/>
+        <pc:sldMkLst>
+          <pc:docMk/>
+          <pc:sldMk cId="1923512369" sldId="691"/>
+        </pc:sldMkLst>
+      </pc:sldChg>
+      <pc:sldChg chg="addSp modSp mod">
+        <pc:chgData name="Lizethe Pérez Fuertes" userId="4ae9ef87-2a7d-42f8-8dfa-0a501a9e2ff4" providerId="ADAL" clId="{FDDD45CB-1330-4033-A842-3D2746AFF7C7}" dt="2025-09-03T18:19:04.159" v="344" actId="5793"/>
+        <pc:sldMkLst>
+          <pc:docMk/>
+          <pc:sldMk cId="2777994466" sldId="728"/>
+        </pc:sldMkLst>
+        <pc:spChg chg="add mod">
+          <ac:chgData name="Lizethe Pérez Fuertes" userId="4ae9ef87-2a7d-42f8-8dfa-0a501a9e2ff4" providerId="ADAL" clId="{FDDD45CB-1330-4033-A842-3D2746AFF7C7}" dt="2025-09-03T18:19:04.159" v="344" actId="5793"/>
+          <ac:spMkLst>
+            <pc:docMk/>
+            <pc:sldMk cId="2777994466" sldId="728"/>
+            <ac:spMk id="3" creationId="{8A01372C-C9B9-F812-2C71-D9E395D5AA27}"/>
+          </ac:spMkLst>
+        </pc:spChg>
+      </pc:sldChg>
+      <pc:sldChg chg="addSp delSp modSp mod">
+        <pc:chgData name="Lizethe Pérez Fuertes" userId="4ae9ef87-2a7d-42f8-8dfa-0a501a9e2ff4" providerId="ADAL" clId="{FDDD45CB-1330-4033-A842-3D2746AFF7C7}" dt="2025-09-03T17:51:38.836" v="332" actId="478"/>
+        <pc:sldMkLst>
+          <pc:docMk/>
+          <pc:sldMk cId="155978432" sldId="729"/>
+        </pc:sldMkLst>
+        <pc:spChg chg="mod">
+          <ac:chgData name="Lizethe Pérez Fuertes" userId="4ae9ef87-2a7d-42f8-8dfa-0a501a9e2ff4" providerId="ADAL" clId="{FDDD45CB-1330-4033-A842-3D2746AFF7C7}" dt="2025-09-03T17:44:54.179" v="322" actId="20577"/>
+          <ac:spMkLst>
+            <pc:docMk/>
+            <pc:sldMk cId="155978432" sldId="729"/>
+            <ac:spMk id="5" creationId="{FC189524-E564-48DD-B173-E7D162EDC50C}"/>
+          </ac:spMkLst>
+        </pc:spChg>
+        <pc:spChg chg="add del">
+          <ac:chgData name="Lizethe Pérez Fuertes" userId="4ae9ef87-2a7d-42f8-8dfa-0a501a9e2ff4" providerId="ADAL" clId="{FDDD45CB-1330-4033-A842-3D2746AFF7C7}" dt="2025-09-03T17:51:38.836" v="332" actId="478"/>
+          <ac:spMkLst>
+            <pc:docMk/>
+            <pc:sldMk cId="155978432" sldId="729"/>
+            <ac:spMk id="12" creationId="{45236C5C-4492-4167-82B4-CF01EC88B68A}"/>
+          </ac:spMkLst>
+        </pc:spChg>
+        <pc:picChg chg="add mod">
+          <ac:chgData name="Lizethe Pérez Fuertes" userId="4ae9ef87-2a7d-42f8-8dfa-0a501a9e2ff4" providerId="ADAL" clId="{FDDD45CB-1330-4033-A842-3D2746AFF7C7}" dt="2025-09-03T17:51:03.477" v="328" actId="1076"/>
+          <ac:picMkLst>
+            <pc:docMk/>
+            <pc:sldMk cId="155978432" sldId="729"/>
+            <ac:picMk id="3" creationId="{7FA94031-3EAA-2C65-1CCE-6F3D46DA7C7A}"/>
+          </ac:picMkLst>
+        </pc:picChg>
+        <pc:picChg chg="del">
+          <ac:chgData name="Lizethe Pérez Fuertes" userId="4ae9ef87-2a7d-42f8-8dfa-0a501a9e2ff4" providerId="ADAL" clId="{FDDD45CB-1330-4033-A842-3D2746AFF7C7}" dt="2025-09-03T17:50:57.300" v="324" actId="478"/>
+          <ac:picMkLst>
+            <pc:docMk/>
+            <pc:sldMk cId="155978432" sldId="729"/>
+            <ac:picMk id="8" creationId="{9E8BDEDE-78F6-48B6-B26B-4636CFFD6F1D}"/>
+          </ac:picMkLst>
+        </pc:picChg>
+        <pc:picChg chg="del">
+          <ac:chgData name="Lizethe Pérez Fuertes" userId="4ae9ef87-2a7d-42f8-8dfa-0a501a9e2ff4" providerId="ADAL" clId="{FDDD45CB-1330-4033-A842-3D2746AFF7C7}" dt="2025-09-03T17:50:55.268" v="323" actId="478"/>
+          <ac:picMkLst>
+            <pc:docMk/>
+            <pc:sldMk cId="155978432" sldId="729"/>
+            <ac:picMk id="10" creationId="{78918B87-AE47-43DF-A868-48DA504D01DA}"/>
+          </ac:picMkLst>
+        </pc:picChg>
+      </pc:sldChg>
+      <pc:sldChg chg="addSp delSp modSp mod">
+        <pc:chgData name="Lizethe Pérez Fuertes" userId="4ae9ef87-2a7d-42f8-8dfa-0a501a9e2ff4" providerId="ADAL" clId="{FDDD45CB-1330-4033-A842-3D2746AFF7C7}" dt="2025-09-03T17:44:23.820" v="320" actId="1076"/>
+        <pc:sldMkLst>
+          <pc:docMk/>
+          <pc:sldMk cId="589800836" sldId="730"/>
+        </pc:sldMkLst>
+        <pc:spChg chg="mod">
+          <ac:chgData name="Lizethe Pérez Fuertes" userId="4ae9ef87-2a7d-42f8-8dfa-0a501a9e2ff4" providerId="ADAL" clId="{FDDD45CB-1330-4033-A842-3D2746AFF7C7}" dt="2025-09-03T17:44:23.820" v="320" actId="1076"/>
+          <ac:spMkLst>
+            <pc:docMk/>
+            <pc:sldMk cId="589800836" sldId="730"/>
+            <ac:spMk id="5" creationId="{FC189524-E564-48DD-B173-E7D162EDC50C}"/>
+          </ac:spMkLst>
+        </pc:spChg>
+        <pc:spChg chg="mod">
+          <ac:chgData name="Lizethe Pérez Fuertes" userId="4ae9ef87-2a7d-42f8-8dfa-0a501a9e2ff4" providerId="ADAL" clId="{FDDD45CB-1330-4033-A842-3D2746AFF7C7}" dt="2025-09-03T17:34:15.567" v="213"/>
+          <ac:spMkLst>
+            <pc:docMk/>
+            <pc:sldMk cId="589800836" sldId="730"/>
+            <ac:spMk id="6" creationId="{7B04CF3A-CFE2-489B-A399-BF52B6C4C715}"/>
+          </ac:spMkLst>
+        </pc:spChg>
+        <pc:picChg chg="del">
+          <ac:chgData name="Lizethe Pérez Fuertes" userId="4ae9ef87-2a7d-42f8-8dfa-0a501a9e2ff4" providerId="ADAL" clId="{FDDD45CB-1330-4033-A842-3D2746AFF7C7}" dt="2025-09-03T17:22:59.475" v="2" actId="478"/>
+          <ac:picMkLst>
+            <pc:docMk/>
+            <pc:sldMk cId="589800836" sldId="730"/>
+            <ac:picMk id="3" creationId="{67B840A6-3E96-5996-0981-8414C3D4053A}"/>
+          </ac:picMkLst>
+        </pc:picChg>
+        <pc:picChg chg="del">
+          <ac:chgData name="Lizethe Pérez Fuertes" userId="4ae9ef87-2a7d-42f8-8dfa-0a501a9e2ff4" providerId="ADAL" clId="{FDDD45CB-1330-4033-A842-3D2746AFF7C7}" dt="2025-09-03T17:23:14.789" v="5" actId="478"/>
+          <ac:picMkLst>
+            <pc:docMk/>
+            <pc:sldMk cId="589800836" sldId="730"/>
+            <ac:picMk id="4" creationId="{9580680C-9CC9-4EA3-B20A-E32B47C0246B}"/>
+          </ac:picMkLst>
+        </pc:picChg>
+        <pc:picChg chg="add del mod">
+          <ac:chgData name="Lizethe Pérez Fuertes" userId="4ae9ef87-2a7d-42f8-8dfa-0a501a9e2ff4" providerId="ADAL" clId="{FDDD45CB-1330-4033-A842-3D2746AFF7C7}" dt="2025-09-03T17:33:54.872" v="189" actId="478"/>
+          <ac:picMkLst>
+            <pc:docMk/>
+            <pc:sldMk cId="589800836" sldId="730"/>
+            <ac:picMk id="7" creationId="{73E4D1ED-34DF-0D17-C963-BE9D6B542065}"/>
+          </ac:picMkLst>
+        </pc:picChg>
+        <pc:picChg chg="add mod">
+          <ac:chgData name="Lizethe Pérez Fuertes" userId="4ae9ef87-2a7d-42f8-8dfa-0a501a9e2ff4" providerId="ADAL" clId="{FDDD45CB-1330-4033-A842-3D2746AFF7C7}" dt="2025-09-03T17:39:51.773" v="288" actId="1076"/>
+          <ac:picMkLst>
+            <pc:docMk/>
+            <pc:sldMk cId="589800836" sldId="730"/>
+            <ac:picMk id="9" creationId="{CB066C06-55B5-2780-069C-E34F3460A7AD}"/>
+          </ac:picMkLst>
+        </pc:picChg>
+      </pc:sldChg>
+      <pc:sldChg chg="del">
+        <pc:chgData name="Lizethe Pérez Fuertes" userId="4ae9ef87-2a7d-42f8-8dfa-0a501a9e2ff4" providerId="ADAL" clId="{FDDD45CB-1330-4033-A842-3D2746AFF7C7}" dt="2025-09-03T17:31:07.685" v="188" actId="47"/>
+        <pc:sldMkLst>
+          <pc:docMk/>
+          <pc:sldMk cId="1078318760" sldId="731"/>
+        </pc:sldMkLst>
+      </pc:sldChg>
+      <pc:sldChg chg="addSp delSp modSp add mod">
+        <pc:chgData name="Lizethe Pérez Fuertes" userId="4ae9ef87-2a7d-42f8-8dfa-0a501a9e2ff4" providerId="ADAL" clId="{FDDD45CB-1330-4033-A842-3D2746AFF7C7}" dt="2025-09-03T17:52:42.306" v="340" actId="20577"/>
+        <pc:sldMkLst>
+          <pc:docMk/>
+          <pc:sldMk cId="3134704428" sldId="731"/>
+        </pc:sldMkLst>
+        <pc:spChg chg="mod">
+          <ac:chgData name="Lizethe Pérez Fuertes" userId="4ae9ef87-2a7d-42f8-8dfa-0a501a9e2ff4" providerId="ADAL" clId="{FDDD45CB-1330-4033-A842-3D2746AFF7C7}" dt="2025-09-03T17:52:42.306" v="340" actId="20577"/>
+          <ac:spMkLst>
+            <pc:docMk/>
+            <pc:sldMk cId="3134704428" sldId="731"/>
+            <ac:spMk id="12" creationId="{BEEF0D9B-9613-E1C5-F39D-B4AD7AD60D6A}"/>
+          </ac:spMkLst>
+        </pc:spChg>
+        <pc:picChg chg="del">
+          <ac:chgData name="Lizethe Pérez Fuertes" userId="4ae9ef87-2a7d-42f8-8dfa-0a501a9e2ff4" providerId="ADAL" clId="{FDDD45CB-1330-4033-A842-3D2746AFF7C7}" dt="2025-09-03T17:52:15.356" v="333" actId="478"/>
+          <ac:picMkLst>
+            <pc:docMk/>
+            <pc:sldMk cId="3134704428" sldId="731"/>
+            <ac:picMk id="3" creationId="{D152EE2B-302F-357C-EBF5-3EDA660A141F}"/>
+          </ac:picMkLst>
+        </pc:picChg>
+        <pc:picChg chg="add mod">
+          <ac:chgData name="Lizethe Pérez Fuertes" userId="4ae9ef87-2a7d-42f8-8dfa-0a501a9e2ff4" providerId="ADAL" clId="{FDDD45CB-1330-4033-A842-3D2746AFF7C7}" dt="2025-09-03T17:52:34.582" v="339" actId="14100"/>
+          <ac:picMkLst>
+            <pc:docMk/>
+            <pc:sldMk cId="3134704428" sldId="731"/>
+            <ac:picMk id="4" creationId="{A31A5C34-9DA4-2324-CA7E-0BFBAD89BD8B}"/>
+          </ac:picMkLst>
+        </pc:picChg>
+      </pc:sldChg>
+      <pc:sldChg chg="addSp delSp modSp add mod">
+        <pc:chgData name="Lizethe Pérez Fuertes" userId="4ae9ef87-2a7d-42f8-8dfa-0a501a9e2ff4" providerId="ADAL" clId="{FDDD45CB-1330-4033-A842-3D2746AFF7C7}" dt="2025-09-03T18:33:13.529" v="375" actId="113"/>
+        <pc:sldMkLst>
+          <pc:docMk/>
+          <pc:sldMk cId="1919744961" sldId="732"/>
+        </pc:sldMkLst>
+        <pc:spChg chg="mod">
+          <ac:chgData name="Lizethe Pérez Fuertes" userId="4ae9ef87-2a7d-42f8-8dfa-0a501a9e2ff4" providerId="ADAL" clId="{FDDD45CB-1330-4033-A842-3D2746AFF7C7}" dt="2025-09-03T18:33:13.529" v="375" actId="113"/>
+          <ac:spMkLst>
+            <pc:docMk/>
+            <pc:sldMk cId="1919744961" sldId="732"/>
+            <ac:spMk id="3" creationId="{731A6801-6C8C-D007-4366-6A294226C510}"/>
+          </ac:spMkLst>
+        </pc:spChg>
+        <pc:spChg chg="mod">
+          <ac:chgData name="Lizethe Pérez Fuertes" userId="4ae9ef87-2a7d-42f8-8dfa-0a501a9e2ff4" providerId="ADAL" clId="{FDDD45CB-1330-4033-A842-3D2746AFF7C7}" dt="2025-09-03T18:19:21.946" v="346" actId="6549"/>
+          <ac:spMkLst>
+            <pc:docMk/>
+            <pc:sldMk cId="1919744961" sldId="732"/>
+            <ac:spMk id="7" creationId="{A27303CE-DCC1-3013-97FF-268A3292B1FB}"/>
+          </ac:spMkLst>
+        </pc:spChg>
+        <pc:spChg chg="del">
+          <ac:chgData name="Lizethe Pérez Fuertes" userId="4ae9ef87-2a7d-42f8-8dfa-0a501a9e2ff4" providerId="ADAL" clId="{FDDD45CB-1330-4033-A842-3D2746AFF7C7}" dt="2025-09-03T18:19:27.036" v="347" actId="478"/>
+          <ac:spMkLst>
+            <pc:docMk/>
+            <pc:sldMk cId="1919744961" sldId="732"/>
+            <ac:spMk id="10" creationId="{6F763D7A-9542-8C65-C1A3-A9C0E8F45228}"/>
+          </ac:spMkLst>
+        </pc:spChg>
+        <pc:picChg chg="del mod">
+          <ac:chgData name="Lizethe Pérez Fuertes" userId="4ae9ef87-2a7d-42f8-8dfa-0a501a9e2ff4" providerId="ADAL" clId="{FDDD45CB-1330-4033-A842-3D2746AFF7C7}" dt="2025-09-03T18:19:31.897" v="349" actId="478"/>
+          <ac:picMkLst>
+            <pc:docMk/>
+            <pc:sldMk cId="1919744961" sldId="732"/>
+            <ac:picMk id="4" creationId="{6F17F71A-7A5E-60EE-3C19-8867623FE112}"/>
+          </ac:picMkLst>
+        </pc:picChg>
+        <pc:picChg chg="add mod">
+          <ac:chgData name="Lizethe Pérez Fuertes" userId="4ae9ef87-2a7d-42f8-8dfa-0a501a9e2ff4" providerId="ADAL" clId="{FDDD45CB-1330-4033-A842-3D2746AFF7C7}" dt="2025-09-03T18:33:10.785" v="374" actId="1076"/>
+          <ac:picMkLst>
+            <pc:docMk/>
+            <pc:sldMk cId="1919744961" sldId="732"/>
+            <ac:picMk id="5" creationId="{A49844EA-464A-B92D-FFF7-A3303FD25631}"/>
+          </ac:picMkLst>
+        </pc:picChg>
       </pc:sldChg>
     </pc:docChg>
   </pc:docChgLst>
@@ -289,7 +620,7 @@
           <a:p>
             <a:fld id="{DDE721D5-655F-45D2-B717-3C4CD78C8568}" type="datetimeFigureOut">
               <a:rPr lang="es-MX" smtClean="0"/>
-              <a:t>02/09/2025</a:t>
+              <a:t>03/09/2025</a:t>
             </a:fld>
             <a:endParaRPr lang="es-MX" dirty="0"/>
           </a:p>
@@ -3067,7 +3398,7 @@
     </p:spTree>
     <p:extLst>
       <p:ext uri="{BB962C8B-B14F-4D97-AF65-F5344CB8AC3E}">
-        <p14:creationId xmlns:p14="http://schemas.microsoft.com/office/powerpoint/2010/main" val="142859735"/>
+        <p14:creationId xmlns:p14="http://schemas.microsoft.com/office/powerpoint/2010/main" val="2301885728"/>
       </p:ext>
     </p:extLst>
   </p:cSld>
@@ -3151,7 +3482,7 @@
     </p:spTree>
     <p:extLst>
       <p:ext uri="{BB962C8B-B14F-4D97-AF65-F5344CB8AC3E}">
-        <p14:creationId xmlns:p14="http://schemas.microsoft.com/office/powerpoint/2010/main" val="2301885728"/>
+        <p14:creationId xmlns:p14="http://schemas.microsoft.com/office/powerpoint/2010/main" val="3726423580"/>
       </p:ext>
     </p:extLst>
   </p:cSld>
@@ -3235,7 +3566,7 @@
     </p:spTree>
     <p:extLst>
       <p:ext uri="{BB962C8B-B14F-4D97-AF65-F5344CB8AC3E}">
-        <p14:creationId xmlns:p14="http://schemas.microsoft.com/office/powerpoint/2010/main" val="3726423580"/>
+        <p14:creationId xmlns:p14="http://schemas.microsoft.com/office/powerpoint/2010/main" val="1317899946"/>
       </p:ext>
     </p:extLst>
   </p:cSld>
@@ -3319,7 +3650,7 @@
     </p:spTree>
     <p:extLst>
       <p:ext uri="{BB962C8B-B14F-4D97-AF65-F5344CB8AC3E}">
-        <p14:creationId xmlns:p14="http://schemas.microsoft.com/office/powerpoint/2010/main" val="1317899946"/>
+        <p14:creationId xmlns:p14="http://schemas.microsoft.com/office/powerpoint/2010/main" val="2617218241"/>
       </p:ext>
     </p:extLst>
   </p:cSld>
@@ -3487,7 +3818,7 @@
     </p:spTree>
     <p:extLst>
       <p:ext uri="{BB962C8B-B14F-4D97-AF65-F5344CB8AC3E}">
-        <p14:creationId xmlns:p14="http://schemas.microsoft.com/office/powerpoint/2010/main" val="2617218241"/>
+        <p14:creationId xmlns:p14="http://schemas.microsoft.com/office/powerpoint/2010/main" val="772452526"/>
       </p:ext>
     </p:extLst>
   </p:cSld>
@@ -3571,7 +3902,7 @@
     </p:spTree>
     <p:extLst>
       <p:ext uri="{BB962C8B-B14F-4D97-AF65-F5344CB8AC3E}">
-        <p14:creationId xmlns:p14="http://schemas.microsoft.com/office/powerpoint/2010/main" val="772452526"/>
+        <p14:creationId xmlns:p14="http://schemas.microsoft.com/office/powerpoint/2010/main" val="3118897239"/>
       </p:ext>
     </p:extLst>
   </p:cSld>
@@ -3655,7 +3986,7 @@
     </p:spTree>
     <p:extLst>
       <p:ext uri="{BB962C8B-B14F-4D97-AF65-F5344CB8AC3E}">
-        <p14:creationId xmlns:p14="http://schemas.microsoft.com/office/powerpoint/2010/main" val="3118897239"/>
+        <p14:creationId xmlns:p14="http://schemas.microsoft.com/office/powerpoint/2010/main" val="1455058044"/>
       </p:ext>
     </p:extLst>
   </p:cSld>
@@ -3739,7 +4070,7 @@
     </p:spTree>
     <p:extLst>
       <p:ext uri="{BB962C8B-B14F-4D97-AF65-F5344CB8AC3E}">
-        <p14:creationId xmlns:p14="http://schemas.microsoft.com/office/powerpoint/2010/main" val="1455058044"/>
+        <p14:creationId xmlns:p14="http://schemas.microsoft.com/office/powerpoint/2010/main" val="1303278371"/>
       </p:ext>
     </p:extLst>
   </p:cSld>
@@ -3823,7 +4154,7 @@
     </p:spTree>
     <p:extLst>
       <p:ext uri="{BB962C8B-B14F-4D97-AF65-F5344CB8AC3E}">
-        <p14:creationId xmlns:p14="http://schemas.microsoft.com/office/powerpoint/2010/main" val="1303278371"/>
+        <p14:creationId xmlns:p14="http://schemas.microsoft.com/office/powerpoint/2010/main" val="356638316"/>
       </p:ext>
     </p:extLst>
   </p:cSld>
@@ -3907,7 +4238,7 @@
     </p:spTree>
     <p:extLst>
       <p:ext uri="{BB962C8B-B14F-4D97-AF65-F5344CB8AC3E}">
-        <p14:creationId xmlns:p14="http://schemas.microsoft.com/office/powerpoint/2010/main" val="356638316"/>
+        <p14:creationId xmlns:p14="http://schemas.microsoft.com/office/powerpoint/2010/main" val="4293576474"/>
       </p:ext>
     </p:extLst>
   </p:cSld>
@@ -3991,7 +4322,7 @@
     </p:spTree>
     <p:extLst>
       <p:ext uri="{BB962C8B-B14F-4D97-AF65-F5344CB8AC3E}">
-        <p14:creationId xmlns:p14="http://schemas.microsoft.com/office/powerpoint/2010/main" val="1841337434"/>
+        <p14:creationId xmlns:p14="http://schemas.microsoft.com/office/powerpoint/2010/main" val="2545028243"/>
       </p:ext>
     </p:extLst>
   </p:cSld>
@@ -4009,7 +4340,7 @@
         <p:cNvPr id="1" name="">
           <a:extLst>
             <a:ext uri="{FF2B5EF4-FFF2-40B4-BE49-F238E27FC236}">
-              <a16:creationId xmlns:a16="http://schemas.microsoft.com/office/drawing/2014/main" id="{1163BE30-960E-5F3D-F99F-B27E95C8E26C}"/>
+              <a16:creationId xmlns:a16="http://schemas.microsoft.com/office/drawing/2014/main" id="{034A7016-EEED-FE09-A227-EB57ECD51E90}"/>
             </a:ext>
           </a:extLst>
         </p:cNvPr>
@@ -4029,7 +4360,7 @@
           <p:cNvPr id="2" name="Marcador de imagen de diapositiva 1">
             <a:extLst>
               <a:ext uri="{FF2B5EF4-FFF2-40B4-BE49-F238E27FC236}">
-                <a16:creationId xmlns:a16="http://schemas.microsoft.com/office/drawing/2014/main" id="{8E0AE22D-79F9-5A37-5E1F-33A603E1A049}"/>
+                <a16:creationId xmlns:a16="http://schemas.microsoft.com/office/drawing/2014/main" id="{7EA1AADA-DA34-5FB7-CC81-AFAA6575F2B8}"/>
               </a:ext>
             </a:extLst>
           </p:cNvPr>
@@ -4047,7 +4378,7 @@
           <p:cNvPr id="3" name="Marcador de notas 2">
             <a:extLst>
               <a:ext uri="{FF2B5EF4-FFF2-40B4-BE49-F238E27FC236}">
-                <a16:creationId xmlns:a16="http://schemas.microsoft.com/office/drawing/2014/main" id="{9249C304-BEF3-1091-90C4-64AD00EF8000}"/>
+                <a16:creationId xmlns:a16="http://schemas.microsoft.com/office/drawing/2014/main" id="{78FD9BC3-CD39-DDBA-2403-B6EA36DBA341}"/>
               </a:ext>
             </a:extLst>
           </p:cNvPr>
@@ -4072,7 +4403,7 @@
           <p:cNvPr id="4" name="Marcador de número de diapositiva 3">
             <a:extLst>
               <a:ext uri="{FF2B5EF4-FFF2-40B4-BE49-F238E27FC236}">
-                <a16:creationId xmlns:a16="http://schemas.microsoft.com/office/drawing/2014/main" id="{95F62BCB-2777-0E45-D3DC-D196CA5D4234}"/>
+                <a16:creationId xmlns:a16="http://schemas.microsoft.com/office/drawing/2014/main" id="{B26E8DAB-5CF4-4F81-DCE5-84903A596637}"/>
               </a:ext>
             </a:extLst>
           </p:cNvPr>
@@ -4099,7 +4430,7 @@
     </p:spTree>
     <p:extLst>
       <p:ext uri="{BB962C8B-B14F-4D97-AF65-F5344CB8AC3E}">
-        <p14:creationId xmlns:p14="http://schemas.microsoft.com/office/powerpoint/2010/main" val="232938800"/>
+        <p14:creationId xmlns:p14="http://schemas.microsoft.com/office/powerpoint/2010/main" val="1322724279"/>
       </p:ext>
     </p:extLst>
   </p:cSld>
@@ -4183,7 +4514,7 @@
     </p:spTree>
     <p:extLst>
       <p:ext uri="{BB962C8B-B14F-4D97-AF65-F5344CB8AC3E}">
-        <p14:creationId xmlns:p14="http://schemas.microsoft.com/office/powerpoint/2010/main" val="4293576474"/>
+        <p14:creationId xmlns:p14="http://schemas.microsoft.com/office/powerpoint/2010/main" val="693097353"/>
       </p:ext>
     </p:extLst>
   </p:cSld>
@@ -4198,7 +4529,13 @@
   <p:cSld>
     <p:spTree>
       <p:nvGrpSpPr>
-        <p:cNvPr id="1" name=""/>
+        <p:cNvPr id="1" name="">
+          <a:extLst>
+            <a:ext uri="{FF2B5EF4-FFF2-40B4-BE49-F238E27FC236}">
+              <a16:creationId xmlns:a16="http://schemas.microsoft.com/office/drawing/2014/main" id="{2A3E7FAB-C5A8-64C2-196E-80A48C3DAF9E}"/>
+            </a:ext>
+          </a:extLst>
+        </p:cNvPr>
         <p:cNvGrpSpPr/>
         <p:nvPr/>
       </p:nvGrpSpPr>
@@ -4212,7 +4549,13 @@
       </p:grpSpPr>
       <p:sp>
         <p:nvSpPr>
-          <p:cNvPr id="2" name="Marcador de imagen de diapositiva 1"/>
+          <p:cNvPr id="2" name="Marcador de imagen de diapositiva 1">
+            <a:extLst>
+              <a:ext uri="{FF2B5EF4-FFF2-40B4-BE49-F238E27FC236}">
+                <a16:creationId xmlns:a16="http://schemas.microsoft.com/office/drawing/2014/main" id="{571A35E6-5E5A-1CD4-39B8-B4A1502BFBA9}"/>
+              </a:ext>
+            </a:extLst>
+          </p:cNvPr>
           <p:cNvSpPr>
             <a:spLocks noGrp="1" noRot="1" noChangeAspect="1"/>
           </p:cNvSpPr>
@@ -4224,7 +4567,13 @@
       </p:sp>
       <p:sp>
         <p:nvSpPr>
-          <p:cNvPr id="3" name="Marcador de notas 2"/>
+          <p:cNvPr id="3" name="Marcador de notas 2">
+            <a:extLst>
+              <a:ext uri="{FF2B5EF4-FFF2-40B4-BE49-F238E27FC236}">
+                <a16:creationId xmlns:a16="http://schemas.microsoft.com/office/drawing/2014/main" id="{88B782C1-4058-EEF3-CA72-F185CC8E0628}"/>
+              </a:ext>
+            </a:extLst>
+          </p:cNvPr>
           <p:cNvSpPr>
             <a:spLocks noGrp="1"/>
           </p:cNvSpPr>
@@ -4243,7 +4592,13 @@
       </p:sp>
       <p:sp>
         <p:nvSpPr>
-          <p:cNvPr id="4" name="Marcador de número de diapositiva 3"/>
+          <p:cNvPr id="4" name="Marcador de número de diapositiva 3">
+            <a:extLst>
+              <a:ext uri="{FF2B5EF4-FFF2-40B4-BE49-F238E27FC236}">
+                <a16:creationId xmlns:a16="http://schemas.microsoft.com/office/drawing/2014/main" id="{90A9593D-4543-51C8-094A-CBFB694F74AB}"/>
+              </a:ext>
+            </a:extLst>
+          </p:cNvPr>
           <p:cNvSpPr>
             <a:spLocks noGrp="1"/>
           </p:cNvSpPr>
@@ -4267,7 +4622,7 @@
     </p:spTree>
     <p:extLst>
       <p:ext uri="{BB962C8B-B14F-4D97-AF65-F5344CB8AC3E}">
-        <p14:creationId xmlns:p14="http://schemas.microsoft.com/office/powerpoint/2010/main" val="2545028243"/>
+        <p14:creationId xmlns:p14="http://schemas.microsoft.com/office/powerpoint/2010/main" val="1381465508"/>
       </p:ext>
     </p:extLst>
   </p:cSld>
@@ -4352,174 +4707,6 @@
     <p:extLst>
       <p:ext uri="{BB962C8B-B14F-4D97-AF65-F5344CB8AC3E}">
         <p14:creationId xmlns:p14="http://schemas.microsoft.com/office/powerpoint/2010/main" val="1612093484"/>
-      </p:ext>
-    </p:extLst>
-  </p:cSld>
-  <p:clrMapOvr>
-    <a:masterClrMapping/>
-  </p:clrMapOvr>
-</p:notes>
-</file>
-
-<file path=ppt/notesSlides/notesSlide50.xml><?xml version="1.0" encoding="utf-8"?>
-<p:notes xmlns:a="http://schemas.openxmlformats.org/drawingml/2006/main" xmlns:r="http://schemas.openxmlformats.org/officeDocument/2006/relationships" xmlns:p="http://schemas.openxmlformats.org/presentationml/2006/main">
-  <p:cSld>
-    <p:spTree>
-      <p:nvGrpSpPr>
-        <p:cNvPr id="1" name=""/>
-        <p:cNvGrpSpPr/>
-        <p:nvPr/>
-      </p:nvGrpSpPr>
-      <p:grpSpPr>
-        <a:xfrm>
-          <a:off x="0" y="0"/>
-          <a:ext cx="0" cy="0"/>
-          <a:chOff x="0" y="0"/>
-          <a:chExt cx="0" cy="0"/>
-        </a:xfrm>
-      </p:grpSpPr>
-      <p:sp>
-        <p:nvSpPr>
-          <p:cNvPr id="2" name="Marcador de imagen de diapositiva 1"/>
-          <p:cNvSpPr>
-            <a:spLocks noGrp="1" noRot="1" noChangeAspect="1"/>
-          </p:cNvSpPr>
-          <p:nvPr>
-            <p:ph type="sldImg"/>
-          </p:nvPr>
-        </p:nvSpPr>
-        <p:spPr/>
-      </p:sp>
-      <p:sp>
-        <p:nvSpPr>
-          <p:cNvPr id="3" name="Marcador de notas 2"/>
-          <p:cNvSpPr>
-            <a:spLocks noGrp="1"/>
-          </p:cNvSpPr>
-          <p:nvPr>
-            <p:ph type="body" idx="1"/>
-          </p:nvPr>
-        </p:nvSpPr>
-        <p:spPr/>
-        <p:txBody>
-          <a:bodyPr/>
-          <a:lstStyle/>
-          <a:p>
-            <a:endParaRPr lang="es-MX" dirty="0"/>
-          </a:p>
-        </p:txBody>
-      </p:sp>
-      <p:sp>
-        <p:nvSpPr>
-          <p:cNvPr id="4" name="Marcador de número de diapositiva 3"/>
-          <p:cNvSpPr>
-            <a:spLocks noGrp="1"/>
-          </p:cNvSpPr>
-          <p:nvPr>
-            <p:ph type="sldNum" sz="quarter" idx="5"/>
-          </p:nvPr>
-        </p:nvSpPr>
-        <p:spPr/>
-        <p:txBody>
-          <a:bodyPr/>
-          <a:lstStyle/>
-          <a:p>
-            <a:fld id="{6BAB4312-99A1-4CE9-ACE7-4C62E9FD90EE}" type="slidenum">
-              <a:rPr lang="es-MX" smtClean="0"/>
-              <a:t>51</a:t>
-            </a:fld>
-            <a:endParaRPr lang="es-MX" dirty="0"/>
-          </a:p>
-        </p:txBody>
-      </p:sp>
-    </p:spTree>
-    <p:extLst>
-      <p:ext uri="{BB962C8B-B14F-4D97-AF65-F5344CB8AC3E}">
-        <p14:creationId xmlns:p14="http://schemas.microsoft.com/office/powerpoint/2010/main" val="216320218"/>
-      </p:ext>
-    </p:extLst>
-  </p:cSld>
-  <p:clrMapOvr>
-    <a:masterClrMapping/>
-  </p:clrMapOvr>
-</p:notes>
-</file>
-
-<file path=ppt/notesSlides/notesSlide51.xml><?xml version="1.0" encoding="utf-8"?>
-<p:notes xmlns:a="http://schemas.openxmlformats.org/drawingml/2006/main" xmlns:r="http://schemas.openxmlformats.org/officeDocument/2006/relationships" xmlns:p="http://schemas.openxmlformats.org/presentationml/2006/main">
-  <p:cSld>
-    <p:spTree>
-      <p:nvGrpSpPr>
-        <p:cNvPr id="1" name=""/>
-        <p:cNvGrpSpPr/>
-        <p:nvPr/>
-      </p:nvGrpSpPr>
-      <p:grpSpPr>
-        <a:xfrm>
-          <a:off x="0" y="0"/>
-          <a:ext cx="0" cy="0"/>
-          <a:chOff x="0" y="0"/>
-          <a:chExt cx="0" cy="0"/>
-        </a:xfrm>
-      </p:grpSpPr>
-      <p:sp>
-        <p:nvSpPr>
-          <p:cNvPr id="2" name="Marcador de imagen de diapositiva 1"/>
-          <p:cNvSpPr>
-            <a:spLocks noGrp="1" noRot="1" noChangeAspect="1"/>
-          </p:cNvSpPr>
-          <p:nvPr>
-            <p:ph type="sldImg"/>
-          </p:nvPr>
-        </p:nvSpPr>
-        <p:spPr/>
-      </p:sp>
-      <p:sp>
-        <p:nvSpPr>
-          <p:cNvPr id="3" name="Marcador de notas 2"/>
-          <p:cNvSpPr>
-            <a:spLocks noGrp="1"/>
-          </p:cNvSpPr>
-          <p:nvPr>
-            <p:ph type="body" idx="1"/>
-          </p:nvPr>
-        </p:nvSpPr>
-        <p:spPr/>
-        <p:txBody>
-          <a:bodyPr/>
-          <a:lstStyle/>
-          <a:p>
-            <a:endParaRPr lang="es-MX" dirty="0"/>
-          </a:p>
-        </p:txBody>
-      </p:sp>
-      <p:sp>
-        <p:nvSpPr>
-          <p:cNvPr id="4" name="Marcador de número de diapositiva 3"/>
-          <p:cNvSpPr>
-            <a:spLocks noGrp="1"/>
-          </p:cNvSpPr>
-          <p:nvPr>
-            <p:ph type="sldNum" sz="quarter" idx="5"/>
-          </p:nvPr>
-        </p:nvSpPr>
-        <p:spPr/>
-        <p:txBody>
-          <a:bodyPr/>
-          <a:lstStyle/>
-          <a:p>
-            <a:fld id="{6BAB4312-99A1-4CE9-ACE7-4C62E9FD90EE}" type="slidenum">
-              <a:rPr lang="es-MX" smtClean="0"/>
-              <a:t>52</a:t>
-            </a:fld>
-            <a:endParaRPr lang="es-MX" dirty="0"/>
-          </a:p>
-        </p:txBody>
-      </p:sp>
-    </p:spTree>
-    <p:extLst>
-      <p:ext uri="{BB962C8B-B14F-4D97-AF65-F5344CB8AC3E}">
-        <p14:creationId xmlns:p14="http://schemas.microsoft.com/office/powerpoint/2010/main" val="693097353"/>
       </p:ext>
     </p:extLst>
   </p:cSld>
@@ -5046,7 +5233,7 @@
           <a:p>
             <a:fld id="{B3F3E716-CACC-4490-AD07-F24B6A68DE47}" type="datetimeFigureOut">
               <a:rPr lang="es-MX" smtClean="0"/>
-              <a:t>02/09/2025</a:t>
+              <a:t>03/09/2025</a:t>
             </a:fld>
             <a:endParaRPr lang="es-MX" dirty="0"/>
           </a:p>
@@ -5216,7 +5403,7 @@
           <a:p>
             <a:fld id="{B3F3E716-CACC-4490-AD07-F24B6A68DE47}" type="datetimeFigureOut">
               <a:rPr lang="es-MX" smtClean="0"/>
-              <a:t>02/09/2025</a:t>
+              <a:t>03/09/2025</a:t>
             </a:fld>
             <a:endParaRPr lang="es-MX" dirty="0"/>
           </a:p>
@@ -5396,7 +5583,7 @@
           <a:p>
             <a:fld id="{B3F3E716-CACC-4490-AD07-F24B6A68DE47}" type="datetimeFigureOut">
               <a:rPr lang="es-MX" smtClean="0"/>
-              <a:t>02/09/2025</a:t>
+              <a:t>03/09/2025</a:t>
             </a:fld>
             <a:endParaRPr lang="es-MX" dirty="0"/>
           </a:p>
@@ -5549,7 +5736,7 @@
           <a:p>
             <a:fld id="{1D8BD707-D9CF-40AE-B4C6-C98DA3205C09}" type="datetimeFigureOut">
               <a:rPr lang="en-US" smtClean="0"/>
-              <a:t>9/2/2025</a:t>
+              <a:t>9/3/2025</a:t>
             </a:fld>
             <a:endParaRPr lang="en-US" dirty="0"/>
           </a:p>
@@ -5709,7 +5896,7 @@
           <a:p>
             <a:fld id="{B3F3E716-CACC-4490-AD07-F24B6A68DE47}" type="datetimeFigureOut">
               <a:rPr lang="es-MX" smtClean="0"/>
-              <a:t>02/09/2025</a:t>
+              <a:t>03/09/2025</a:t>
             </a:fld>
             <a:endParaRPr lang="es-MX" dirty="0"/>
           </a:p>
@@ -5955,7 +6142,7 @@
           <a:p>
             <a:fld id="{B3F3E716-CACC-4490-AD07-F24B6A68DE47}" type="datetimeFigureOut">
               <a:rPr lang="es-MX" smtClean="0"/>
-              <a:t>02/09/2025</a:t>
+              <a:t>03/09/2025</a:t>
             </a:fld>
             <a:endParaRPr lang="es-MX" dirty="0"/>
           </a:p>
@@ -6243,7 +6430,7 @@
           <a:p>
             <a:fld id="{B3F3E716-CACC-4490-AD07-F24B6A68DE47}" type="datetimeFigureOut">
               <a:rPr lang="es-MX" smtClean="0"/>
-              <a:t>02/09/2025</a:t>
+              <a:t>03/09/2025</a:t>
             </a:fld>
             <a:endParaRPr lang="es-MX" dirty="0"/>
           </a:p>
@@ -6665,7 +6852,7 @@
           <a:p>
             <a:fld id="{B3F3E716-CACC-4490-AD07-F24B6A68DE47}" type="datetimeFigureOut">
               <a:rPr lang="es-MX" smtClean="0"/>
-              <a:t>02/09/2025</a:t>
+              <a:t>03/09/2025</a:t>
             </a:fld>
             <a:endParaRPr lang="es-MX" dirty="0"/>
           </a:p>
@@ -6783,7 +6970,7 @@
           <a:p>
             <a:fld id="{B3F3E716-CACC-4490-AD07-F24B6A68DE47}" type="datetimeFigureOut">
               <a:rPr lang="es-MX" smtClean="0"/>
-              <a:t>02/09/2025</a:t>
+              <a:t>03/09/2025</a:t>
             </a:fld>
             <a:endParaRPr lang="es-MX" dirty="0"/>
           </a:p>
@@ -6878,7 +7065,7 @@
           <a:p>
             <a:fld id="{B3F3E716-CACC-4490-AD07-F24B6A68DE47}" type="datetimeFigureOut">
               <a:rPr lang="es-MX" smtClean="0"/>
-              <a:t>02/09/2025</a:t>
+              <a:t>03/09/2025</a:t>
             </a:fld>
             <a:endParaRPr lang="es-MX" dirty="0"/>
           </a:p>
@@ -7155,7 +7342,7 @@
           <a:p>
             <a:fld id="{B3F3E716-CACC-4490-AD07-F24B6A68DE47}" type="datetimeFigureOut">
               <a:rPr lang="es-MX" smtClean="0"/>
-              <a:t>02/09/2025</a:t>
+              <a:t>03/09/2025</a:t>
             </a:fld>
             <a:endParaRPr lang="es-MX" dirty="0"/>
           </a:p>
@@ -7408,7 +7595,7 @@
           <a:p>
             <a:fld id="{B3F3E716-CACC-4490-AD07-F24B6A68DE47}" type="datetimeFigureOut">
               <a:rPr lang="es-MX" smtClean="0"/>
-              <a:t>02/09/2025</a:t>
+              <a:t>03/09/2025</a:t>
             </a:fld>
             <a:endParaRPr lang="es-MX" dirty="0"/>
           </a:p>
@@ -7621,7 +7808,7 @@
           <a:p>
             <a:fld id="{B3F3E716-CACC-4490-AD07-F24B6A68DE47}" type="datetimeFigureOut">
               <a:rPr lang="es-MX" smtClean="0"/>
-              <a:t>02/09/2025</a:t>
+              <a:t>03/09/2025</a:t>
             </a:fld>
             <a:endParaRPr lang="es-MX" dirty="0"/>
           </a:p>
@@ -15493,7 +15680,7 @@
         </p:nvSpPr>
         <p:spPr>
           <a:xfrm>
-            <a:off x="251520" y="116632"/>
+            <a:off x="390364" y="260648"/>
             <a:ext cx="8363272" cy="1143000"/>
           </a:xfrm>
         </p:spPr>
@@ -15539,8 +15726,8 @@
         </p:nvSpPr>
         <p:spPr>
           <a:xfrm>
-            <a:off x="1259632" y="1628800"/>
-            <a:ext cx="7056784" cy="506292"/>
+            <a:off x="713980" y="1648459"/>
+            <a:ext cx="7890467" cy="967957"/>
           </a:xfrm>
           <a:prstGeom prst="rect">
             <a:avLst/>
@@ -15564,7 +15751,7 @@
             </a:r>
             <a:r>
               <a:rPr lang="es-MX" sz="2000" dirty="0"/>
-              <a:t>Identificar números telefónicos y agrupar la lada.</a:t>
+              <a:t>Identificar los números telefónicos que comiencen con 1 o 2 después de la lada 442.</a:t>
             </a:r>
           </a:p>
         </p:txBody>
@@ -15583,7 +15770,7 @@
         </p:nvSpPr>
         <p:spPr>
           <a:xfrm>
-            <a:off x="924309" y="990633"/>
+            <a:off x="1063153" y="1134649"/>
             <a:ext cx="7017694" cy="393698"/>
           </a:xfrm>
           <a:prstGeom prst="rect">
@@ -15622,10 +15809,10 @@
       </p:sp>
       <p:pic>
         <p:nvPicPr>
-          <p:cNvPr id="3" name="Imagen 2">
+          <p:cNvPr id="7" name="Imagen 6">
             <a:extLst>
               <a:ext uri="{FF2B5EF4-FFF2-40B4-BE49-F238E27FC236}">
-                <a16:creationId xmlns:a16="http://schemas.microsoft.com/office/drawing/2014/main" id="{11BF9F01-638F-40F7-AC3B-29A9F44933FC}"/>
+                <a16:creationId xmlns:a16="http://schemas.microsoft.com/office/drawing/2014/main" id="{BF36162E-AB01-4082-9DCC-64CA926DEA3F}"/>
               </a:ext>
             </a:extLst>
           </p:cNvPr>
@@ -15642,8 +15829,8 @@
         </p:blipFill>
         <p:spPr>
           <a:xfrm>
-            <a:off x="1258811" y="2488915"/>
-            <a:ext cx="5935459" cy="3714765"/>
+            <a:off x="1143000" y="2861227"/>
+            <a:ext cx="6858000" cy="2990850"/>
           </a:xfrm>
           <a:prstGeom prst="rect">
             <a:avLst/>
@@ -15653,7 +15840,7 @@
     </p:spTree>
     <p:extLst>
       <p:ext uri="{BB962C8B-B14F-4D97-AF65-F5344CB8AC3E}">
-        <p14:creationId xmlns:p14="http://schemas.microsoft.com/office/powerpoint/2010/main" val="647178352"/>
+        <p14:creationId xmlns:p14="http://schemas.microsoft.com/office/powerpoint/2010/main" val="2219602021"/>
       </p:ext>
     </p:extLst>
   </p:cSld>
@@ -15692,7 +15879,7 @@
         </p:nvSpPr>
         <p:spPr>
           <a:xfrm>
-            <a:off x="390364" y="260648"/>
+            <a:off x="390364" y="114351"/>
             <a:ext cx="8363272" cy="1143000"/>
           </a:xfrm>
         </p:spPr>
@@ -15759,11 +15946,11 @@
             </a:pPr>
             <a:r>
               <a:rPr lang="es-MX" sz="2000" b="1" dirty="0"/>
-              <a:t>Ejemplo: </a:t>
+              <a:t>Ejemplo:</a:t>
             </a:r>
             <a:r>
               <a:rPr lang="es-MX" sz="2000" dirty="0"/>
-              <a:t>Identificar los números telefónicos que comiencen con 1 o 2 después de la lada 442.</a:t>
+              <a:t> Identificar los números telefónicos que comiencen con 1 o 3 después de la lada 442.</a:t>
             </a:r>
           </a:p>
         </p:txBody>
@@ -15814,17 +16001,17 @@
                 <a:effectLst/>
                 <a:latin typeface="inherit"/>
               </a:rPr>
-              <a:t>() Grupos  </a:t>
+              <a:t>[] Encuentra caracteres en corchetes</a:t>
             </a:r>
           </a:p>
         </p:txBody>
       </p:sp>
       <p:pic>
         <p:nvPicPr>
-          <p:cNvPr id="7" name="Imagen 6">
+          <p:cNvPr id="3" name="Imagen 2">
             <a:extLst>
               <a:ext uri="{FF2B5EF4-FFF2-40B4-BE49-F238E27FC236}">
-                <a16:creationId xmlns:a16="http://schemas.microsoft.com/office/drawing/2014/main" id="{BF36162E-AB01-4082-9DCC-64CA926DEA3F}"/>
+                <a16:creationId xmlns:a16="http://schemas.microsoft.com/office/drawing/2014/main" id="{562FCA3F-B241-48B1-887C-80AB7500A0F6}"/>
               </a:ext>
             </a:extLst>
           </p:cNvPr>
@@ -15841,8 +16028,8 @@
         </p:blipFill>
         <p:spPr>
           <a:xfrm>
-            <a:off x="1143000" y="2861227"/>
-            <a:ext cx="6858000" cy="2990850"/>
+            <a:off x="1143000" y="2996952"/>
+            <a:ext cx="6858000" cy="3048000"/>
           </a:xfrm>
           <a:prstGeom prst="rect">
             <a:avLst/>
@@ -15852,7 +16039,7 @@
     </p:spTree>
     <p:extLst>
       <p:ext uri="{BB962C8B-B14F-4D97-AF65-F5344CB8AC3E}">
-        <p14:creationId xmlns:p14="http://schemas.microsoft.com/office/powerpoint/2010/main" val="2219602021"/>
+        <p14:creationId xmlns:p14="http://schemas.microsoft.com/office/powerpoint/2010/main" val="1483557897"/>
       </p:ext>
     </p:extLst>
   </p:cSld>
@@ -15891,7 +16078,7 @@
         </p:nvSpPr>
         <p:spPr>
           <a:xfrm>
-            <a:off x="390364" y="114351"/>
+            <a:off x="390364" y="260648"/>
             <a:ext cx="8363272" cy="1143000"/>
           </a:xfrm>
         </p:spPr>
@@ -15937,8 +16124,8 @@
         </p:nvSpPr>
         <p:spPr>
           <a:xfrm>
-            <a:off x="713980" y="1648459"/>
-            <a:ext cx="7890467" cy="967957"/>
+            <a:off x="971600" y="1775513"/>
+            <a:ext cx="7890467" cy="506292"/>
           </a:xfrm>
           <a:prstGeom prst="rect">
             <a:avLst/>
@@ -15962,7 +16149,7 @@
             </a:r>
             <a:r>
               <a:rPr lang="es-MX" sz="2000" dirty="0"/>
-              <a:t> Identificar los números telefónicos que comiencen con 1 o 3 después de la lada 442.</a:t>
+              <a:t> Identificar las letras y dígitos.</a:t>
             </a:r>
           </a:p>
         </p:txBody>
@@ -16020,10 +16207,10 @@
       </p:sp>
       <p:pic>
         <p:nvPicPr>
-          <p:cNvPr id="3" name="Imagen 2">
+          <p:cNvPr id="6" name="Imagen 5">
             <a:extLst>
               <a:ext uri="{FF2B5EF4-FFF2-40B4-BE49-F238E27FC236}">
-                <a16:creationId xmlns:a16="http://schemas.microsoft.com/office/drawing/2014/main" id="{562FCA3F-B241-48B1-887C-80AB7500A0F6}"/>
+                <a16:creationId xmlns:a16="http://schemas.microsoft.com/office/drawing/2014/main" id="{153C4AD9-FDC2-4B87-A643-2E5D785B084E}"/>
               </a:ext>
             </a:extLst>
           </p:cNvPr>
@@ -16040,8 +16227,8 @@
         </p:blipFill>
         <p:spPr>
           <a:xfrm>
-            <a:off x="1143000" y="2996952"/>
-            <a:ext cx="6858000" cy="3048000"/>
+            <a:off x="1063153" y="2612553"/>
+            <a:ext cx="6877050" cy="3095625"/>
           </a:xfrm>
           <a:prstGeom prst="rect">
             <a:avLst/>
@@ -16051,7 +16238,7 @@
     </p:spTree>
     <p:extLst>
       <p:ext uri="{BB962C8B-B14F-4D97-AF65-F5344CB8AC3E}">
-        <p14:creationId xmlns:p14="http://schemas.microsoft.com/office/powerpoint/2010/main" val="1483557897"/>
+        <p14:creationId xmlns:p14="http://schemas.microsoft.com/office/powerpoint/2010/main" val="4097825035"/>
       </p:ext>
     </p:extLst>
   </p:cSld>
@@ -16373,11 +16560,11 @@
             </a:pPr>
             <a:r>
               <a:rPr lang="es-MX" sz="2000" b="1" dirty="0"/>
-              <a:t>Ejemplo:</a:t>
+              <a:t>Ejemplo: </a:t>
             </a:r>
             <a:r>
               <a:rPr lang="es-MX" sz="2000" dirty="0"/>
-              <a:t> Identificar las letras y dígitos.</a:t>
+              <a:t>Identificar todos los caracteres que no son letras minúsculas.</a:t>
             </a:r>
           </a:p>
         </p:txBody>
@@ -16428,17 +16615,17 @@
                 <a:effectLst/>
                 <a:latin typeface="inherit"/>
               </a:rPr>
-              <a:t>[] Encuentra caracteres en corchetes</a:t>
+              <a:t>[^] Encuentra caracteres no están dentro de corchetes</a:t>
             </a:r>
           </a:p>
         </p:txBody>
       </p:sp>
       <p:pic>
         <p:nvPicPr>
-          <p:cNvPr id="6" name="Imagen 5">
+          <p:cNvPr id="3" name="Imagen 2">
             <a:extLst>
               <a:ext uri="{FF2B5EF4-FFF2-40B4-BE49-F238E27FC236}">
-                <a16:creationId xmlns:a16="http://schemas.microsoft.com/office/drawing/2014/main" id="{153C4AD9-FDC2-4B87-A643-2E5D785B084E}"/>
+                <a16:creationId xmlns:a16="http://schemas.microsoft.com/office/drawing/2014/main" id="{5FCCE2F5-84A8-4D1F-BC8C-225CA58F9C21}"/>
               </a:ext>
             </a:extLst>
           </p:cNvPr>
@@ -16455,8 +16642,8 @@
         </p:blipFill>
         <p:spPr>
           <a:xfrm>
-            <a:off x="1063153" y="2612553"/>
-            <a:ext cx="6877050" cy="3095625"/>
+            <a:off x="1331640" y="2653670"/>
+            <a:ext cx="6915150" cy="2971800"/>
           </a:xfrm>
           <a:prstGeom prst="rect">
             <a:avLst/>
@@ -16466,7 +16653,7 @@
     </p:spTree>
     <p:extLst>
       <p:ext uri="{BB962C8B-B14F-4D97-AF65-F5344CB8AC3E}">
-        <p14:creationId xmlns:p14="http://schemas.microsoft.com/office/powerpoint/2010/main" val="4097825035"/>
+        <p14:creationId xmlns:p14="http://schemas.microsoft.com/office/powerpoint/2010/main" val="3835573933"/>
       </p:ext>
     </p:extLst>
   </p:cSld>
@@ -16551,7 +16738,7 @@
         </p:nvSpPr>
         <p:spPr>
           <a:xfrm>
-            <a:off x="971600" y="1775513"/>
+            <a:off x="1296806" y="1837862"/>
             <a:ext cx="7890467" cy="506292"/>
           </a:xfrm>
           <a:prstGeom prst="rect">
@@ -16576,7 +16763,7 @@
             </a:r>
             <a:r>
               <a:rPr lang="es-MX" sz="2000" dirty="0"/>
-              <a:t>Identificar todos los caracteres que no son letras minúsculas.</a:t>
+              <a:t>Identificar todos los caracteres que no son dígitos.</a:t>
             </a:r>
           </a:p>
         </p:txBody>
@@ -16627,17 +16814,17 @@
                 <a:effectLst/>
                 <a:latin typeface="inherit"/>
               </a:rPr>
-              <a:t>[^] Encuentra caracteres no están dentro de corchetes</a:t>
+              <a:t>[^] Encuentra caracteres que no están dentro de corchetes</a:t>
             </a:r>
           </a:p>
         </p:txBody>
       </p:sp>
       <p:pic>
         <p:nvPicPr>
-          <p:cNvPr id="3" name="Imagen 2">
+          <p:cNvPr id="6" name="Imagen 5">
             <a:extLst>
               <a:ext uri="{FF2B5EF4-FFF2-40B4-BE49-F238E27FC236}">
-                <a16:creationId xmlns:a16="http://schemas.microsoft.com/office/drawing/2014/main" id="{5FCCE2F5-84A8-4D1F-BC8C-225CA58F9C21}"/>
+                <a16:creationId xmlns:a16="http://schemas.microsoft.com/office/drawing/2014/main" id="{6A06D8D1-0041-4A5B-AB89-20F25531A6A4}"/>
               </a:ext>
             </a:extLst>
           </p:cNvPr>
@@ -16654,8 +16841,8 @@
         </p:blipFill>
         <p:spPr>
           <a:xfrm>
-            <a:off x="1331640" y="2653670"/>
-            <a:ext cx="6915150" cy="2971800"/>
+            <a:off x="1403648" y="2653669"/>
+            <a:ext cx="6791325" cy="2981325"/>
           </a:xfrm>
           <a:prstGeom prst="rect">
             <a:avLst/>
@@ -16665,7 +16852,7 @@
     </p:spTree>
     <p:extLst>
       <p:ext uri="{BB962C8B-B14F-4D97-AF65-F5344CB8AC3E}">
-        <p14:creationId xmlns:p14="http://schemas.microsoft.com/office/powerpoint/2010/main" val="3835573933"/>
+        <p14:creationId xmlns:p14="http://schemas.microsoft.com/office/powerpoint/2010/main" val="3374492358"/>
       </p:ext>
     </p:extLst>
   </p:cSld>
@@ -16704,7 +16891,7 @@
         </p:nvSpPr>
         <p:spPr>
           <a:xfrm>
-            <a:off x="390364" y="260648"/>
+            <a:off x="390364" y="116632"/>
             <a:ext cx="8363272" cy="1143000"/>
           </a:xfrm>
         </p:spPr>
@@ -16738,10 +16925,10 @@
       </p:sp>
       <p:sp>
         <p:nvSpPr>
-          <p:cNvPr id="5" name="CuadroTexto 4">
+          <p:cNvPr id="7" name="CuadroTexto 6">
             <a:extLst>
               <a:ext uri="{FF2B5EF4-FFF2-40B4-BE49-F238E27FC236}">
-                <a16:creationId xmlns:a16="http://schemas.microsoft.com/office/drawing/2014/main" id="{F5D927B0-3579-4E54-99D7-681F443BC962}"/>
+                <a16:creationId xmlns:a16="http://schemas.microsoft.com/office/drawing/2014/main" id="{4E1DD8D9-5B93-44E0-8677-C81B21CCD7A2}"/>
               </a:ext>
             </a:extLst>
           </p:cNvPr>
@@ -16750,8 +16937,8 @@
         </p:nvSpPr>
         <p:spPr>
           <a:xfrm>
-            <a:off x="1296806" y="1837862"/>
-            <a:ext cx="7890467" cy="506292"/>
+            <a:off x="646172" y="1340768"/>
+            <a:ext cx="7851655" cy="2814617"/>
           </a:xfrm>
           <a:prstGeom prst="rect">
             <a:avLst/>
@@ -16763,6 +16950,43 @@
             <a:spAutoFit/>
           </a:bodyPr>
           <a:lstStyle/>
+          <a:p>
+            <a:pPr marL="342900" indent="-342900">
+              <a:lnSpc>
+                <a:spcPct val="150000"/>
+              </a:lnSpc>
+              <a:buFont typeface="Arial" panose="020B0604020202020204" pitchFamily="34" charset="0"/>
+              <a:buChar char="•"/>
+            </a:pPr>
+            <a:r>
+              <a:rPr lang="es-MX" sz="2000" b="1" dirty="0"/>
+              <a:t>[0-5]+	</a:t>
+            </a:r>
+            <a:r>
+              <a:rPr lang="es-MX" sz="2000" dirty="0"/>
+              <a:t>En los grupos </a:t>
+            </a:r>
+            <a:r>
+              <a:rPr lang="es-MX" sz="2000" b="1" dirty="0"/>
+              <a:t>no </a:t>
+            </a:r>
+            <a:r>
+              <a:rPr lang="es-MX" sz="2000" dirty="0"/>
+              <a:t>es necesario el uso del </a:t>
+            </a:r>
+            <a:r>
+              <a:rPr lang="es-MX" sz="2000" b="1" dirty="0" err="1"/>
+              <a:t>slash</a:t>
+            </a:r>
+            <a:r>
+              <a:rPr lang="es-MX" sz="2000" b="1" dirty="0"/>
+              <a:t> \  </a:t>
+            </a:r>
+            <a:r>
+              <a:rPr lang="es-MX" sz="2000" dirty="0"/>
+              <a:t>para los</a:t>
+            </a:r>
+          </a:p>
           <a:p>
             <a:pPr>
               <a:lnSpc>
@@ -16770,73 +16994,72 @@
               </a:lnSpc>
             </a:pPr>
             <a:r>
+              <a:rPr lang="es-MX" sz="2000" dirty="0"/>
+              <a:t>		</a:t>
+            </a:r>
+            <a:r>
+              <a:rPr lang="es-MX" sz="2000" dirty="0" err="1"/>
+              <a:t>metacaracteres</a:t>
+            </a:r>
+            <a:r>
+              <a:rPr lang="es-MX" sz="2000" dirty="0"/>
+              <a:t> como el punto.</a:t>
+            </a:r>
+            <a:endParaRPr lang="es-MX" sz="2000" b="1" dirty="0"/>
+          </a:p>
+          <a:p>
+            <a:pPr marL="342900" indent="-342900">
+              <a:lnSpc>
+                <a:spcPct val="150000"/>
+              </a:lnSpc>
+              <a:buFont typeface="Arial" panose="020B0604020202020204" pitchFamily="34" charset="0"/>
+              <a:buChar char="•"/>
+            </a:pPr>
+            <a:r>
               <a:rPr lang="es-MX" sz="2000" b="1" dirty="0"/>
-              <a:t>Ejemplo: </a:t>
+              <a:t>[a-</a:t>
+            </a:r>
+            <a:r>
+              <a:rPr lang="es-MX" sz="2000" b="1" dirty="0" err="1"/>
+              <a:t>zA</a:t>
+            </a:r>
+            <a:r>
+              <a:rPr lang="es-MX" sz="2000" b="1" dirty="0"/>
+              <a:t>-Z.@]</a:t>
             </a:r>
             <a:r>
               <a:rPr lang="es-MX" sz="2000" dirty="0"/>
-              <a:t>Identificar todos los caracteres que no son dígitos.</a:t>
-            </a:r>
-          </a:p>
-        </p:txBody>
-      </p:sp>
-      <p:sp>
-        <p:nvSpPr>
-          <p:cNvPr id="4" name="CuadroTexto 3">
+              <a:t>	Encuentra caracteres del abecedario en mayúsculas o 		minúsculas, puntos, arrobas.</a:t>
+            </a:r>
+          </a:p>
+          <a:p>
+            <a:pPr marL="342900" indent="-342900">
+              <a:lnSpc>
+                <a:spcPct val="150000"/>
+              </a:lnSpc>
+              <a:buFont typeface="Arial" panose="020B0604020202020204" pitchFamily="34" charset="0"/>
+              <a:buChar char="•"/>
+            </a:pPr>
+            <a:endParaRPr lang="es-MX" sz="2000" b="1" dirty="0"/>
+          </a:p>
+          <a:p>
+            <a:pPr marL="342900" indent="-342900">
+              <a:lnSpc>
+                <a:spcPct val="150000"/>
+              </a:lnSpc>
+              <a:buFont typeface="Arial" panose="020B0604020202020204" pitchFamily="34" charset="0"/>
+              <a:buChar char="•"/>
+            </a:pPr>
+            <a:endParaRPr lang="es-MX" sz="2000" dirty="0"/>
+          </a:p>
+        </p:txBody>
+      </p:sp>
+      <p:pic>
+        <p:nvPicPr>
+          <p:cNvPr id="8" name="Imagen 7">
             <a:extLst>
               <a:ext uri="{FF2B5EF4-FFF2-40B4-BE49-F238E27FC236}">
-                <a16:creationId xmlns:a16="http://schemas.microsoft.com/office/drawing/2014/main" id="{B8F537AB-6E7D-42EE-B6D8-7CF10886F935}"/>
-              </a:ext>
-            </a:extLst>
-          </p:cNvPr>
-          <p:cNvSpPr txBox="1"/>
-          <p:nvPr/>
-        </p:nvSpPr>
-        <p:spPr>
-          <a:xfrm>
-            <a:off x="1063153" y="1134649"/>
-            <a:ext cx="7017694" cy="393698"/>
-          </a:xfrm>
-          <a:prstGeom prst="rect">
-            <a:avLst/>
-          </a:prstGeom>
-          <a:noFill/>
-        </p:spPr>
-        <p:txBody>
-          <a:bodyPr wrap="square">
-            <a:spAutoFit/>
-          </a:bodyPr>
-          <a:lstStyle/>
-          <a:p>
-            <a:pPr algn="ctr" fontAlgn="base">
-              <a:lnSpc>
-                <a:spcPts val="2500"/>
-              </a:lnSpc>
-              <a:spcAft>
-                <a:spcPts val="600"/>
-              </a:spcAft>
-            </a:pPr>
-            <a:r>
-              <a:rPr lang="es-ES" b="1" i="0" dirty="0">
-                <a:solidFill>
-                  <a:schemeClr val="accent6">
-                    <a:lumMod val="75000"/>
-                  </a:schemeClr>
-                </a:solidFill>
-                <a:effectLst/>
-                <a:latin typeface="inherit"/>
-              </a:rPr>
-              <a:t>[^] Encuentra caracteres que no están dentro de corchetes</a:t>
-            </a:r>
-          </a:p>
-        </p:txBody>
-      </p:sp>
-      <p:pic>
-        <p:nvPicPr>
-          <p:cNvPr id="6" name="Imagen 5">
-            <a:extLst>
-              <a:ext uri="{FF2B5EF4-FFF2-40B4-BE49-F238E27FC236}">
-                <a16:creationId xmlns:a16="http://schemas.microsoft.com/office/drawing/2014/main" id="{6A06D8D1-0041-4A5B-AB89-20F25531A6A4}"/>
+                <a16:creationId xmlns:a16="http://schemas.microsoft.com/office/drawing/2014/main" id="{3FB79202-DD0E-4565-BE9C-63EA25840081}"/>
               </a:ext>
             </a:extLst>
           </p:cNvPr>
@@ -16853,8 +17076,8 @@
         </p:blipFill>
         <p:spPr>
           <a:xfrm>
-            <a:off x="1403648" y="2653669"/>
-            <a:ext cx="6791325" cy="2981325"/>
+            <a:off x="5438936" y="3636481"/>
+            <a:ext cx="3314700" cy="2724150"/>
           </a:xfrm>
           <a:prstGeom prst="rect">
             <a:avLst/>
@@ -16864,7 +17087,7 @@
     </p:spTree>
     <p:extLst>
       <p:ext uri="{BB962C8B-B14F-4D97-AF65-F5344CB8AC3E}">
-        <p14:creationId xmlns:p14="http://schemas.microsoft.com/office/powerpoint/2010/main" val="3374492358"/>
+        <p14:creationId xmlns:p14="http://schemas.microsoft.com/office/powerpoint/2010/main" val="3183765036"/>
       </p:ext>
     </p:extLst>
   </p:cSld>
@@ -16903,7 +17126,7 @@
         </p:nvSpPr>
         <p:spPr>
           <a:xfrm>
-            <a:off x="390364" y="116632"/>
+            <a:off x="390364" y="96243"/>
             <a:ext cx="8363272" cy="1143000"/>
           </a:xfrm>
         </p:spPr>
@@ -16949,8 +17172,8 @@
         </p:nvSpPr>
         <p:spPr>
           <a:xfrm>
-            <a:off x="646172" y="1340768"/>
-            <a:ext cx="7851655" cy="2814617"/>
+            <a:off x="628866" y="1124744"/>
+            <a:ext cx="7886268" cy="967957"/>
           </a:xfrm>
           <a:prstGeom prst="rect">
             <a:avLst/>
@@ -16972,31 +17195,19 @@
             </a:pPr>
             <a:r>
               <a:rPr lang="es-MX" sz="2000" b="1" dirty="0"/>
-              <a:t>[0-5]+	</a:t>
+              <a:t>[^a-</a:t>
+            </a:r>
+            <a:r>
+              <a:rPr lang="es-MX" sz="2000" b="1" dirty="0" err="1"/>
+              <a:t>zA</a:t>
+            </a:r>
+            <a:r>
+              <a:rPr lang="es-MX" sz="2000" b="1" dirty="0"/>
+              <a:t>-Z.@]</a:t>
             </a:r>
             <a:r>
               <a:rPr lang="es-MX" sz="2000" dirty="0"/>
-              <a:t>En los grupos </a:t>
-            </a:r>
-            <a:r>
-              <a:rPr lang="es-MX" sz="2000" b="1" dirty="0"/>
-              <a:t>no </a:t>
-            </a:r>
-            <a:r>
-              <a:rPr lang="es-MX" sz="2000" dirty="0"/>
-              <a:t>es necesario el uso del </a:t>
-            </a:r>
-            <a:r>
-              <a:rPr lang="es-MX" sz="2000" b="1" dirty="0" err="1"/>
-              <a:t>slash</a:t>
-            </a:r>
-            <a:r>
-              <a:rPr lang="es-MX" sz="2000" b="1" dirty="0"/>
-              <a:t> \  </a:t>
-            </a:r>
-            <a:r>
-              <a:rPr lang="es-MX" sz="2000" dirty="0"/>
-              <a:t>para los</a:t>
+              <a:t>	No caracteres del abecedario en mayúsculas o</a:t>
             </a:r>
           </a:p>
           <a:p>
@@ -17007,71 +17218,17 @@
             </a:pPr>
             <a:r>
               <a:rPr lang="es-MX" sz="2000" dirty="0"/>
-              <a:t>		</a:t>
-            </a:r>
-            <a:r>
-              <a:rPr lang="es-MX" sz="2000" dirty="0" err="1"/>
-              <a:t>metacaracteres</a:t>
-            </a:r>
-            <a:r>
-              <a:rPr lang="es-MX" sz="2000" dirty="0"/>
-              <a:t> como el punto.</a:t>
-            </a:r>
-            <a:endParaRPr lang="es-MX" sz="2000" b="1" dirty="0"/>
-          </a:p>
-          <a:p>
-            <a:pPr marL="342900" indent="-342900">
-              <a:lnSpc>
-                <a:spcPct val="150000"/>
-              </a:lnSpc>
-              <a:buFont typeface="Arial" panose="020B0604020202020204" pitchFamily="34" charset="0"/>
-              <a:buChar char="•"/>
-            </a:pPr>
-            <a:r>
-              <a:rPr lang="es-MX" sz="2000" b="1" dirty="0"/>
-              <a:t>[a-</a:t>
-            </a:r>
-            <a:r>
-              <a:rPr lang="es-MX" sz="2000" b="1" dirty="0" err="1"/>
-              <a:t>zA</a:t>
-            </a:r>
-            <a:r>
-              <a:rPr lang="es-MX" sz="2000" b="1" dirty="0"/>
-              <a:t>-Z.@]</a:t>
-            </a:r>
-            <a:r>
-              <a:rPr lang="es-MX" sz="2000" dirty="0"/>
-              <a:t>	Encuentra caracteres del abecedario en mayúsculas o 		minúsculas, puntos, arrobas.</a:t>
-            </a:r>
-          </a:p>
-          <a:p>
-            <a:pPr marL="342900" indent="-342900">
-              <a:lnSpc>
-                <a:spcPct val="150000"/>
-              </a:lnSpc>
-              <a:buFont typeface="Arial" panose="020B0604020202020204" pitchFamily="34" charset="0"/>
-              <a:buChar char="•"/>
-            </a:pPr>
-            <a:endParaRPr lang="es-MX" sz="2000" b="1" dirty="0"/>
-          </a:p>
-          <a:p>
-            <a:pPr marL="342900" indent="-342900">
-              <a:lnSpc>
-                <a:spcPct val="150000"/>
-              </a:lnSpc>
-              <a:buFont typeface="Arial" panose="020B0604020202020204" pitchFamily="34" charset="0"/>
-              <a:buChar char="•"/>
-            </a:pPr>
-            <a:endParaRPr lang="es-MX" sz="2000" dirty="0"/>
+              <a:t> 		minúsculas, puntos, arrobas.</a:t>
+            </a:r>
           </a:p>
         </p:txBody>
       </p:sp>
       <p:pic>
         <p:nvPicPr>
-          <p:cNvPr id="8" name="Imagen 7">
+          <p:cNvPr id="10" name="Imagen 9">
             <a:extLst>
               <a:ext uri="{FF2B5EF4-FFF2-40B4-BE49-F238E27FC236}">
-                <a16:creationId xmlns:a16="http://schemas.microsoft.com/office/drawing/2014/main" id="{3FB79202-DD0E-4565-BE9C-63EA25840081}"/>
+                <a16:creationId xmlns:a16="http://schemas.microsoft.com/office/drawing/2014/main" id="{9CC91A83-4D82-4653-B180-EA64A134D8A5}"/>
               </a:ext>
             </a:extLst>
           </p:cNvPr>
@@ -17088,8 +17245,8 @@
         </p:blipFill>
         <p:spPr>
           <a:xfrm>
-            <a:off x="5438936" y="3636481"/>
-            <a:ext cx="3314700" cy="2724150"/>
+            <a:off x="2627784" y="2250667"/>
+            <a:ext cx="4257675" cy="4238625"/>
           </a:xfrm>
           <a:prstGeom prst="rect">
             <a:avLst/>
@@ -17099,7 +17256,7 @@
     </p:spTree>
     <p:extLst>
       <p:ext uri="{BB962C8B-B14F-4D97-AF65-F5344CB8AC3E}">
-        <p14:creationId xmlns:p14="http://schemas.microsoft.com/office/powerpoint/2010/main" val="3183765036"/>
+        <p14:creationId xmlns:p14="http://schemas.microsoft.com/office/powerpoint/2010/main" val="1447613152"/>
       </p:ext>
     </p:extLst>
   </p:cSld>
@@ -17138,7 +17295,7 @@
         </p:nvSpPr>
         <p:spPr>
           <a:xfrm>
-            <a:off x="390364" y="96243"/>
+            <a:off x="289721" y="4056"/>
             <a:ext cx="8363272" cy="1143000"/>
           </a:xfrm>
         </p:spPr>
@@ -17172,10 +17329,10 @@
       </p:sp>
       <p:sp>
         <p:nvSpPr>
-          <p:cNvPr id="7" name="CuadroTexto 6">
+          <p:cNvPr id="5" name="CuadroTexto 4">
             <a:extLst>
               <a:ext uri="{FF2B5EF4-FFF2-40B4-BE49-F238E27FC236}">
-                <a16:creationId xmlns:a16="http://schemas.microsoft.com/office/drawing/2014/main" id="{4E1DD8D9-5B93-44E0-8677-C81B21CCD7A2}"/>
+                <a16:creationId xmlns:a16="http://schemas.microsoft.com/office/drawing/2014/main" id="{FC189524-E564-48DD-B173-E7D162EDC50C}"/>
               </a:ext>
             </a:extLst>
           </p:cNvPr>
@@ -17184,8 +17341,8 @@
         </p:nvSpPr>
         <p:spPr>
           <a:xfrm>
-            <a:off x="628866" y="1124744"/>
-            <a:ext cx="7886268" cy="967957"/>
+            <a:off x="539552" y="1346051"/>
+            <a:ext cx="8251757" cy="506292"/>
           </a:xfrm>
           <a:prstGeom prst="rect">
             <a:avLst/>
@@ -17198,49 +17355,191 @@
           </a:bodyPr>
           <a:lstStyle/>
           <a:p>
-            <a:pPr marL="342900" indent="-342900">
-              <a:lnSpc>
-                <a:spcPct val="150000"/>
-              </a:lnSpc>
-              <a:buFont typeface="Arial" panose="020B0604020202020204" pitchFamily="34" charset="0"/>
-              <a:buChar char="•"/>
-            </a:pPr>
-            <a:r>
-              <a:rPr lang="es-MX" sz="2000" b="1" dirty="0"/>
-              <a:t>[^a-</a:t>
-            </a:r>
-            <a:r>
-              <a:rPr lang="es-MX" sz="2000" b="1" dirty="0" err="1"/>
-              <a:t>zA</a:t>
-            </a:r>
-            <a:r>
-              <a:rPr lang="es-MX" sz="2000" b="1" dirty="0"/>
-              <a:t>-Z.@]</a:t>
-            </a:r>
-            <a:r>
-              <a:rPr lang="es-MX" sz="2000" dirty="0"/>
-              <a:t>	No caracteres del abecedario en mayúsculas o</a:t>
-            </a:r>
-          </a:p>
-          <a:p>
-            <a:pPr>
+            <a:pPr algn="just">
               <a:lnSpc>
                 <a:spcPct val="150000"/>
               </a:lnSpc>
             </a:pPr>
             <a:r>
+              <a:rPr lang="es-ES" sz="2000" b="1" i="0" dirty="0">
+                <a:solidFill>
+                  <a:schemeClr val="tx1">
+                    <a:lumMod val="95000"/>
+                    <a:lumOff val="5000"/>
+                  </a:schemeClr>
+                </a:solidFill>
+                <a:effectLst/>
+              </a:rPr>
+              <a:t>Ejemplo 1: </a:t>
+            </a:r>
+            <a:r>
+              <a:rPr lang="es-ES" sz="2000" i="0" dirty="0">
+                <a:solidFill>
+                  <a:schemeClr val="tx1">
+                    <a:lumMod val="95000"/>
+                    <a:lumOff val="5000"/>
+                  </a:schemeClr>
+                </a:solidFill>
+                <a:effectLst/>
+              </a:rPr>
+              <a:t>Extraer todos los números telefónicos con espacio, punto o guion.</a:t>
+            </a:r>
+            <a:endParaRPr lang="es-ES" sz="2000" b="1" dirty="0">
+              <a:solidFill>
+                <a:schemeClr val="tx1">
+                  <a:lumMod val="95000"/>
+                  <a:lumOff val="5000"/>
+                </a:schemeClr>
+              </a:solidFill>
+            </a:endParaRPr>
+          </a:p>
+        </p:txBody>
+      </p:sp>
+      <p:sp>
+        <p:nvSpPr>
+          <p:cNvPr id="6" name="CuadroTexto 5">
+            <a:extLst>
+              <a:ext uri="{FF2B5EF4-FFF2-40B4-BE49-F238E27FC236}">
+                <a16:creationId xmlns:a16="http://schemas.microsoft.com/office/drawing/2014/main" id="{7B04CF3A-CFE2-489B-A399-BF52B6C4C715}"/>
+              </a:ext>
+            </a:extLst>
+          </p:cNvPr>
+          <p:cNvSpPr txBox="1"/>
+          <p:nvPr/>
+        </p:nvSpPr>
+        <p:spPr>
+          <a:xfrm>
+            <a:off x="549968" y="1852343"/>
+            <a:ext cx="7920880" cy="967957"/>
+          </a:xfrm>
+          <a:prstGeom prst="rect">
+            <a:avLst/>
+          </a:prstGeom>
+          <a:noFill/>
+        </p:spPr>
+        <p:txBody>
+          <a:bodyPr wrap="square">
+            <a:spAutoFit/>
+          </a:bodyPr>
+          <a:lstStyle/>
+          <a:p>
+            <a:pPr algn="just">
+              <a:lnSpc>
+                <a:spcPct val="150000"/>
+              </a:lnSpc>
+            </a:pPr>
+            <a:r>
+              <a:rPr lang="es-ES" sz="2000" i="0" dirty="0">
+                <a:solidFill>
+                  <a:schemeClr val="tx1">
+                    <a:lumMod val="95000"/>
+                    <a:lumOff val="5000"/>
+                  </a:schemeClr>
+                </a:solidFill>
+                <a:effectLst/>
+              </a:rPr>
+              <a:t>Primero tres dígitos juntos, luego espacio, punto o guion, otros tres dígitos, espacio, punt</a:t>
+            </a:r>
+            <a:r>
+              <a:rPr lang="es-ES" sz="2000" dirty="0">
+                <a:solidFill>
+                  <a:schemeClr val="tx1">
+                    <a:lumMod val="95000"/>
+                    <a:lumOff val="5000"/>
+                  </a:schemeClr>
+                </a:solidFill>
+              </a:rPr>
+              <a:t>o o </a:t>
+            </a:r>
+            <a:r>
+              <a:rPr lang="es-ES" sz="2000" i="0" dirty="0">
+                <a:solidFill>
+                  <a:schemeClr val="tx1">
+                    <a:lumMod val="95000"/>
+                    <a:lumOff val="5000"/>
+                  </a:schemeClr>
+                </a:solidFill>
+                <a:effectLst/>
+              </a:rPr>
+              <a:t>guion, luego dos y dos. </a:t>
+            </a:r>
+            <a:endParaRPr lang="es-ES" sz="2000" b="1" dirty="0">
+              <a:solidFill>
+                <a:schemeClr val="tx1">
+                  <a:lumMod val="95000"/>
+                  <a:lumOff val="5000"/>
+                </a:schemeClr>
+              </a:solidFill>
+            </a:endParaRPr>
+          </a:p>
+        </p:txBody>
+      </p:sp>
+      <p:sp>
+        <p:nvSpPr>
+          <p:cNvPr id="7" name="CuadroTexto 6">
+            <a:extLst>
+              <a:ext uri="{FF2B5EF4-FFF2-40B4-BE49-F238E27FC236}">
+                <a16:creationId xmlns:a16="http://schemas.microsoft.com/office/drawing/2014/main" id="{D442F124-35ED-4AE6-AEB6-DC1CB4FBEC4A}"/>
+              </a:ext>
+            </a:extLst>
+          </p:cNvPr>
+          <p:cNvSpPr txBox="1"/>
+          <p:nvPr/>
+        </p:nvSpPr>
+        <p:spPr>
+          <a:xfrm>
+            <a:off x="2116379" y="748792"/>
+            <a:ext cx="7027621" cy="506292"/>
+          </a:xfrm>
+          <a:prstGeom prst="rect">
+            <a:avLst/>
+          </a:prstGeom>
+          <a:noFill/>
+        </p:spPr>
+        <p:txBody>
+          <a:bodyPr wrap="square">
+            <a:spAutoFit/>
+          </a:bodyPr>
+          <a:lstStyle/>
+          <a:p>
+            <a:pPr algn="just">
+              <a:lnSpc>
+                <a:spcPct val="150000"/>
+              </a:lnSpc>
+            </a:pPr>
+            <a:r>
+              <a:rPr lang="es-MX" sz="2000" b="1" dirty="0">
+                <a:solidFill>
+                  <a:schemeClr val="accent6">
+                    <a:lumMod val="75000"/>
+                  </a:schemeClr>
+                </a:solidFill>
+              </a:rPr>
+              <a:t>()</a:t>
+            </a:r>
+            <a:r>
               <a:rPr lang="es-MX" sz="2000" dirty="0"/>
-              <a:t> 		minúsculas, puntos, arrobas.</a:t>
+              <a:t> </a:t>
+            </a:r>
+            <a:r>
+              <a:rPr lang="es-MX" sz="2000" dirty="0">
+                <a:solidFill>
+                  <a:schemeClr val="accent6">
+                    <a:lumMod val="75000"/>
+                  </a:schemeClr>
+                </a:solidFill>
+              </a:rPr>
+              <a:t>Nos permiten comparar entre algunos valores</a:t>
             </a:r>
           </a:p>
         </p:txBody>
       </p:sp>
       <p:pic>
         <p:nvPicPr>
-          <p:cNvPr id="10" name="Imagen 9">
+          <p:cNvPr id="11" name="Imagen 10">
             <a:extLst>
               <a:ext uri="{FF2B5EF4-FFF2-40B4-BE49-F238E27FC236}">
-                <a16:creationId xmlns:a16="http://schemas.microsoft.com/office/drawing/2014/main" id="{9CC91A83-4D82-4653-B180-EA64A134D8A5}"/>
+                <a16:creationId xmlns:a16="http://schemas.microsoft.com/office/drawing/2014/main" id="{40FAFC4F-C677-08E6-65FA-6C0A7E64CA35}"/>
               </a:ext>
             </a:extLst>
           </p:cNvPr>
@@ -17257,8 +17556,8 @@
         </p:blipFill>
         <p:spPr>
           <a:xfrm>
-            <a:off x="2627784" y="2250667"/>
-            <a:ext cx="4257675" cy="4238625"/>
+            <a:off x="2245742" y="2924944"/>
+            <a:ext cx="4839375" cy="3696216"/>
           </a:xfrm>
           <a:prstGeom prst="rect">
             <a:avLst/>
@@ -17268,7 +17567,7 @@
     </p:spTree>
     <p:extLst>
       <p:ext uri="{BB962C8B-B14F-4D97-AF65-F5344CB8AC3E}">
-        <p14:creationId xmlns:p14="http://schemas.microsoft.com/office/powerpoint/2010/main" val="1447613152"/>
+        <p14:creationId xmlns:p14="http://schemas.microsoft.com/office/powerpoint/2010/main" val="3850094616"/>
       </p:ext>
     </p:extLst>
   </p:cSld>
@@ -17353,8 +17652,8 @@
         </p:nvSpPr>
         <p:spPr>
           <a:xfrm>
-            <a:off x="712731" y="1346051"/>
-            <a:ext cx="7920880" cy="506292"/>
+            <a:off x="640291" y="1147056"/>
+            <a:ext cx="7920880" cy="967957"/>
           </a:xfrm>
           <a:prstGeom prst="rect">
             <a:avLst/>
@@ -17382,7 +17681,7 @@
                 </a:solidFill>
                 <a:effectLst/>
               </a:rPr>
-              <a:t>Ejemplo 1: </a:t>
+              <a:t>Ejemplo 2: </a:t>
             </a:r>
             <a:r>
               <a:rPr lang="es-ES" sz="2000" i="0" dirty="0">
@@ -17394,7 +17693,30 @@
                 </a:solidFill>
                 <a:effectLst/>
               </a:rPr>
-              <a:t>Extraer todos los números telefónicos con espacio o guion.</a:t>
+              <a:t>Extraer todos los números telefónicos </a:t>
+            </a:r>
+            <a:r>
+              <a:rPr lang="es-ES" sz="2000" dirty="0">
+                <a:solidFill>
+                  <a:schemeClr val="tx1">
+                    <a:lumMod val="95000"/>
+                    <a:lumOff val="5000"/>
+                  </a:schemeClr>
+                </a:solidFill>
+              </a:rPr>
+              <a:t>haciendo uso de </a:t>
+            </a:r>
+            <a:r>
+              <a:rPr lang="es-ES" sz="2000" i="0" dirty="0">
+                <a:solidFill>
+                  <a:schemeClr val="tx1">
+                    <a:lumMod val="95000"/>
+                    <a:lumOff val="5000"/>
+                  </a:schemeClr>
+                </a:solidFill>
+                <a:effectLst/>
+              </a:rPr>
+              <a:t>grupos y cuantificadores. </a:t>
             </a:r>
             <a:endParaRPr lang="es-ES" sz="2000" b="1" dirty="0">
               <a:solidFill>
@@ -17421,8 +17743,8 @@
         </p:nvSpPr>
         <p:spPr>
           <a:xfrm>
-            <a:off x="683568" y="1852343"/>
-            <a:ext cx="7920880" cy="967957"/>
+            <a:off x="640291" y="2611441"/>
+            <a:ext cx="2995174" cy="3276282"/>
           </a:xfrm>
           <a:prstGeom prst="rect">
             <a:avLst/>
@@ -17435,10 +17757,12 @@
           </a:bodyPr>
           <a:lstStyle/>
           <a:p>
-            <a:pPr algn="just">
+            <a:pPr marL="342900" indent="-342900" algn="just">
               <a:lnSpc>
                 <a:spcPct val="150000"/>
               </a:lnSpc>
+              <a:buFont typeface="Arial" panose="020B0604020202020204" pitchFamily="34" charset="0"/>
+              <a:buChar char="•"/>
             </a:pPr>
             <a:r>
               <a:rPr lang="es-ES" sz="2000" i="0" dirty="0">
@@ -17450,7 +17774,175 @@
                 </a:solidFill>
                 <a:effectLst/>
               </a:rPr>
-              <a:t>Primero tres dígitos juntos, luego espacio o guion, otros  tres dígitos, espacio o guion, luego dos y dos. </a:t>
+              <a:t>Tres dígitos</a:t>
+            </a:r>
+          </a:p>
+          <a:p>
+            <a:pPr marL="342900" indent="-342900" algn="just">
+              <a:lnSpc>
+                <a:spcPct val="150000"/>
+              </a:lnSpc>
+              <a:buFont typeface="Arial" panose="020B0604020202020204" pitchFamily="34" charset="0"/>
+              <a:buChar char="•"/>
+            </a:pPr>
+            <a:r>
+              <a:rPr lang="es-ES" sz="2000" dirty="0">
+                <a:solidFill>
+                  <a:schemeClr val="tx1">
+                    <a:lumMod val="95000"/>
+                    <a:lumOff val="5000"/>
+                  </a:schemeClr>
+                </a:solidFill>
+              </a:rPr>
+              <a:t>E</a:t>
+            </a:r>
+            <a:r>
+              <a:rPr lang="es-ES" sz="2000" i="0" dirty="0">
+                <a:solidFill>
+                  <a:schemeClr val="tx1">
+                    <a:lumMod val="95000"/>
+                    <a:lumOff val="5000"/>
+                  </a:schemeClr>
+                </a:solidFill>
+                <a:effectLst/>
+              </a:rPr>
+              <a:t>spacio, punto o guion</a:t>
+            </a:r>
+          </a:p>
+          <a:p>
+            <a:pPr marL="342900" indent="-342900" algn="just">
+              <a:lnSpc>
+                <a:spcPct val="150000"/>
+              </a:lnSpc>
+              <a:buFont typeface="Arial" panose="020B0604020202020204" pitchFamily="34" charset="0"/>
+              <a:buChar char="•"/>
+            </a:pPr>
+            <a:r>
+              <a:rPr lang="es-ES" sz="2000" dirty="0">
+                <a:solidFill>
+                  <a:schemeClr val="tx1">
+                    <a:lumMod val="95000"/>
+                    <a:lumOff val="5000"/>
+                  </a:schemeClr>
+                </a:solidFill>
+              </a:rPr>
+              <a:t>Tres</a:t>
+            </a:r>
+            <a:r>
+              <a:rPr lang="es-ES" sz="2000" i="0" dirty="0">
+                <a:solidFill>
+                  <a:schemeClr val="tx1">
+                    <a:lumMod val="95000"/>
+                    <a:lumOff val="5000"/>
+                  </a:schemeClr>
+                </a:solidFill>
+                <a:effectLst/>
+              </a:rPr>
+              <a:t> dígitos</a:t>
+            </a:r>
+          </a:p>
+          <a:p>
+            <a:pPr marL="342900" indent="-342900" algn="just">
+              <a:lnSpc>
+                <a:spcPct val="150000"/>
+              </a:lnSpc>
+              <a:buFont typeface="Arial" panose="020B0604020202020204" pitchFamily="34" charset="0"/>
+              <a:buChar char="•"/>
+            </a:pPr>
+            <a:r>
+              <a:rPr lang="es-ES" sz="2000" dirty="0">
+                <a:solidFill>
+                  <a:schemeClr val="tx1">
+                    <a:lumMod val="95000"/>
+                    <a:lumOff val="5000"/>
+                  </a:schemeClr>
+                </a:solidFill>
+              </a:rPr>
+              <a:t>Espacio, punto o guion</a:t>
+            </a:r>
+          </a:p>
+          <a:p>
+            <a:pPr marL="342900" indent="-342900" algn="just">
+              <a:lnSpc>
+                <a:spcPct val="150000"/>
+              </a:lnSpc>
+              <a:buFont typeface="Arial" panose="020B0604020202020204" pitchFamily="34" charset="0"/>
+              <a:buChar char="•"/>
+            </a:pPr>
+            <a:r>
+              <a:rPr lang="es-ES" sz="2000" dirty="0">
+                <a:solidFill>
+                  <a:schemeClr val="tx1">
+                    <a:lumMod val="95000"/>
+                    <a:lumOff val="5000"/>
+                  </a:schemeClr>
+                </a:solidFill>
+              </a:rPr>
+              <a:t>D</a:t>
+            </a:r>
+            <a:r>
+              <a:rPr lang="es-ES" sz="2000" i="0" dirty="0">
+                <a:solidFill>
+                  <a:schemeClr val="tx1">
+                    <a:lumMod val="95000"/>
+                    <a:lumOff val="5000"/>
+                  </a:schemeClr>
+                </a:solidFill>
+                <a:effectLst/>
+              </a:rPr>
+              <a:t>os dígitos</a:t>
+            </a:r>
+          </a:p>
+          <a:p>
+            <a:pPr marL="342900" indent="-342900" algn="just">
+              <a:lnSpc>
+                <a:spcPct val="150000"/>
+              </a:lnSpc>
+              <a:buFont typeface="Arial" panose="020B0604020202020204" pitchFamily="34" charset="0"/>
+              <a:buChar char="•"/>
+            </a:pPr>
+            <a:r>
+              <a:rPr lang="es-ES" sz="2000" dirty="0">
+                <a:solidFill>
+                  <a:schemeClr val="tx1">
+                    <a:lumMod val="95000"/>
+                    <a:lumOff val="5000"/>
+                  </a:schemeClr>
+                </a:solidFill>
+              </a:rPr>
+              <a:t>Espacio, punto o guion</a:t>
+            </a:r>
+          </a:p>
+          <a:p>
+            <a:pPr marL="342900" indent="-342900" algn="just">
+              <a:lnSpc>
+                <a:spcPct val="150000"/>
+              </a:lnSpc>
+              <a:buFont typeface="Arial" panose="020B0604020202020204" pitchFamily="34" charset="0"/>
+              <a:buChar char="•"/>
+            </a:pPr>
+            <a:r>
+              <a:rPr lang="es-ES" sz="2000" dirty="0">
+                <a:solidFill>
+                  <a:schemeClr val="tx1">
+                    <a:lumMod val="95000"/>
+                    <a:lumOff val="5000"/>
+                  </a:schemeClr>
+                </a:solidFill>
+              </a:rPr>
+              <a:t>D</a:t>
+            </a:r>
+            <a:r>
+              <a:rPr lang="es-ES" sz="2000" i="0" dirty="0">
+                <a:solidFill>
+                  <a:schemeClr val="tx1">
+                    <a:lumMod val="95000"/>
+                    <a:lumOff val="5000"/>
+                  </a:schemeClr>
+                </a:solidFill>
+                <a:effectLst/>
+              </a:rPr>
+              <a:t>os dígitos.</a:t>
             </a:r>
             <a:endParaRPr lang="es-ES" sz="2000" b="1" dirty="0">
               <a:solidFill>
@@ -17465,10 +17957,10 @@
       </p:sp>
       <p:pic>
         <p:nvPicPr>
-          <p:cNvPr id="4" name="Imagen 3">
+          <p:cNvPr id="9" name="Imagen 8">
             <a:extLst>
               <a:ext uri="{FF2B5EF4-FFF2-40B4-BE49-F238E27FC236}">
-                <a16:creationId xmlns:a16="http://schemas.microsoft.com/office/drawing/2014/main" id="{B38B6A45-54CF-401F-B4D1-EA9E2C35CADA}"/>
+                <a16:creationId xmlns:a16="http://schemas.microsoft.com/office/drawing/2014/main" id="{CB066C06-55B5-2780-069C-E34F3460A7AD}"/>
               </a:ext>
             </a:extLst>
           </p:cNvPr>
@@ -17485,78 +17977,18 @@
         </p:blipFill>
         <p:spPr>
           <a:xfrm>
-            <a:off x="1580579" y="3002235"/>
-            <a:ext cx="5838825" cy="3667125"/>
+            <a:off x="4625063" y="2195736"/>
+            <a:ext cx="3781953" cy="3762900"/>
           </a:xfrm>
           <a:prstGeom prst="rect">
             <a:avLst/>
           </a:prstGeom>
         </p:spPr>
       </p:pic>
-      <p:sp>
-        <p:nvSpPr>
-          <p:cNvPr id="7" name="CuadroTexto 6">
-            <a:extLst>
-              <a:ext uri="{FF2B5EF4-FFF2-40B4-BE49-F238E27FC236}">
-                <a16:creationId xmlns:a16="http://schemas.microsoft.com/office/drawing/2014/main" id="{D442F124-35ED-4AE6-AEB6-DC1CB4FBEC4A}"/>
-              </a:ext>
-            </a:extLst>
-          </p:cNvPr>
-          <p:cNvSpPr txBox="1"/>
-          <p:nvPr/>
-        </p:nvSpPr>
-        <p:spPr>
-          <a:xfrm>
-            <a:off x="2116379" y="748792"/>
-            <a:ext cx="7027621" cy="506292"/>
-          </a:xfrm>
-          <a:prstGeom prst="rect">
-            <a:avLst/>
-          </a:prstGeom>
-          <a:noFill/>
-        </p:spPr>
-        <p:txBody>
-          <a:bodyPr wrap="square">
-            <a:spAutoFit/>
-          </a:bodyPr>
-          <a:lstStyle/>
-          <a:p>
-            <a:pPr algn="just">
-              <a:lnSpc>
-                <a:spcPct val="150000"/>
-              </a:lnSpc>
-            </a:pPr>
-            <a:r>
-              <a:rPr lang="es-MX" sz="2000" b="1" dirty="0">
-                <a:solidFill>
-                  <a:schemeClr val="accent6">
-                    <a:lumMod val="75000"/>
-                  </a:schemeClr>
-                </a:solidFill>
-              </a:rPr>
-              <a:t>()</a:t>
-            </a:r>
-            <a:r>
-              <a:rPr lang="es-MX" sz="2000" dirty="0"/>
-              <a:t> </a:t>
-            </a:r>
-            <a:r>
-              <a:rPr lang="es-MX" sz="2000" dirty="0">
-                <a:solidFill>
-                  <a:schemeClr val="accent6">
-                    <a:lumMod val="75000"/>
-                  </a:schemeClr>
-                </a:solidFill>
-              </a:rPr>
-              <a:t>Nos permiten comparar entre algunos valores</a:t>
-            </a:r>
-          </a:p>
-        </p:txBody>
-      </p:sp>
     </p:spTree>
     <p:extLst>
       <p:ext uri="{BB962C8B-B14F-4D97-AF65-F5344CB8AC3E}">
-        <p14:creationId xmlns:p14="http://schemas.microsoft.com/office/powerpoint/2010/main" val="3850094616"/>
+        <p14:creationId xmlns:p14="http://schemas.microsoft.com/office/powerpoint/2010/main" val="589800836"/>
       </p:ext>
     </p:extLst>
   </p:cSld>
@@ -17595,7 +18027,7 @@
         </p:nvSpPr>
         <p:spPr>
           <a:xfrm>
-            <a:off x="289721" y="4056"/>
+            <a:off x="388809" y="34415"/>
             <a:ext cx="8363272" cy="1143000"/>
           </a:xfrm>
         </p:spPr>
@@ -17629,10 +18061,10 @@
       </p:sp>
       <p:sp>
         <p:nvSpPr>
-          <p:cNvPr id="5" name="CuadroTexto 4">
+          <p:cNvPr id="7" name="CuadroTexto 6">
             <a:extLst>
               <a:ext uri="{FF2B5EF4-FFF2-40B4-BE49-F238E27FC236}">
-                <a16:creationId xmlns:a16="http://schemas.microsoft.com/office/drawing/2014/main" id="{FC189524-E564-48DD-B173-E7D162EDC50C}"/>
+                <a16:creationId xmlns:a16="http://schemas.microsoft.com/office/drawing/2014/main" id="{4E1DD8D9-5B93-44E0-8677-C81B21CCD7A2}"/>
               </a:ext>
             </a:extLst>
           </p:cNvPr>
@@ -17641,8 +18073,8 @@
         </p:nvSpPr>
         <p:spPr>
           <a:xfrm>
-            <a:off x="640723" y="1052736"/>
-            <a:ext cx="7920880" cy="967957"/>
+            <a:off x="2051720" y="930724"/>
+            <a:ext cx="8363271" cy="506292"/>
           </a:xfrm>
           <a:prstGeom prst="rect">
             <a:avLst/>
@@ -17661,69 +18093,38 @@
               </a:lnSpc>
             </a:pPr>
             <a:r>
-              <a:rPr lang="es-ES" sz="2000" b="1" i="0" dirty="0">
-                <a:solidFill>
-                  <a:schemeClr val="tx1">
-                    <a:lumMod val="95000"/>
-                    <a:lumOff val="5000"/>
-                  </a:schemeClr>
-                </a:solidFill>
-                <a:effectLst/>
-              </a:rPr>
-              <a:t>Ejemplo 2: </a:t>
-            </a:r>
-            <a:r>
-              <a:rPr lang="es-ES" sz="2000" i="0" dirty="0">
-                <a:solidFill>
-                  <a:schemeClr val="tx1">
-                    <a:lumMod val="95000"/>
-                    <a:lumOff val="5000"/>
-                  </a:schemeClr>
-                </a:solidFill>
-                <a:effectLst/>
-              </a:rPr>
-              <a:t>Extraer todos los números telefónicos </a:t>
-            </a:r>
-            <a:r>
-              <a:rPr lang="es-ES" sz="2000" dirty="0">
-                <a:solidFill>
-                  <a:schemeClr val="tx1">
-                    <a:lumMod val="95000"/>
-                    <a:lumOff val="5000"/>
-                  </a:schemeClr>
-                </a:solidFill>
-              </a:rPr>
-              <a:t>haciendo uso de </a:t>
-            </a:r>
-            <a:r>
-              <a:rPr lang="es-ES" sz="2000" i="0" dirty="0">
-                <a:solidFill>
-                  <a:schemeClr val="tx1">
-                    <a:lumMod val="95000"/>
-                    <a:lumOff val="5000"/>
-                  </a:schemeClr>
-                </a:solidFill>
-                <a:effectLst/>
-              </a:rPr>
-              <a:t>grupos y cuantificadores. </a:t>
-            </a:r>
-            <a:endParaRPr lang="es-ES" sz="2000" b="1" dirty="0">
-              <a:solidFill>
-                <a:schemeClr val="tx1">
-                  <a:lumMod val="95000"/>
-                  <a:lumOff val="5000"/>
-                </a:schemeClr>
-              </a:solidFill>
-            </a:endParaRPr>
-          </a:p>
-        </p:txBody>
-      </p:sp>
-      <p:sp>
-        <p:nvSpPr>
-          <p:cNvPr id="6" name="CuadroTexto 5">
+              <a:rPr lang="es-MX" sz="2000" b="1" dirty="0">
+                <a:solidFill>
+                  <a:schemeClr val="accent6">
+                    <a:lumMod val="75000"/>
+                  </a:schemeClr>
+                </a:solidFill>
+              </a:rPr>
+              <a:t>()</a:t>
+            </a:r>
+            <a:r>
+              <a:rPr lang="es-MX" sz="2000" dirty="0"/>
+              <a:t> </a:t>
+            </a:r>
+            <a:r>
+              <a:rPr lang="es-MX" sz="2000" dirty="0">
+                <a:solidFill>
+                  <a:schemeClr val="accent6">
+                    <a:lumMod val="75000"/>
+                  </a:schemeClr>
+                </a:solidFill>
+              </a:rPr>
+              <a:t>Nos permiten comparar entre algunos valores</a:t>
+            </a:r>
+          </a:p>
+        </p:txBody>
+      </p:sp>
+      <p:sp>
+        <p:nvSpPr>
+          <p:cNvPr id="5" name="CuadroTexto 4">
             <a:extLst>
               <a:ext uri="{FF2B5EF4-FFF2-40B4-BE49-F238E27FC236}">
-                <a16:creationId xmlns:a16="http://schemas.microsoft.com/office/drawing/2014/main" id="{7B04CF3A-CFE2-489B-A399-BF52B6C4C715}"/>
+                <a16:creationId xmlns:a16="http://schemas.microsoft.com/office/drawing/2014/main" id="{CD51C6FC-C7B4-4F3A-BEE8-8127DCEAF665}"/>
               </a:ext>
             </a:extLst>
           </p:cNvPr>
@@ -17732,8 +18133,8 @@
         </p:nvSpPr>
         <p:spPr>
           <a:xfrm>
-            <a:off x="640291" y="2611441"/>
-            <a:ext cx="2995174" cy="2352952"/>
+            <a:off x="388809" y="1582957"/>
+            <a:ext cx="8363271" cy="506292"/>
           </a:xfrm>
           <a:prstGeom prst="rect">
             <a:avLst/>
@@ -17752,34 +18153,73 @@
               </a:lnSpc>
             </a:pPr>
             <a:r>
-              <a:rPr lang="es-ES" sz="2000" i="0" dirty="0">
-                <a:solidFill>
-                  <a:schemeClr val="tx1">
-                    <a:lumMod val="95000"/>
-                    <a:lumOff val="5000"/>
-                  </a:schemeClr>
-                </a:solidFill>
-                <a:effectLst/>
-              </a:rPr>
-              <a:t>Tres dígitos, luego un espacio o guion, otros  tres dígitos, espacio o guion, luego dos dígitos, espacio o guion y dos dígitos.</a:t>
-            </a:r>
-            <a:endParaRPr lang="es-ES" sz="2000" b="1" dirty="0">
-              <a:solidFill>
-                <a:schemeClr val="tx1">
-                  <a:lumMod val="95000"/>
-                  <a:lumOff val="5000"/>
-                </a:schemeClr>
-              </a:solidFill>
-            </a:endParaRPr>
+              <a:rPr lang="es-MX" sz="2000" b="1" dirty="0"/>
+              <a:t>Ejemplo 3: </a:t>
+            </a:r>
+            <a:r>
+              <a:rPr lang="es-MX" sz="2000" dirty="0"/>
+              <a:t>Encuentre los número de teléfono con ladas 442 y 443 solamente.</a:t>
+            </a:r>
+          </a:p>
+        </p:txBody>
+      </p:sp>
+      <p:sp>
+        <p:nvSpPr>
+          <p:cNvPr id="13" name="CuadroTexto 12">
+            <a:extLst>
+              <a:ext uri="{FF2B5EF4-FFF2-40B4-BE49-F238E27FC236}">
+                <a16:creationId xmlns:a16="http://schemas.microsoft.com/office/drawing/2014/main" id="{D8614476-5746-4910-AE97-837BDC1DE82C}"/>
+              </a:ext>
+            </a:extLst>
+          </p:cNvPr>
+          <p:cNvSpPr txBox="1"/>
+          <p:nvPr/>
+        </p:nvSpPr>
+        <p:spPr>
+          <a:xfrm>
+            <a:off x="388809" y="2140899"/>
+            <a:ext cx="3562351" cy="506292"/>
+          </a:xfrm>
+          <a:prstGeom prst="rect">
+            <a:avLst/>
+          </a:prstGeom>
+          <a:noFill/>
+        </p:spPr>
+        <p:txBody>
+          <a:bodyPr wrap="square">
+            <a:spAutoFit/>
+          </a:bodyPr>
+          <a:lstStyle/>
+          <a:p>
+            <a:pPr algn="just">
+              <a:lnSpc>
+                <a:spcPct val="150000"/>
+              </a:lnSpc>
+            </a:pPr>
+            <a:r>
+              <a:rPr lang="es-MX" sz="2000" dirty="0"/>
+              <a:t>Conjunto de caracteres </a:t>
+            </a:r>
+            <a:r>
+              <a:rPr lang="es-MX" sz="2000" b="1" dirty="0">
+                <a:solidFill>
+                  <a:schemeClr val="accent6">
+                    <a:lumMod val="75000"/>
+                  </a:schemeClr>
+                </a:solidFill>
+              </a:rPr>
+              <a:t>2 y 3</a:t>
+            </a:r>
+            <a:endParaRPr lang="es-MX" sz="2000" dirty="0"/>
           </a:p>
         </p:txBody>
       </p:sp>
       <p:pic>
         <p:nvPicPr>
-          <p:cNvPr id="4" name="Imagen 3">
+          <p:cNvPr id="3" name="Imagen 2">
             <a:extLst>
               <a:ext uri="{FF2B5EF4-FFF2-40B4-BE49-F238E27FC236}">
-                <a16:creationId xmlns:a16="http://schemas.microsoft.com/office/drawing/2014/main" id="{9580680C-9CC9-4EA3-B20A-E32B47C0246B}"/>
+                <a16:creationId xmlns:a16="http://schemas.microsoft.com/office/drawing/2014/main" id="{CC56C17C-52EF-DEF6-AFA2-44D926EB428F}"/>
               </a:ext>
             </a:extLst>
           </p:cNvPr>
@@ -17796,38 +18236,8 @@
         </p:blipFill>
         <p:spPr>
           <a:xfrm>
-            <a:off x="4131643" y="1988840"/>
-            <a:ext cx="4372066" cy="4034694"/>
-          </a:xfrm>
-          <a:prstGeom prst="rect">
-            <a:avLst/>
-          </a:prstGeom>
-        </p:spPr>
-      </p:pic>
-      <p:pic>
-        <p:nvPicPr>
-          <p:cNvPr id="3" name="Picture 2">
-            <a:extLst>
-              <a:ext uri="{FF2B5EF4-FFF2-40B4-BE49-F238E27FC236}">
-                <a16:creationId xmlns:a16="http://schemas.microsoft.com/office/drawing/2014/main" id="{67B840A6-3E96-5996-0981-8414C3D4053A}"/>
-              </a:ext>
-            </a:extLst>
-          </p:cNvPr>
-          <p:cNvPicPr>
-            <a:picLocks noChangeAspect="1"/>
-          </p:cNvPicPr>
-          <p:nvPr/>
-        </p:nvPicPr>
-        <p:blipFill>
-          <a:blip r:embed="rId4"/>
-          <a:stretch>
-            <a:fillRect/>
-          </a:stretch>
-        </p:blipFill>
-        <p:spPr>
-          <a:xfrm>
-            <a:off x="3821777" y="2708920"/>
-            <a:ext cx="4991797" cy="3915321"/>
+            <a:off x="3964226" y="2235190"/>
+            <a:ext cx="4320480" cy="4222287"/>
           </a:xfrm>
           <a:prstGeom prst="rect">
             <a:avLst/>
@@ -17837,7 +18247,7 @@
     </p:spTree>
     <p:extLst>
       <p:ext uri="{BB962C8B-B14F-4D97-AF65-F5344CB8AC3E}">
-        <p14:creationId xmlns:p14="http://schemas.microsoft.com/office/powerpoint/2010/main" val="589800836"/>
+        <p14:creationId xmlns:p14="http://schemas.microsoft.com/office/powerpoint/2010/main" val="3789720049"/>
       </p:ext>
     </p:extLst>
   </p:cSld>
@@ -17903,7 +18313,7 @@
                 </a:effectLst>
                 <a:latin typeface="Dom Casual" charset="0"/>
               </a:rPr>
-              <a:t>Grupos</a:t>
+              <a:t>Expresión regular</a:t>
             </a:r>
           </a:p>
         </p:txBody>
@@ -17922,8 +18332,8 @@
         </p:nvSpPr>
         <p:spPr>
           <a:xfrm>
-            <a:off x="640723" y="1052736"/>
-            <a:ext cx="7920880" cy="967957"/>
+            <a:off x="289721" y="1072086"/>
+            <a:ext cx="7920880" cy="506292"/>
           </a:xfrm>
           <a:prstGeom prst="rect">
             <a:avLst/>
@@ -17951,7 +18361,7 @@
                 </a:solidFill>
                 <a:effectLst/>
               </a:rPr>
-              <a:t>Ejemplo 3: </a:t>
+              <a:t>Ejercicio 4: </a:t>
             </a:r>
             <a:r>
               <a:rPr lang="es-ES" sz="2000" i="0" dirty="0">
@@ -17963,32 +18373,9 @@
                 </a:solidFill>
                 <a:effectLst/>
               </a:rPr>
-              <a:t>Extraer todos los números telefónicos </a:t>
-            </a:r>
-            <a:r>
-              <a:rPr lang="es-ES" sz="2000" dirty="0">
-                <a:solidFill>
-                  <a:schemeClr val="tx1">
-                    <a:lumMod val="95000"/>
-                    <a:lumOff val="5000"/>
-                  </a:schemeClr>
-                </a:solidFill>
-              </a:rPr>
-              <a:t>haciendo uso de </a:t>
-            </a:r>
-            <a:r>
-              <a:rPr lang="es-ES" sz="2000" i="0" dirty="0">
-                <a:solidFill>
-                  <a:schemeClr val="tx1">
-                    <a:lumMod val="95000"/>
-                    <a:lumOff val="5000"/>
-                  </a:schemeClr>
-                </a:solidFill>
-                <a:effectLst/>
-              </a:rPr>
-              <a:t>grupos con corchetes y cuantificadores. </a:t>
-            </a:r>
-            <a:endParaRPr lang="es-ES" sz="2000" b="1" dirty="0">
+              <a:t>Seleccionar correo electrónico.</a:t>
+            </a:r>
+            <a:endParaRPr lang="es-ES" sz="2000" dirty="0">
               <a:solidFill>
                 <a:schemeClr val="tx1">
                   <a:lumMod val="95000"/>
@@ -17999,68 +18386,12 @@
           </a:p>
         </p:txBody>
       </p:sp>
-      <p:sp>
-        <p:nvSpPr>
-          <p:cNvPr id="6" name="CuadroTexto 5">
+      <p:pic>
+        <p:nvPicPr>
+          <p:cNvPr id="3" name="Imagen 2">
             <a:extLst>
               <a:ext uri="{FF2B5EF4-FFF2-40B4-BE49-F238E27FC236}">
-                <a16:creationId xmlns:a16="http://schemas.microsoft.com/office/drawing/2014/main" id="{7B04CF3A-CFE2-489B-A399-BF52B6C4C715}"/>
-              </a:ext>
-            </a:extLst>
-          </p:cNvPr>
-          <p:cNvSpPr txBox="1"/>
-          <p:nvPr/>
-        </p:nvSpPr>
-        <p:spPr>
-          <a:xfrm>
-            <a:off x="640291" y="2611441"/>
-            <a:ext cx="2995174" cy="2352952"/>
-          </a:xfrm>
-          <a:prstGeom prst="rect">
-            <a:avLst/>
-          </a:prstGeom>
-          <a:noFill/>
-        </p:spPr>
-        <p:txBody>
-          <a:bodyPr wrap="square">
-            <a:spAutoFit/>
-          </a:bodyPr>
-          <a:lstStyle/>
-          <a:p>
-            <a:pPr algn="just">
-              <a:lnSpc>
-                <a:spcPct val="150000"/>
-              </a:lnSpc>
-            </a:pPr>
-            <a:r>
-              <a:rPr lang="es-ES" sz="2000" i="0" dirty="0">
-                <a:solidFill>
-                  <a:schemeClr val="tx1">
-                    <a:lumMod val="95000"/>
-                    <a:lumOff val="5000"/>
-                  </a:schemeClr>
-                </a:solidFill>
-                <a:effectLst/>
-              </a:rPr>
-              <a:t>Tres dígitos, luego un espacio o guion, otros  tres dígitos, espacio o guion, luego dos dígitos, espacio o guion y dos dígitos.</a:t>
-            </a:r>
-            <a:endParaRPr lang="es-ES" sz="2000" b="1" dirty="0">
-              <a:solidFill>
-                <a:schemeClr val="tx1">
-                  <a:lumMod val="95000"/>
-                  <a:lumOff val="5000"/>
-                </a:schemeClr>
-              </a:solidFill>
-            </a:endParaRPr>
-          </a:p>
-        </p:txBody>
-      </p:sp>
-      <p:pic>
-        <p:nvPicPr>
-          <p:cNvPr id="3" name="Picture 2">
-            <a:extLst>
-              <a:ext uri="{FF2B5EF4-FFF2-40B4-BE49-F238E27FC236}">
-                <a16:creationId xmlns:a16="http://schemas.microsoft.com/office/drawing/2014/main" id="{67B840A6-3E96-5996-0981-8414C3D4053A}"/>
+                <a16:creationId xmlns:a16="http://schemas.microsoft.com/office/drawing/2014/main" id="{7FA94031-3EAA-2C65-1CCE-6F3D46DA7C7A}"/>
               </a:ext>
             </a:extLst>
           </p:cNvPr>
@@ -18077,8 +18408,8 @@
         </p:blipFill>
         <p:spPr>
           <a:xfrm>
-            <a:off x="3779912" y="2276872"/>
-            <a:ext cx="4991797" cy="3915321"/>
+            <a:off x="1835696" y="1772816"/>
+            <a:ext cx="4320480" cy="4652824"/>
           </a:xfrm>
           <a:prstGeom prst="rect">
             <a:avLst/>
@@ -18088,7 +18419,7 @@
     </p:spTree>
     <p:extLst>
       <p:ext uri="{BB962C8B-B14F-4D97-AF65-F5344CB8AC3E}">
-        <p14:creationId xmlns:p14="http://schemas.microsoft.com/office/powerpoint/2010/main" val="2105101594"/>
+        <p14:creationId xmlns:p14="http://schemas.microsoft.com/office/powerpoint/2010/main" val="155978432"/>
       </p:ext>
     </p:extLst>
   </p:cSld>
@@ -18106,7 +18437,7 @@
         <p:cNvPr id="1" name="">
           <a:extLst>
             <a:ext uri="{FF2B5EF4-FFF2-40B4-BE49-F238E27FC236}">
-              <a16:creationId xmlns:a16="http://schemas.microsoft.com/office/drawing/2014/main" id="{0584EF7D-CE70-9F12-DB17-DA0DD4E4EA9D}"/>
+              <a16:creationId xmlns:a16="http://schemas.microsoft.com/office/drawing/2014/main" id="{13BBCC9C-F11C-B518-43C7-7BA2D78FC941}"/>
             </a:ext>
           </a:extLst>
         </p:cNvPr>
@@ -18126,7 +18457,7 @@
           <p:cNvPr id="184324" name="Rectangle 4">
             <a:extLst>
               <a:ext uri="{FF2B5EF4-FFF2-40B4-BE49-F238E27FC236}">
-                <a16:creationId xmlns:a16="http://schemas.microsoft.com/office/drawing/2014/main" id="{C42EA85E-C48A-5514-808A-0406F775A2A8}"/>
+                <a16:creationId xmlns:a16="http://schemas.microsoft.com/office/drawing/2014/main" id="{6D0606C8-CC73-B373-D2A7-D70C6CEBDFE1}"/>
               </a:ext>
             </a:extLst>
           </p:cNvPr>
@@ -18166,7 +18497,7 @@
                 </a:effectLst>
                 <a:latin typeface="Dom Casual" charset="0"/>
               </a:rPr>
-              <a:t>Grupos</a:t>
+              <a:t>Expresión regular</a:t>
             </a:r>
           </a:p>
         </p:txBody>
@@ -18176,7 +18507,7 @@
           <p:cNvPr id="5" name="CuadroTexto 4">
             <a:extLst>
               <a:ext uri="{FF2B5EF4-FFF2-40B4-BE49-F238E27FC236}">
-                <a16:creationId xmlns:a16="http://schemas.microsoft.com/office/drawing/2014/main" id="{3A604F61-CD8F-5A49-7485-14EB3FA2437C}"/>
+                <a16:creationId xmlns:a16="http://schemas.microsoft.com/office/drawing/2014/main" id="{D84D84E4-8200-5BB3-7E7F-1B2720D5E52C}"/>
               </a:ext>
             </a:extLst>
           </p:cNvPr>
@@ -18185,8 +18516,8 @@
         </p:nvSpPr>
         <p:spPr>
           <a:xfrm>
-            <a:off x="640723" y="1052736"/>
-            <a:ext cx="7920880" cy="967957"/>
+            <a:off x="289721" y="1072086"/>
+            <a:ext cx="7920880" cy="506292"/>
           </a:xfrm>
           <a:prstGeom prst="rect">
             <a:avLst/>
@@ -18214,7 +18545,7 @@
                 </a:solidFill>
                 <a:effectLst/>
               </a:rPr>
-              <a:t>Ejemplo 3: </a:t>
+              <a:t>Ejercicio 4: </a:t>
             </a:r>
             <a:r>
               <a:rPr lang="es-ES" sz="2000" i="0" dirty="0">
@@ -18226,32 +18557,9 @@
                 </a:solidFill>
                 <a:effectLst/>
               </a:rPr>
-              <a:t>Extraer todos los números telefónicos </a:t>
-            </a:r>
-            <a:r>
-              <a:rPr lang="es-ES" sz="2000" dirty="0">
-                <a:solidFill>
-                  <a:schemeClr val="tx1">
-                    <a:lumMod val="95000"/>
-                    <a:lumOff val="5000"/>
-                  </a:schemeClr>
-                </a:solidFill>
-              </a:rPr>
-              <a:t>haciendo uso de </a:t>
-            </a:r>
-            <a:r>
-              <a:rPr lang="es-ES" sz="2000" i="0" dirty="0">
-                <a:solidFill>
-                  <a:schemeClr val="tx1">
-                    <a:lumMod val="95000"/>
-                    <a:lumOff val="5000"/>
-                  </a:schemeClr>
-                </a:solidFill>
-                <a:effectLst/>
-              </a:rPr>
-              <a:t>grupos con corchetes y cuantificadores. </a:t>
-            </a:r>
-            <a:endParaRPr lang="es-ES" sz="2000" b="1" dirty="0">
+              <a:t>Seleccionar correo electrónico.</a:t>
+            </a:r>
+            <a:endParaRPr lang="es-ES" sz="2000" dirty="0">
               <a:solidFill>
                 <a:schemeClr val="tx1">
                   <a:lumMod val="95000"/>
@@ -18264,10 +18572,10 @@
       </p:sp>
       <p:sp>
         <p:nvSpPr>
-          <p:cNvPr id="6" name="CuadroTexto 5">
+          <p:cNvPr id="12" name="CuadroTexto 11">
             <a:extLst>
               <a:ext uri="{FF2B5EF4-FFF2-40B4-BE49-F238E27FC236}">
-                <a16:creationId xmlns:a16="http://schemas.microsoft.com/office/drawing/2014/main" id="{6702EAEE-BBD0-8C5E-0A10-A1D1FF543E4C}"/>
+                <a16:creationId xmlns:a16="http://schemas.microsoft.com/office/drawing/2014/main" id="{BEEF0D9B-9613-E1C5-F39D-B4AD7AD60D6A}"/>
               </a:ext>
             </a:extLst>
           </p:cNvPr>
@@ -18276,8 +18584,8 @@
         </p:nvSpPr>
         <p:spPr>
           <a:xfrm>
-            <a:off x="640291" y="2611441"/>
-            <a:ext cx="2995174" cy="2352952"/>
+            <a:off x="5292080" y="1052736"/>
+            <a:ext cx="3562199" cy="506292"/>
           </a:xfrm>
           <a:prstGeom prst="rect">
             <a:avLst/>
@@ -18296,34 +18604,58 @@
               </a:lnSpc>
             </a:pPr>
             <a:r>
-              <a:rPr lang="es-ES" sz="2000" i="0" dirty="0">
+              <a:rPr lang="es-ES" sz="2000" b="1" dirty="0">
                 <a:solidFill>
                   <a:schemeClr val="tx1">
                     <a:lumMod val="95000"/>
                     <a:lumOff val="5000"/>
                   </a:schemeClr>
                 </a:solidFill>
-                <a:effectLst/>
-              </a:rPr>
-              <a:t>Tres dígitos, luego un espacio o guion, otros  tres dígitos, espacio o guion, luego dos dígitos, espacio o guion y dos dígitos.</a:t>
-            </a:r>
-            <a:endParaRPr lang="es-ES" sz="2000" b="1" dirty="0">
-              <a:solidFill>
-                <a:schemeClr val="tx1">
-                  <a:lumMod val="95000"/>
-                  <a:lumOff val="5000"/>
-                </a:schemeClr>
-              </a:solidFill>
-            </a:endParaRPr>
+              </a:rPr>
+              <a:t>[a-</a:t>
+            </a:r>
+            <a:r>
+              <a:rPr lang="es-ES" sz="2000" b="1" dirty="0" err="1">
+                <a:solidFill>
+                  <a:schemeClr val="tx1">
+                    <a:lumMod val="95000"/>
+                    <a:lumOff val="5000"/>
+                  </a:schemeClr>
+                </a:solidFill>
+              </a:rPr>
+              <a:t>zA</a:t>
+            </a:r>
+            <a:r>
+              <a:rPr lang="es-ES" sz="2000" b="1" dirty="0">
+                <a:solidFill>
+                  <a:schemeClr val="tx1">
+                    <a:lumMod val="95000"/>
+                    <a:lumOff val="5000"/>
+                  </a:schemeClr>
+                </a:solidFill>
+              </a:rPr>
+              <a:t>-Z]+ </a:t>
+            </a:r>
+            <a:r>
+              <a:rPr lang="es-ES" sz="2000" dirty="0">
+                <a:solidFill>
+                  <a:schemeClr val="tx1">
+                    <a:lumMod val="95000"/>
+                    <a:lumOff val="5000"/>
+                  </a:schemeClr>
+                </a:solidFill>
+              </a:rPr>
+              <a:t>una o más letras.</a:t>
+            </a:r>
           </a:p>
         </p:txBody>
       </p:sp>
       <p:pic>
         <p:nvPicPr>
-          <p:cNvPr id="4" name="Picture 3">
+          <p:cNvPr id="4" name="Imagen 3">
             <a:extLst>
               <a:ext uri="{FF2B5EF4-FFF2-40B4-BE49-F238E27FC236}">
-                <a16:creationId xmlns:a16="http://schemas.microsoft.com/office/drawing/2014/main" id="{49DC2B97-16C8-1C98-0153-0AA49C426D1A}"/>
+                <a16:creationId xmlns:a16="http://schemas.microsoft.com/office/drawing/2014/main" id="{A31A5C34-9DA4-2324-CA7E-0BFBAD89BD8B}"/>
               </a:ext>
             </a:extLst>
           </p:cNvPr>
@@ -18340,8 +18672,8 @@
         </p:blipFill>
         <p:spPr>
           <a:xfrm>
-            <a:off x="3995936" y="2492896"/>
-            <a:ext cx="4229690" cy="3448531"/>
+            <a:off x="1973334" y="1772815"/>
+            <a:ext cx="5046938" cy="4582715"/>
           </a:xfrm>
           <a:prstGeom prst="rect">
             <a:avLst/>
@@ -18351,7 +18683,7 @@
     </p:spTree>
     <p:extLst>
       <p:ext uri="{BB962C8B-B14F-4D97-AF65-F5344CB8AC3E}">
-        <p14:creationId xmlns:p14="http://schemas.microsoft.com/office/powerpoint/2010/main" val="1078318760"/>
+        <p14:creationId xmlns:p14="http://schemas.microsoft.com/office/powerpoint/2010/main" val="3134704428"/>
       </p:ext>
     </p:extLst>
   </p:cSld>
@@ -18390,8 +18722,8 @@
         </p:nvSpPr>
         <p:spPr>
           <a:xfrm>
-            <a:off x="388809" y="34415"/>
-            <a:ext cx="8363272" cy="1143000"/>
+            <a:off x="107504" y="116632"/>
+            <a:ext cx="8579296" cy="1143000"/>
           </a:xfrm>
         </p:spPr>
         <p:txBody>
@@ -18417,17 +18749,46 @@
                 </a:effectLst>
                 <a:latin typeface="Dom Casual" charset="0"/>
               </a:rPr>
-              <a:t>Grupos</a:t>
-            </a:r>
-          </a:p>
-        </p:txBody>
-      </p:sp>
-      <p:sp>
-        <p:nvSpPr>
-          <p:cNvPr id="7" name="CuadroTexto 6">
+              <a:t>Módulo </a:t>
+            </a:r>
+            <a:r>
+              <a:rPr lang="es-MX" b="1" dirty="0" err="1">
+                <a:solidFill>
+                  <a:schemeClr val="accent4">
+                    <a:lumMod val="50000"/>
+                  </a:schemeClr>
+                </a:solidFill>
+                <a:effectLst>
+                  <a:outerShdw blurRad="38100" dist="38100" dir="2700000" algn="tl">
+                    <a:srgbClr val="C0C0C0"/>
+                  </a:outerShdw>
+                </a:effectLst>
+                <a:latin typeface="Dom Casual" charset="0"/>
+              </a:rPr>
+              <a:t>regex</a:t>
+            </a:r>
+            <a:endParaRPr lang="es-MX" b="1" dirty="0">
+              <a:solidFill>
+                <a:schemeClr val="accent4">
+                  <a:lumMod val="50000"/>
+                </a:schemeClr>
+              </a:solidFill>
+              <a:effectLst>
+                <a:outerShdw blurRad="38100" dist="38100" dir="2700000" algn="tl">
+                  <a:srgbClr val="C0C0C0"/>
+                </a:outerShdw>
+              </a:effectLst>
+              <a:latin typeface="Dom Casual" charset="0"/>
+            </a:endParaRPr>
+          </a:p>
+        </p:txBody>
+      </p:sp>
+      <p:sp>
+        <p:nvSpPr>
+          <p:cNvPr id="10" name="CuadroTexto 9">
             <a:extLst>
               <a:ext uri="{FF2B5EF4-FFF2-40B4-BE49-F238E27FC236}">
-                <a16:creationId xmlns:a16="http://schemas.microsoft.com/office/drawing/2014/main" id="{4E1DD8D9-5B93-44E0-8677-C81B21CCD7A2}"/>
+                <a16:creationId xmlns:a16="http://schemas.microsoft.com/office/drawing/2014/main" id="{28D7FAFF-9722-4D6A-9DE5-55FC738D0886}"/>
               </a:ext>
             </a:extLst>
           </p:cNvPr>
@@ -18436,8 +18797,8 @@
         </p:nvSpPr>
         <p:spPr>
           <a:xfrm>
-            <a:off x="2051720" y="930724"/>
-            <a:ext cx="8363271" cy="506292"/>
+            <a:off x="817609" y="2959830"/>
+            <a:ext cx="2520279" cy="506292"/>
           </a:xfrm>
           <a:prstGeom prst="rect">
             <a:avLst/>
@@ -18450,44 +18811,40 @@
           </a:bodyPr>
           <a:lstStyle/>
           <a:p>
-            <a:pPr algn="just">
+            <a:pPr algn="l">
               <a:lnSpc>
                 <a:spcPct val="150000"/>
               </a:lnSpc>
             </a:pPr>
             <a:r>
-              <a:rPr lang="es-MX" sz="2000" b="1" dirty="0">
-                <a:solidFill>
-                  <a:schemeClr val="accent6">
-                    <a:lumMod val="75000"/>
-                  </a:schemeClr>
-                </a:solidFill>
-              </a:rPr>
-              <a:t>()</a:t>
-            </a:r>
-            <a:r>
-              <a:rPr lang="es-MX" sz="2000" dirty="0"/>
-              <a:t> </a:t>
-            </a:r>
-            <a:r>
-              <a:rPr lang="es-MX" sz="2000" dirty="0">
-                <a:solidFill>
-                  <a:schemeClr val="accent6">
-                    <a:lumMod val="75000"/>
-                  </a:schemeClr>
-                </a:solidFill>
-              </a:rPr>
-              <a:t>Nos permiten comparar entre algunos valores</a:t>
-            </a:r>
-          </a:p>
-        </p:txBody>
-      </p:sp>
-      <p:sp>
-        <p:nvSpPr>
-          <p:cNvPr id="5" name="CuadroTexto 4">
+              <a:rPr lang="es-ES" sz="2000" b="1" i="0" dirty="0">
+                <a:solidFill>
+                  <a:schemeClr val="tx1">
+                    <a:lumMod val="95000"/>
+                    <a:lumOff val="5000"/>
+                  </a:schemeClr>
+                </a:solidFill>
+                <a:effectLst/>
+              </a:rPr>
+              <a:t>Ejemplo:</a:t>
+            </a:r>
+            <a:endParaRPr lang="es-ES" sz="2000" b="1" dirty="0">
+              <a:solidFill>
+                <a:schemeClr val="tx1">
+                  <a:lumMod val="95000"/>
+                  <a:lumOff val="5000"/>
+                </a:schemeClr>
+              </a:solidFill>
+            </a:endParaRPr>
+          </a:p>
+        </p:txBody>
+      </p:sp>
+      <p:sp>
+        <p:nvSpPr>
+          <p:cNvPr id="7" name="CuadroTexto 6">
             <a:extLst>
               <a:ext uri="{FF2B5EF4-FFF2-40B4-BE49-F238E27FC236}">
-                <a16:creationId xmlns:a16="http://schemas.microsoft.com/office/drawing/2014/main" id="{CD51C6FC-C7B4-4F3A-BEE8-8127DCEAF665}"/>
+                <a16:creationId xmlns:a16="http://schemas.microsoft.com/office/drawing/2014/main" id="{64092E1E-D361-4870-BD54-7147B2FFEC5C}"/>
               </a:ext>
             </a:extLst>
           </p:cNvPr>
@@ -18496,8 +18853,8 @@
         </p:nvSpPr>
         <p:spPr>
           <a:xfrm>
-            <a:off x="388809" y="1582957"/>
-            <a:ext cx="8363271" cy="967957"/>
+            <a:off x="817609" y="1349150"/>
+            <a:ext cx="7642824" cy="1509388"/>
           </a:xfrm>
           <a:prstGeom prst="rect">
             <a:avLst/>
@@ -18510,28 +18867,149 @@
           </a:bodyPr>
           <a:lstStyle/>
           <a:p>
-            <a:pPr algn="just">
+            <a:pPr algn="just" fontAlgn="base">
               <a:lnSpc>
-                <a:spcPct val="150000"/>
+                <a:spcPts val="2500"/>
               </a:lnSpc>
+              <a:spcAft>
+                <a:spcPts val="1200"/>
+              </a:spcAft>
             </a:pPr>
             <a:r>
-              <a:rPr lang="es-MX" sz="2000" b="1" dirty="0"/>
-              <a:t>Ejemplo 4: </a:t>
-            </a:r>
-            <a:r>
-              <a:rPr lang="es-MX" sz="2000" dirty="0"/>
-              <a:t>Encuentre los número de teléfono con ladas 442, 443 y 448 solamente.</a:t>
+              <a:rPr lang="es-ES" sz="1800" dirty="0">
+                <a:solidFill>
+                  <a:schemeClr val="tx1">
+                    <a:lumMod val="95000"/>
+                    <a:lumOff val="5000"/>
+                  </a:schemeClr>
+                </a:solidFill>
+              </a:rPr>
+              <a:t>El lenguaje de programación Python, en su librería estándar, nos proporciona el modulo </a:t>
+            </a:r>
+            <a:r>
+              <a:rPr lang="es-ES" sz="1800" b="1" dirty="0" err="1">
+                <a:solidFill>
+                  <a:srgbClr val="FF0000"/>
+                </a:solidFill>
+              </a:rPr>
+              <a:t>regex</a:t>
+            </a:r>
+            <a:r>
+              <a:rPr lang="es-ES" sz="1800" dirty="0">
+                <a:solidFill>
+                  <a:schemeClr val="tx1">
+                    <a:lumMod val="95000"/>
+                    <a:lumOff val="5000"/>
+                  </a:schemeClr>
+                </a:solidFill>
+              </a:rPr>
+              <a:t> el cual es utilizado para trabajar con expresiones regulares.</a:t>
+            </a:r>
+            <a:endParaRPr lang="es-ES" b="1" i="0" dirty="0">
+              <a:solidFill>
+                <a:schemeClr val="accent6">
+                  <a:lumMod val="75000"/>
+                </a:schemeClr>
+              </a:solidFill>
+              <a:effectLst/>
+              <a:latin typeface="inherit"/>
+            </a:endParaRPr>
+          </a:p>
+          <a:p>
+            <a:pPr algn="just" fontAlgn="base">
+              <a:lnSpc>
+                <a:spcPts val="2500"/>
+              </a:lnSpc>
+              <a:spcAft>
+                <a:spcPts val="1200"/>
+              </a:spcAft>
+            </a:pPr>
+            <a:r>
+              <a:rPr lang="es-ES" b="1" i="0" dirty="0" err="1">
+                <a:solidFill>
+                  <a:schemeClr val="accent6">
+                    <a:lumMod val="75000"/>
+                  </a:schemeClr>
+                </a:solidFill>
+                <a:effectLst/>
+                <a:latin typeface="inherit"/>
+              </a:rPr>
+              <a:t>findall</a:t>
+            </a:r>
+            <a:r>
+              <a:rPr lang="es-ES" b="1" i="0" dirty="0">
+                <a:solidFill>
+                  <a:schemeClr val="accent6">
+                    <a:lumMod val="75000"/>
+                  </a:schemeClr>
+                </a:solidFill>
+                <a:effectLst/>
+                <a:latin typeface="inherit"/>
+              </a:rPr>
+              <a:t>()</a:t>
+            </a:r>
+            <a:r>
+              <a:rPr lang="es-ES" b="0" i="0" dirty="0">
+                <a:solidFill>
+                  <a:schemeClr val="accent6">
+                    <a:lumMod val="75000"/>
+                  </a:schemeClr>
+                </a:solidFill>
+                <a:effectLst/>
+                <a:latin typeface="inherit"/>
+              </a:rPr>
+              <a:t>: </a:t>
+            </a:r>
+            <a:r>
+              <a:rPr lang="es-ES" b="0" i="0" dirty="0">
+                <a:solidFill>
+                  <a:srgbClr val="000000"/>
+                </a:solidFill>
+                <a:effectLst/>
+                <a:latin typeface="inherit"/>
+              </a:rPr>
+              <a:t>Encuentra todos los subtextos donde coincide </a:t>
+            </a:r>
+            <a:r>
+              <a:rPr lang="es-ES" dirty="0">
+                <a:solidFill>
+                  <a:srgbClr val="000000"/>
+                </a:solidFill>
+                <a:latin typeface="inherit"/>
+              </a:rPr>
+              <a:t>la expresión regular y </a:t>
+            </a:r>
+            <a:r>
+              <a:rPr lang="es-ES" b="0" i="0" dirty="0">
+                <a:solidFill>
+                  <a:srgbClr val="000000"/>
+                </a:solidFill>
+                <a:effectLst/>
+                <a:latin typeface="inherit"/>
+              </a:rPr>
+              <a:t> devuelve estas coincidencias como una lista. </a:t>
+            </a:r>
+            <a:r>
+              <a:rPr lang="es-ES" b="1" i="0" dirty="0">
+                <a:solidFill>
+                  <a:schemeClr val="accent5">
+                    <a:lumMod val="75000"/>
+                  </a:schemeClr>
+                </a:solidFill>
+                <a:effectLst/>
+                <a:latin typeface="inherit"/>
+              </a:rPr>
+              <a:t>(patrón, texto)</a:t>
             </a:r>
           </a:p>
         </p:txBody>
       </p:sp>
       <p:pic>
         <p:nvPicPr>
-          <p:cNvPr id="4" name="Imagen 3">
+          <p:cNvPr id="4" name="Picture 3">
             <a:extLst>
               <a:ext uri="{FF2B5EF4-FFF2-40B4-BE49-F238E27FC236}">
-                <a16:creationId xmlns:a16="http://schemas.microsoft.com/office/drawing/2014/main" id="{4A0F5007-3343-4069-AEEE-C64F855CC1DB}"/>
+                <a16:creationId xmlns:a16="http://schemas.microsoft.com/office/drawing/2014/main" id="{0AE83E9F-5AE3-8E90-1C0E-62D7DC7EE76D}"/>
               </a:ext>
             </a:extLst>
           </p:cNvPr>
@@ -18548,8 +19026,8 @@
         </p:blipFill>
         <p:spPr>
           <a:xfrm>
-            <a:off x="375368" y="3217137"/>
-            <a:ext cx="4374990" cy="2849167"/>
+            <a:off x="1309899" y="3567414"/>
+            <a:ext cx="6524202" cy="2560130"/>
           </a:xfrm>
           <a:prstGeom prst="rect">
             <a:avLst/>
@@ -18558,10 +19036,10 @@
       </p:pic>
       <p:sp>
         <p:nvSpPr>
-          <p:cNvPr id="13" name="CuadroTexto 12">
+          <p:cNvPr id="3" name="CuadroTexto 2">
             <a:extLst>
               <a:ext uri="{FF2B5EF4-FFF2-40B4-BE49-F238E27FC236}">
-                <a16:creationId xmlns:a16="http://schemas.microsoft.com/office/drawing/2014/main" id="{D8614476-5746-4910-AE97-837BDC1DE82C}"/>
+                <a16:creationId xmlns:a16="http://schemas.microsoft.com/office/drawing/2014/main" id="{8A01372C-C9B9-F812-2C71-D9E395D5AA27}"/>
               </a:ext>
             </a:extLst>
           </p:cNvPr>
@@ -18570,8 +19048,8 @@
         </p:nvSpPr>
         <p:spPr>
           <a:xfrm>
-            <a:off x="353799" y="2564904"/>
-            <a:ext cx="3562351" cy="506292"/>
+            <a:off x="1051888" y="5877272"/>
+            <a:ext cx="4572000" cy="1200329"/>
           </a:xfrm>
           <a:prstGeom prst="rect">
             <a:avLst/>
@@ -18584,66 +19062,64 @@
           </a:bodyPr>
           <a:lstStyle/>
           <a:p>
-            <a:pPr algn="just">
-              <a:lnSpc>
-                <a:spcPct val="150000"/>
-              </a:lnSpc>
-            </a:pPr>
-            <a:r>
-              <a:rPr lang="es-MX" sz="2000" dirty="0"/>
-              <a:t>Conjunto de caracteres </a:t>
-            </a:r>
-            <a:r>
-              <a:rPr lang="es-MX" sz="2000" b="1" dirty="0">
-                <a:solidFill>
-                  <a:schemeClr val="accent6">
-                    <a:lumMod val="75000"/>
-                  </a:schemeClr>
-                </a:solidFill>
-              </a:rPr>
-              <a:t>2, 3 u 8</a:t>
-            </a:r>
-            <a:r>
-              <a:rPr lang="es-MX" sz="2000" dirty="0"/>
-              <a:t>.</a:t>
-            </a:r>
-          </a:p>
-        </p:txBody>
-      </p:sp>
-      <p:pic>
-        <p:nvPicPr>
-          <p:cNvPr id="8" name="Picture 7">
-            <a:extLst>
-              <a:ext uri="{FF2B5EF4-FFF2-40B4-BE49-F238E27FC236}">
-                <a16:creationId xmlns:a16="http://schemas.microsoft.com/office/drawing/2014/main" id="{1C8D1C6E-EE42-B43B-9084-CF731AF947A1}"/>
-              </a:ext>
-            </a:extLst>
-          </p:cNvPr>
-          <p:cNvPicPr>
-            <a:picLocks noChangeAspect="1"/>
-          </p:cNvPicPr>
-          <p:nvPr/>
-        </p:nvPicPr>
-        <p:blipFill>
-          <a:blip r:embed="rId4"/>
-          <a:stretch>
-            <a:fillRect/>
-          </a:stretch>
-        </p:blipFill>
-        <p:spPr>
-          <a:xfrm>
-            <a:off x="4996269" y="3218069"/>
-            <a:ext cx="3824203" cy="3014251"/>
-          </a:xfrm>
-          <a:prstGeom prst="rect">
-            <a:avLst/>
-          </a:prstGeom>
-        </p:spPr>
-      </p:pic>
+            <a:pPr algn="l"/>
+            <a:r>
+              <a:rPr lang="es-MX" b="1" i="0" dirty="0">
+                <a:solidFill>
+                  <a:srgbClr val="000000"/>
+                </a:solidFill>
+                <a:effectLst/>
+                <a:latin typeface="Poppins-Regular"/>
+              </a:rPr>
+              <a:t>Raw </a:t>
+            </a:r>
+            <a:r>
+              <a:rPr lang="es-MX" b="1" i="0" dirty="0" err="1">
+                <a:solidFill>
+                  <a:srgbClr val="000000"/>
+                </a:solidFill>
+                <a:effectLst/>
+                <a:latin typeface="Poppins-Regular"/>
+              </a:rPr>
+              <a:t>string</a:t>
+            </a:r>
+            <a:r>
+              <a:rPr lang="es-MX" b="0" i="0" dirty="0">
+                <a:solidFill>
+                  <a:srgbClr val="000000"/>
+                </a:solidFill>
+                <a:effectLst/>
+                <a:latin typeface="Poppins-Regular"/>
+              </a:rPr>
+              <a:t>: Utilizamos una cadena "raw" (</a:t>
+            </a:r>
+            <a:r>
+              <a:rPr lang="es-MX" b="0" i="0" dirty="0" err="1">
+                <a:solidFill>
+                  <a:srgbClr val="000000"/>
+                </a:solidFill>
+                <a:effectLst/>
+                <a:latin typeface="Poppins-Regular"/>
+              </a:rPr>
+              <a:t>r"cadena</a:t>
+            </a:r>
+            <a:r>
+              <a:rPr lang="es-MX" b="0" i="0" dirty="0">
+                <a:solidFill>
+                  <a:srgbClr val="000000"/>
+                </a:solidFill>
+                <a:effectLst/>
+                <a:latin typeface="Poppins-Regular"/>
+              </a:rPr>
+              <a:t>") para evitar problemas con los caracteres de escape en las expresiones regulares.</a:t>
+            </a:r>
+          </a:p>
+        </p:txBody>
+      </p:sp>
     </p:spTree>
     <p:extLst>
       <p:ext uri="{BB962C8B-B14F-4D97-AF65-F5344CB8AC3E}">
-        <p14:creationId xmlns:p14="http://schemas.microsoft.com/office/powerpoint/2010/main" val="3789720049"/>
+        <p14:creationId xmlns:p14="http://schemas.microsoft.com/office/powerpoint/2010/main" val="2777994466"/>
       </p:ext>
     </p:extLst>
   </p:cSld>
@@ -18910,7 +19386,13 @@
   <p:cSld>
     <p:spTree>
       <p:nvGrpSpPr>
-        <p:cNvPr id="1" name=""/>
+        <p:cNvPr id="1" name="">
+          <a:extLst>
+            <a:ext uri="{FF2B5EF4-FFF2-40B4-BE49-F238E27FC236}">
+              <a16:creationId xmlns:a16="http://schemas.microsoft.com/office/drawing/2014/main" id="{8D2170A6-9C97-7E89-6B43-A931DB89E4AD}"/>
+            </a:ext>
+          </a:extLst>
+        </p:cNvPr>
         <p:cNvGrpSpPr/>
         <p:nvPr/>
       </p:nvGrpSpPr>
@@ -18924,7 +19406,13 @@
       </p:grpSpPr>
       <p:sp>
         <p:nvSpPr>
-          <p:cNvPr id="184324" name="Rectangle 4"/>
+          <p:cNvPr id="184324" name="Rectangle 4">
+            <a:extLst>
+              <a:ext uri="{FF2B5EF4-FFF2-40B4-BE49-F238E27FC236}">
+                <a16:creationId xmlns:a16="http://schemas.microsoft.com/office/drawing/2014/main" id="{7BE957BD-1108-6677-0161-6A5B83B6547D}"/>
+              </a:ext>
+            </a:extLst>
+          </p:cNvPr>
           <p:cNvSpPr>
             <a:spLocks noGrp="1" noChangeArrowheads="1"/>
           </p:cNvSpPr>
@@ -18934,8 +19422,8 @@
         </p:nvSpPr>
         <p:spPr>
           <a:xfrm>
-            <a:off x="289721" y="4056"/>
-            <a:ext cx="8363272" cy="1143000"/>
+            <a:off x="107504" y="116632"/>
+            <a:ext cx="8579296" cy="1143000"/>
           </a:xfrm>
         </p:spPr>
         <p:txBody>
@@ -18961,17 +19449,46 @@
                 </a:effectLst>
                 <a:latin typeface="Dom Casual" charset="0"/>
               </a:rPr>
-              <a:t>Expresión regular</a:t>
-            </a:r>
-          </a:p>
-        </p:txBody>
-      </p:sp>
-      <p:sp>
-        <p:nvSpPr>
-          <p:cNvPr id="5" name="CuadroTexto 4">
+              <a:t>Módulo </a:t>
+            </a:r>
+            <a:r>
+              <a:rPr lang="es-MX" b="1" dirty="0" err="1">
+                <a:solidFill>
+                  <a:schemeClr val="accent4">
+                    <a:lumMod val="50000"/>
+                  </a:schemeClr>
+                </a:solidFill>
+                <a:effectLst>
+                  <a:outerShdw blurRad="38100" dist="38100" dir="2700000" algn="tl">
+                    <a:srgbClr val="C0C0C0"/>
+                  </a:outerShdw>
+                </a:effectLst>
+                <a:latin typeface="Dom Casual" charset="0"/>
+              </a:rPr>
+              <a:t>regex</a:t>
+            </a:r>
+            <a:endParaRPr lang="es-MX" b="1" dirty="0">
+              <a:solidFill>
+                <a:schemeClr val="accent4">
+                  <a:lumMod val="50000"/>
+                </a:schemeClr>
+              </a:solidFill>
+              <a:effectLst>
+                <a:outerShdw blurRad="38100" dist="38100" dir="2700000" algn="tl">
+                  <a:srgbClr val="C0C0C0"/>
+                </a:outerShdw>
+              </a:effectLst>
+              <a:latin typeface="Dom Casual" charset="0"/>
+            </a:endParaRPr>
+          </a:p>
+        </p:txBody>
+      </p:sp>
+      <p:sp>
+        <p:nvSpPr>
+          <p:cNvPr id="7" name="CuadroTexto 6">
             <a:extLst>
               <a:ext uri="{FF2B5EF4-FFF2-40B4-BE49-F238E27FC236}">
-                <a16:creationId xmlns:a16="http://schemas.microsoft.com/office/drawing/2014/main" id="{FC189524-E564-48DD-B173-E7D162EDC50C}"/>
+                <a16:creationId xmlns:a16="http://schemas.microsoft.com/office/drawing/2014/main" id="{A27303CE-DCC1-3013-97FF-268A3292B1FB}"/>
               </a:ext>
             </a:extLst>
           </p:cNvPr>
@@ -18980,8 +19497,8 @@
         </p:nvSpPr>
         <p:spPr>
           <a:xfrm>
-            <a:off x="289721" y="1072086"/>
-            <a:ext cx="7920880" cy="506292"/>
+            <a:off x="817609" y="1349150"/>
+            <a:ext cx="7642824" cy="714298"/>
           </a:xfrm>
           <a:prstGeom prst="rect">
             <a:avLst/>
@@ -18994,52 +19511,215 @@
           </a:bodyPr>
           <a:lstStyle/>
           <a:p>
-            <a:pPr algn="just">
+            <a:pPr algn="just" fontAlgn="base">
               <a:lnSpc>
-                <a:spcPct val="150000"/>
+                <a:spcPts val="2500"/>
               </a:lnSpc>
+              <a:spcAft>
+                <a:spcPts val="1200"/>
+              </a:spcAft>
             </a:pPr>
             <a:r>
-              <a:rPr lang="es-ES" sz="2000" b="1" i="0" dirty="0">
+              <a:rPr lang="es-ES" sz="1800" dirty="0">
                 <a:solidFill>
                   <a:schemeClr val="tx1">
                     <a:lumMod val="95000"/>
                     <a:lumOff val="5000"/>
                   </a:schemeClr>
                 </a:solidFill>
-                <a:effectLst/>
-              </a:rPr>
-              <a:t>Ejercicio 5: </a:t>
-            </a:r>
-            <a:r>
-              <a:rPr lang="es-ES" sz="2000" i="0" dirty="0">
+              </a:rPr>
+              <a:t>El lenguaje de programación Python, en su librería estándar, nos proporciona el modulo </a:t>
+            </a:r>
+            <a:r>
+              <a:rPr lang="es-ES" sz="1800" b="1" dirty="0" err="1">
+                <a:solidFill>
+                  <a:srgbClr val="FF0000"/>
+                </a:solidFill>
+              </a:rPr>
+              <a:t>regex</a:t>
+            </a:r>
+            <a:r>
+              <a:rPr lang="es-ES" sz="1800" dirty="0">
                 <a:solidFill>
                   <a:schemeClr val="tx1">
                     <a:lumMod val="95000"/>
                     <a:lumOff val="5000"/>
                   </a:schemeClr>
                 </a:solidFill>
+              </a:rPr>
+              <a:t> el cual es utilizado para trabajar con expresiones regulares.</a:t>
+            </a:r>
+            <a:endParaRPr lang="es-ES" b="1" i="0" dirty="0">
+              <a:solidFill>
+                <a:schemeClr val="accent5">
+                  <a:lumMod val="75000"/>
+                </a:schemeClr>
+              </a:solidFill>
+              <a:effectLst/>
+              <a:latin typeface="inherit"/>
+            </a:endParaRPr>
+          </a:p>
+        </p:txBody>
+      </p:sp>
+      <p:sp>
+        <p:nvSpPr>
+          <p:cNvPr id="3" name="CuadroTexto 2">
+            <a:extLst>
+              <a:ext uri="{FF2B5EF4-FFF2-40B4-BE49-F238E27FC236}">
+                <a16:creationId xmlns:a16="http://schemas.microsoft.com/office/drawing/2014/main" id="{731A6801-6C8C-D007-4366-6A294226C510}"/>
+              </a:ext>
+            </a:extLst>
+          </p:cNvPr>
+          <p:cNvSpPr txBox="1"/>
+          <p:nvPr/>
+        </p:nvSpPr>
+        <p:spPr>
+          <a:xfrm>
+            <a:off x="835589" y="2276872"/>
+            <a:ext cx="7624844" cy="1200329"/>
+          </a:xfrm>
+          <a:prstGeom prst="rect">
+            <a:avLst/>
+          </a:prstGeom>
+          <a:noFill/>
+        </p:spPr>
+        <p:txBody>
+          <a:bodyPr wrap="square">
+            <a:spAutoFit/>
+          </a:bodyPr>
+          <a:lstStyle>
+            <a:defPPr>
+              <a:defRPr lang="es-MX"/>
+            </a:defPPr>
+            <a:lvl1pPr>
+              <a:defRPr b="1" i="0">
+                <a:solidFill>
+                  <a:srgbClr val="000000"/>
+                </a:solidFill>
                 <a:effectLst/>
-              </a:rPr>
-              <a:t>Seleccionar correo electrónico.</a:t>
-            </a:r>
-            <a:endParaRPr lang="es-ES" sz="2000" dirty="0">
+                <a:latin typeface="Poppins-Regular"/>
+              </a:defRPr>
+            </a:lvl1pPr>
+          </a:lstStyle>
+          <a:p>
+            <a:r>
+              <a:rPr lang="es-MX" dirty="0">
+                <a:solidFill>
+                  <a:schemeClr val="tx1">
+                    <a:lumMod val="95000"/>
+                    <a:lumOff val="5000"/>
+                  </a:schemeClr>
+                </a:solidFill>
+                <a:latin typeface="+mn-lt"/>
+              </a:rPr>
+              <a:t>Raw </a:t>
+            </a:r>
+            <a:r>
+              <a:rPr lang="es-MX" dirty="0" err="1">
+                <a:solidFill>
+                  <a:schemeClr val="tx1">
+                    <a:lumMod val="95000"/>
+                    <a:lumOff val="5000"/>
+                  </a:schemeClr>
+                </a:solidFill>
+                <a:latin typeface="+mn-lt"/>
+              </a:rPr>
+              <a:t>string</a:t>
+            </a:r>
+            <a:r>
+              <a:rPr lang="es-MX" dirty="0">
+                <a:solidFill>
+                  <a:schemeClr val="tx1">
+                    <a:lumMod val="95000"/>
+                    <a:lumOff val="5000"/>
+                  </a:schemeClr>
+                </a:solidFill>
+                <a:latin typeface="+mn-lt"/>
+              </a:rPr>
+              <a:t>: </a:t>
+            </a:r>
+            <a:r>
+              <a:rPr lang="es-MX" b="0" dirty="0">
+                <a:solidFill>
+                  <a:schemeClr val="tx1">
+                    <a:lumMod val="95000"/>
+                    <a:lumOff val="5000"/>
+                  </a:schemeClr>
+                </a:solidFill>
+                <a:latin typeface="+mn-lt"/>
+              </a:rPr>
+              <a:t>Utilizamos una cadena "raw" (</a:t>
+            </a:r>
+            <a:r>
+              <a:rPr lang="es-MX" dirty="0" err="1">
+                <a:solidFill>
+                  <a:schemeClr val="tx1">
+                    <a:lumMod val="95000"/>
+                    <a:lumOff val="5000"/>
+                  </a:schemeClr>
+                </a:solidFill>
+                <a:latin typeface="+mn-lt"/>
+              </a:rPr>
+              <a:t>r"cadena</a:t>
+            </a:r>
+            <a:r>
+              <a:rPr lang="es-MX" dirty="0">
+                <a:solidFill>
+                  <a:schemeClr val="tx1">
+                    <a:lumMod val="95000"/>
+                    <a:lumOff val="5000"/>
+                  </a:schemeClr>
+                </a:solidFill>
+                <a:latin typeface="+mn-lt"/>
+              </a:rPr>
+              <a:t>"</a:t>
+            </a:r>
+            <a:r>
+              <a:rPr lang="es-MX" b="0" dirty="0">
+                <a:solidFill>
+                  <a:schemeClr val="tx1">
+                    <a:lumMod val="95000"/>
+                    <a:lumOff val="5000"/>
+                  </a:schemeClr>
+                </a:solidFill>
+                <a:latin typeface="+mn-lt"/>
+              </a:rPr>
+              <a:t>) para evitar problemas con los caracteres de escape en las expresiones regulares.</a:t>
+            </a:r>
+          </a:p>
+          <a:p>
+            <a:endParaRPr lang="es-MX" b="0" dirty="0">
               <a:solidFill>
                 <a:schemeClr val="tx1">
                   <a:lumMod val="95000"/>
                   <a:lumOff val="5000"/>
                 </a:schemeClr>
               </a:solidFill>
+              <a:latin typeface="+mn-lt"/>
             </a:endParaRPr>
+          </a:p>
+          <a:p>
+            <a:r>
+              <a:rPr lang="es-MX" dirty="0">
+                <a:solidFill>
+                  <a:schemeClr val="tx1">
+                    <a:lumMod val="95000"/>
+                    <a:lumOff val="5000"/>
+                  </a:schemeClr>
+                </a:solidFill>
+                <a:latin typeface="+mn-lt"/>
+              </a:rPr>
+              <a:t>Ejemplo: </a:t>
+            </a:r>
           </a:p>
         </p:txBody>
       </p:sp>
       <p:pic>
         <p:nvPicPr>
-          <p:cNvPr id="8" name="Imagen 7">
+          <p:cNvPr id="5" name="Imagen 4">
             <a:extLst>
               <a:ext uri="{FF2B5EF4-FFF2-40B4-BE49-F238E27FC236}">
-                <a16:creationId xmlns:a16="http://schemas.microsoft.com/office/drawing/2014/main" id="{9E8BDEDE-78F6-48B6-B26B-4636CFFD6F1D}"/>
+                <a16:creationId xmlns:a16="http://schemas.microsoft.com/office/drawing/2014/main" id="{A49844EA-464A-B92D-FFF7-A3303FD25631}"/>
               </a:ext>
             </a:extLst>
           </p:cNvPr>
@@ -19056,128 +19736,18 @@
         </p:blipFill>
         <p:spPr>
           <a:xfrm>
-            <a:off x="309719" y="1841862"/>
-            <a:ext cx="4267200" cy="4162425"/>
+            <a:off x="1382068" y="3690625"/>
+            <a:ext cx="6030167" cy="2486372"/>
           </a:xfrm>
           <a:prstGeom prst="rect">
             <a:avLst/>
           </a:prstGeom>
         </p:spPr>
       </p:pic>
-      <p:pic>
-        <p:nvPicPr>
-          <p:cNvPr id="10" name="Imagen 9">
-            <a:extLst>
-              <a:ext uri="{FF2B5EF4-FFF2-40B4-BE49-F238E27FC236}">
-                <a16:creationId xmlns:a16="http://schemas.microsoft.com/office/drawing/2014/main" id="{78918B87-AE47-43DF-A868-48DA504D01DA}"/>
-              </a:ext>
-            </a:extLst>
-          </p:cNvPr>
-          <p:cNvPicPr>
-            <a:picLocks noChangeAspect="1"/>
-          </p:cNvPicPr>
-          <p:nvPr/>
-        </p:nvPicPr>
-        <p:blipFill>
-          <a:blip r:embed="rId4"/>
-          <a:stretch>
-            <a:fillRect/>
-          </a:stretch>
-        </p:blipFill>
-        <p:spPr>
-          <a:xfrm>
-            <a:off x="4716016" y="1827574"/>
-            <a:ext cx="4219575" cy="4191000"/>
-          </a:xfrm>
-          <a:prstGeom prst="rect">
-            <a:avLst/>
-          </a:prstGeom>
-        </p:spPr>
-      </p:pic>
-      <p:sp>
-        <p:nvSpPr>
-          <p:cNvPr id="12" name="CuadroTexto 11">
-            <a:extLst>
-              <a:ext uri="{FF2B5EF4-FFF2-40B4-BE49-F238E27FC236}">
-                <a16:creationId xmlns:a16="http://schemas.microsoft.com/office/drawing/2014/main" id="{45236C5C-4492-4167-82B4-CF01EC88B68A}"/>
-              </a:ext>
-            </a:extLst>
-          </p:cNvPr>
-          <p:cNvSpPr txBox="1"/>
-          <p:nvPr/>
-        </p:nvSpPr>
-        <p:spPr>
-          <a:xfrm>
-            <a:off x="5292080" y="1052736"/>
-            <a:ext cx="3562199" cy="506292"/>
-          </a:xfrm>
-          <a:prstGeom prst="rect">
-            <a:avLst/>
-          </a:prstGeom>
-          <a:noFill/>
-        </p:spPr>
-        <p:txBody>
-          <a:bodyPr wrap="square">
-            <a:spAutoFit/>
-          </a:bodyPr>
-          <a:lstStyle/>
-          <a:p>
-            <a:pPr algn="just">
-              <a:lnSpc>
-                <a:spcPct val="150000"/>
-              </a:lnSpc>
-            </a:pPr>
-            <a:r>
-              <a:rPr lang="es-ES" sz="2000" b="1" dirty="0">
-                <a:solidFill>
-                  <a:schemeClr val="tx1">
-                    <a:lumMod val="95000"/>
-                    <a:lumOff val="5000"/>
-                  </a:schemeClr>
-                </a:solidFill>
-              </a:rPr>
-              <a:t>[a-</a:t>
-            </a:r>
-            <a:r>
-              <a:rPr lang="es-ES" sz="2000" b="1" dirty="0" err="1">
-                <a:solidFill>
-                  <a:schemeClr val="tx1">
-                    <a:lumMod val="95000"/>
-                    <a:lumOff val="5000"/>
-                  </a:schemeClr>
-                </a:solidFill>
-              </a:rPr>
-              <a:t>zA</a:t>
-            </a:r>
-            <a:r>
-              <a:rPr lang="es-ES" sz="2000" b="1" dirty="0">
-                <a:solidFill>
-                  <a:schemeClr val="tx1">
-                    <a:lumMod val="95000"/>
-                    <a:lumOff val="5000"/>
-                  </a:schemeClr>
-                </a:solidFill>
-              </a:rPr>
-              <a:t>-Z] </a:t>
-            </a:r>
-            <a:r>
-              <a:rPr lang="es-ES" sz="2000" dirty="0">
-                <a:solidFill>
-                  <a:schemeClr val="tx1">
-                    <a:lumMod val="95000"/>
-                    <a:lumOff val="5000"/>
-                  </a:schemeClr>
-                </a:solidFill>
-              </a:rPr>
-              <a:t>una o más letras.</a:t>
-            </a:r>
-          </a:p>
-        </p:txBody>
-      </p:sp>
     </p:spTree>
     <p:extLst>
       <p:ext uri="{BB962C8B-B14F-4D97-AF65-F5344CB8AC3E}">
-        <p14:creationId xmlns:p14="http://schemas.microsoft.com/office/powerpoint/2010/main" val="155978432"/>
+        <p14:creationId xmlns:p14="http://schemas.microsoft.com/office/powerpoint/2010/main" val="1919744961"/>
       </p:ext>
     </p:extLst>
   </p:cSld>
@@ -19188,532 +19758,6 @@
 </file>
 
 <file path=ppt/slides/slide51.xml><?xml version="1.0" encoding="utf-8"?>
-<p:sld xmlns:a="http://schemas.openxmlformats.org/drawingml/2006/main" xmlns:r="http://schemas.openxmlformats.org/officeDocument/2006/relationships" xmlns:p="http://schemas.openxmlformats.org/presentationml/2006/main">
-  <p:cSld>
-    <p:spTree>
-      <p:nvGrpSpPr>
-        <p:cNvPr id="1" name=""/>
-        <p:cNvGrpSpPr/>
-        <p:nvPr/>
-      </p:nvGrpSpPr>
-      <p:grpSpPr>
-        <a:xfrm>
-          <a:off x="0" y="0"/>
-          <a:ext cx="0" cy="0"/>
-          <a:chOff x="0" y="0"/>
-          <a:chExt cx="0" cy="0"/>
-        </a:xfrm>
-      </p:grpSpPr>
-      <p:sp>
-        <p:nvSpPr>
-          <p:cNvPr id="184324" name="Rectangle 4"/>
-          <p:cNvSpPr>
-            <a:spLocks noGrp="1" noChangeArrowheads="1"/>
-          </p:cNvSpPr>
-          <p:nvPr>
-            <p:ph type="title"/>
-          </p:nvPr>
-        </p:nvSpPr>
-        <p:spPr>
-          <a:xfrm>
-            <a:off x="289721" y="4056"/>
-            <a:ext cx="8363272" cy="1143000"/>
-          </a:xfrm>
-        </p:spPr>
-        <p:txBody>
-          <a:bodyPr>
-            <a:normAutofit/>
-          </a:bodyPr>
-          <a:lstStyle/>
-          <a:p>
-            <a:pPr eaLnBrk="1" hangingPunct="1">
-              <a:defRPr/>
-            </a:pPr>
-            <a:r>
-              <a:rPr lang="es-MX" b="1" dirty="0">
-                <a:solidFill>
-                  <a:schemeClr val="accent4">
-                    <a:lumMod val="50000"/>
-                  </a:schemeClr>
-                </a:solidFill>
-                <a:effectLst>
-                  <a:outerShdw blurRad="38100" dist="38100" dir="2700000" algn="tl">
-                    <a:srgbClr val="C0C0C0"/>
-                  </a:outerShdw>
-                </a:effectLst>
-                <a:latin typeface="Dom Casual" charset="0"/>
-              </a:rPr>
-              <a:t>Expresión regular</a:t>
-            </a:r>
-          </a:p>
-        </p:txBody>
-      </p:sp>
-      <p:sp>
-        <p:nvSpPr>
-          <p:cNvPr id="5" name="CuadroTexto 4">
-            <a:extLst>
-              <a:ext uri="{FF2B5EF4-FFF2-40B4-BE49-F238E27FC236}">
-                <a16:creationId xmlns:a16="http://schemas.microsoft.com/office/drawing/2014/main" id="{FC189524-E564-48DD-B173-E7D162EDC50C}"/>
-              </a:ext>
-            </a:extLst>
-          </p:cNvPr>
-          <p:cNvSpPr txBox="1"/>
-          <p:nvPr/>
-        </p:nvSpPr>
-        <p:spPr>
-          <a:xfrm>
-            <a:off x="289721" y="1147056"/>
-            <a:ext cx="7920880" cy="506292"/>
-          </a:xfrm>
-          <a:prstGeom prst="rect">
-            <a:avLst/>
-          </a:prstGeom>
-          <a:noFill/>
-        </p:spPr>
-        <p:txBody>
-          <a:bodyPr wrap="square">
-            <a:spAutoFit/>
-          </a:bodyPr>
-          <a:lstStyle/>
-          <a:p>
-            <a:pPr algn="just">
-              <a:lnSpc>
-                <a:spcPct val="150000"/>
-              </a:lnSpc>
-            </a:pPr>
-            <a:r>
-              <a:rPr lang="es-ES" sz="2000" b="1" i="0" dirty="0">
-                <a:solidFill>
-                  <a:schemeClr val="tx1">
-                    <a:lumMod val="95000"/>
-                    <a:lumOff val="5000"/>
-                  </a:schemeClr>
-                </a:solidFill>
-                <a:effectLst/>
-              </a:rPr>
-              <a:t>Ejercicio 5: </a:t>
-            </a:r>
-            <a:r>
-              <a:rPr lang="es-ES" sz="2000" i="0" dirty="0">
-                <a:solidFill>
-                  <a:schemeClr val="tx1">
-                    <a:lumMod val="95000"/>
-                    <a:lumOff val="5000"/>
-                  </a:schemeClr>
-                </a:solidFill>
-                <a:effectLst/>
-              </a:rPr>
-              <a:t>Seleccionar correo electrónico. </a:t>
-            </a:r>
-            <a:endParaRPr lang="es-ES" sz="2000" dirty="0">
-              <a:solidFill>
-                <a:schemeClr val="tx1">
-                  <a:lumMod val="95000"/>
-                  <a:lumOff val="5000"/>
-                </a:schemeClr>
-              </a:solidFill>
-            </a:endParaRPr>
-          </a:p>
-        </p:txBody>
-      </p:sp>
-      <p:pic>
-        <p:nvPicPr>
-          <p:cNvPr id="4" name="Picture 3">
-            <a:extLst>
-              <a:ext uri="{FF2B5EF4-FFF2-40B4-BE49-F238E27FC236}">
-                <a16:creationId xmlns:a16="http://schemas.microsoft.com/office/drawing/2014/main" id="{A96E5DF4-656B-1B0A-FF2A-737F9C05E93F}"/>
-              </a:ext>
-            </a:extLst>
-          </p:cNvPr>
-          <p:cNvPicPr>
-            <a:picLocks noChangeAspect="1"/>
-          </p:cNvPicPr>
-          <p:nvPr/>
-        </p:nvPicPr>
-        <p:blipFill>
-          <a:blip r:embed="rId3"/>
-          <a:stretch>
-            <a:fillRect/>
-          </a:stretch>
-        </p:blipFill>
-        <p:spPr>
-          <a:xfrm>
-            <a:off x="1691680" y="1772816"/>
-            <a:ext cx="5472608" cy="4717764"/>
-          </a:xfrm>
-          <a:prstGeom prst="rect">
-            <a:avLst/>
-          </a:prstGeom>
-        </p:spPr>
-      </p:pic>
-    </p:spTree>
-    <p:extLst>
-      <p:ext uri="{BB962C8B-B14F-4D97-AF65-F5344CB8AC3E}">
-        <p14:creationId xmlns:p14="http://schemas.microsoft.com/office/powerpoint/2010/main" val="1923512369"/>
-      </p:ext>
-    </p:extLst>
-  </p:cSld>
-  <p:clrMapOvr>
-    <a:masterClrMapping/>
-  </p:clrMapOvr>
-</p:sld>
-</file>
-
-<file path=ppt/slides/slide52.xml><?xml version="1.0" encoding="utf-8"?>
-<p:sld xmlns:a="http://schemas.openxmlformats.org/drawingml/2006/main" xmlns:r="http://schemas.openxmlformats.org/officeDocument/2006/relationships" xmlns:p="http://schemas.openxmlformats.org/presentationml/2006/main">
-  <p:cSld>
-    <p:spTree>
-      <p:nvGrpSpPr>
-        <p:cNvPr id="1" name=""/>
-        <p:cNvGrpSpPr/>
-        <p:nvPr/>
-      </p:nvGrpSpPr>
-      <p:grpSpPr>
-        <a:xfrm>
-          <a:off x="0" y="0"/>
-          <a:ext cx="0" cy="0"/>
-          <a:chOff x="0" y="0"/>
-          <a:chExt cx="0" cy="0"/>
-        </a:xfrm>
-      </p:grpSpPr>
-      <p:sp>
-        <p:nvSpPr>
-          <p:cNvPr id="184324" name="Rectangle 4"/>
-          <p:cNvSpPr>
-            <a:spLocks noGrp="1" noChangeArrowheads="1"/>
-          </p:cNvSpPr>
-          <p:nvPr>
-            <p:ph type="title"/>
-          </p:nvPr>
-        </p:nvSpPr>
-        <p:spPr>
-          <a:xfrm>
-            <a:off x="107504" y="116632"/>
-            <a:ext cx="8579296" cy="1143000"/>
-          </a:xfrm>
-        </p:spPr>
-        <p:txBody>
-          <a:bodyPr>
-            <a:normAutofit/>
-          </a:bodyPr>
-          <a:lstStyle/>
-          <a:p>
-            <a:pPr eaLnBrk="1" hangingPunct="1">
-              <a:defRPr/>
-            </a:pPr>
-            <a:r>
-              <a:rPr lang="es-MX" b="1" dirty="0">
-                <a:solidFill>
-                  <a:schemeClr val="accent4">
-                    <a:lumMod val="50000"/>
-                  </a:schemeClr>
-                </a:solidFill>
-                <a:effectLst>
-                  <a:outerShdw blurRad="38100" dist="38100" dir="2700000" algn="tl">
-                    <a:srgbClr val="C0C0C0"/>
-                  </a:outerShdw>
-                </a:effectLst>
-                <a:latin typeface="Dom Casual" charset="0"/>
-              </a:rPr>
-              <a:t>Módulo </a:t>
-            </a:r>
-            <a:r>
-              <a:rPr lang="es-MX" b="1" dirty="0" err="1">
-                <a:solidFill>
-                  <a:schemeClr val="accent4">
-                    <a:lumMod val="50000"/>
-                  </a:schemeClr>
-                </a:solidFill>
-                <a:effectLst>
-                  <a:outerShdw blurRad="38100" dist="38100" dir="2700000" algn="tl">
-                    <a:srgbClr val="C0C0C0"/>
-                  </a:outerShdw>
-                </a:effectLst>
-                <a:latin typeface="Dom Casual" charset="0"/>
-              </a:rPr>
-              <a:t>regex</a:t>
-            </a:r>
-            <a:endParaRPr lang="es-MX" b="1" dirty="0">
-              <a:solidFill>
-                <a:schemeClr val="accent4">
-                  <a:lumMod val="50000"/>
-                </a:schemeClr>
-              </a:solidFill>
-              <a:effectLst>
-                <a:outerShdw blurRad="38100" dist="38100" dir="2700000" algn="tl">
-                  <a:srgbClr val="C0C0C0"/>
-                </a:outerShdw>
-              </a:effectLst>
-              <a:latin typeface="Dom Casual" charset="0"/>
-            </a:endParaRPr>
-          </a:p>
-        </p:txBody>
-      </p:sp>
-      <p:sp>
-        <p:nvSpPr>
-          <p:cNvPr id="10" name="CuadroTexto 9">
-            <a:extLst>
-              <a:ext uri="{FF2B5EF4-FFF2-40B4-BE49-F238E27FC236}">
-                <a16:creationId xmlns:a16="http://schemas.microsoft.com/office/drawing/2014/main" id="{28D7FAFF-9722-4D6A-9DE5-55FC738D0886}"/>
-              </a:ext>
-            </a:extLst>
-          </p:cNvPr>
-          <p:cNvSpPr txBox="1"/>
-          <p:nvPr/>
-        </p:nvSpPr>
-        <p:spPr>
-          <a:xfrm>
-            <a:off x="817609" y="2959830"/>
-            <a:ext cx="2520279" cy="506292"/>
-          </a:xfrm>
-          <a:prstGeom prst="rect">
-            <a:avLst/>
-          </a:prstGeom>
-          <a:noFill/>
-        </p:spPr>
-        <p:txBody>
-          <a:bodyPr wrap="square">
-            <a:spAutoFit/>
-          </a:bodyPr>
-          <a:lstStyle/>
-          <a:p>
-            <a:pPr algn="l">
-              <a:lnSpc>
-                <a:spcPct val="150000"/>
-              </a:lnSpc>
-            </a:pPr>
-            <a:r>
-              <a:rPr lang="es-ES" sz="2000" b="1" i="0" dirty="0">
-                <a:solidFill>
-                  <a:schemeClr val="tx1">
-                    <a:lumMod val="95000"/>
-                    <a:lumOff val="5000"/>
-                  </a:schemeClr>
-                </a:solidFill>
-                <a:effectLst/>
-              </a:rPr>
-              <a:t>Ejemplo:</a:t>
-            </a:r>
-            <a:endParaRPr lang="es-ES" sz="2000" b="1" dirty="0">
-              <a:solidFill>
-                <a:schemeClr val="tx1">
-                  <a:lumMod val="95000"/>
-                  <a:lumOff val="5000"/>
-                </a:schemeClr>
-              </a:solidFill>
-            </a:endParaRPr>
-          </a:p>
-        </p:txBody>
-      </p:sp>
-      <p:sp>
-        <p:nvSpPr>
-          <p:cNvPr id="7" name="CuadroTexto 6">
-            <a:extLst>
-              <a:ext uri="{FF2B5EF4-FFF2-40B4-BE49-F238E27FC236}">
-                <a16:creationId xmlns:a16="http://schemas.microsoft.com/office/drawing/2014/main" id="{64092E1E-D361-4870-BD54-7147B2FFEC5C}"/>
-              </a:ext>
-            </a:extLst>
-          </p:cNvPr>
-          <p:cNvSpPr txBox="1"/>
-          <p:nvPr/>
-        </p:nvSpPr>
-        <p:spPr>
-          <a:xfrm>
-            <a:off x="817609" y="1349150"/>
-            <a:ext cx="7642824" cy="1509388"/>
-          </a:xfrm>
-          <a:prstGeom prst="rect">
-            <a:avLst/>
-          </a:prstGeom>
-          <a:noFill/>
-        </p:spPr>
-        <p:txBody>
-          <a:bodyPr wrap="square">
-            <a:spAutoFit/>
-          </a:bodyPr>
-          <a:lstStyle/>
-          <a:p>
-            <a:pPr algn="just" fontAlgn="base">
-              <a:lnSpc>
-                <a:spcPts val="2500"/>
-              </a:lnSpc>
-              <a:spcAft>
-                <a:spcPts val="1200"/>
-              </a:spcAft>
-            </a:pPr>
-            <a:r>
-              <a:rPr lang="es-ES" sz="1800" dirty="0">
-                <a:solidFill>
-                  <a:schemeClr val="tx1">
-                    <a:lumMod val="95000"/>
-                    <a:lumOff val="5000"/>
-                  </a:schemeClr>
-                </a:solidFill>
-              </a:rPr>
-              <a:t>El lenguaje de programación Python, en su librería estándar, nos proporciona el modulo </a:t>
-            </a:r>
-            <a:r>
-              <a:rPr lang="es-ES" sz="1800" b="1" dirty="0" err="1">
-                <a:solidFill>
-                  <a:srgbClr val="FF0000"/>
-                </a:solidFill>
-              </a:rPr>
-              <a:t>regex</a:t>
-            </a:r>
-            <a:r>
-              <a:rPr lang="es-ES" sz="1800" dirty="0">
-                <a:solidFill>
-                  <a:schemeClr val="tx1">
-                    <a:lumMod val="95000"/>
-                    <a:lumOff val="5000"/>
-                  </a:schemeClr>
-                </a:solidFill>
-              </a:rPr>
-              <a:t> el cual es utilizado para trabajar con expresiones regulares.</a:t>
-            </a:r>
-            <a:endParaRPr lang="es-ES" b="1" i="0" dirty="0">
-              <a:solidFill>
-                <a:schemeClr val="accent6">
-                  <a:lumMod val="75000"/>
-                </a:schemeClr>
-              </a:solidFill>
-              <a:effectLst/>
-              <a:latin typeface="inherit"/>
-            </a:endParaRPr>
-          </a:p>
-          <a:p>
-            <a:pPr algn="just" fontAlgn="base">
-              <a:lnSpc>
-                <a:spcPts val="2500"/>
-              </a:lnSpc>
-              <a:spcAft>
-                <a:spcPts val="1200"/>
-              </a:spcAft>
-            </a:pPr>
-            <a:r>
-              <a:rPr lang="es-ES" b="1" i="0" dirty="0" err="1">
-                <a:solidFill>
-                  <a:schemeClr val="accent6">
-                    <a:lumMod val="75000"/>
-                  </a:schemeClr>
-                </a:solidFill>
-                <a:effectLst/>
-                <a:latin typeface="inherit"/>
-              </a:rPr>
-              <a:t>findall</a:t>
-            </a:r>
-            <a:r>
-              <a:rPr lang="es-ES" b="1" i="0" dirty="0">
-                <a:solidFill>
-                  <a:schemeClr val="accent6">
-                    <a:lumMod val="75000"/>
-                  </a:schemeClr>
-                </a:solidFill>
-                <a:effectLst/>
-                <a:latin typeface="inherit"/>
-              </a:rPr>
-              <a:t>()</a:t>
-            </a:r>
-            <a:r>
-              <a:rPr lang="es-ES" b="0" i="0" dirty="0">
-                <a:solidFill>
-                  <a:schemeClr val="accent6">
-                    <a:lumMod val="75000"/>
-                  </a:schemeClr>
-                </a:solidFill>
-                <a:effectLst/>
-                <a:latin typeface="inherit"/>
-              </a:rPr>
-              <a:t>: </a:t>
-            </a:r>
-            <a:r>
-              <a:rPr lang="es-ES" b="0" i="0" dirty="0">
-                <a:solidFill>
-                  <a:srgbClr val="000000"/>
-                </a:solidFill>
-                <a:effectLst/>
-                <a:latin typeface="inherit"/>
-              </a:rPr>
-              <a:t>Encuentra todos los subtextos donde coincide </a:t>
-            </a:r>
-            <a:r>
-              <a:rPr lang="es-ES" dirty="0">
-                <a:solidFill>
-                  <a:srgbClr val="000000"/>
-                </a:solidFill>
-                <a:latin typeface="inherit"/>
-              </a:rPr>
-              <a:t>la expresión regular y </a:t>
-            </a:r>
-            <a:r>
-              <a:rPr lang="es-ES" b="0" i="0" dirty="0">
-                <a:solidFill>
-                  <a:srgbClr val="000000"/>
-                </a:solidFill>
-                <a:effectLst/>
-                <a:latin typeface="inherit"/>
-              </a:rPr>
-              <a:t> devuelve estas coincidencias como una lista. </a:t>
-            </a:r>
-            <a:r>
-              <a:rPr lang="es-ES" b="1" i="0" dirty="0">
-                <a:solidFill>
-                  <a:schemeClr val="accent5">
-                    <a:lumMod val="75000"/>
-                  </a:schemeClr>
-                </a:solidFill>
-                <a:effectLst/>
-                <a:latin typeface="inherit"/>
-              </a:rPr>
-              <a:t>(patrón, texto)</a:t>
-            </a:r>
-          </a:p>
-        </p:txBody>
-      </p:sp>
-      <p:pic>
-        <p:nvPicPr>
-          <p:cNvPr id="4" name="Picture 3">
-            <a:extLst>
-              <a:ext uri="{FF2B5EF4-FFF2-40B4-BE49-F238E27FC236}">
-                <a16:creationId xmlns:a16="http://schemas.microsoft.com/office/drawing/2014/main" id="{0AE83E9F-5AE3-8E90-1C0E-62D7DC7EE76D}"/>
-              </a:ext>
-            </a:extLst>
-          </p:cNvPr>
-          <p:cNvPicPr>
-            <a:picLocks noChangeAspect="1"/>
-          </p:cNvPicPr>
-          <p:nvPr/>
-        </p:nvPicPr>
-        <p:blipFill>
-          <a:blip r:embed="rId3"/>
-          <a:stretch>
-            <a:fillRect/>
-          </a:stretch>
-        </p:blipFill>
-        <p:spPr>
-          <a:xfrm>
-            <a:off x="1309899" y="3567414"/>
-            <a:ext cx="6524202" cy="2560130"/>
-          </a:xfrm>
-          <a:prstGeom prst="rect">
-            <a:avLst/>
-          </a:prstGeom>
-        </p:spPr>
-      </p:pic>
-    </p:spTree>
-    <p:extLst>
-      <p:ext uri="{BB962C8B-B14F-4D97-AF65-F5344CB8AC3E}">
-        <p14:creationId xmlns:p14="http://schemas.microsoft.com/office/powerpoint/2010/main" val="2777994466"/>
-      </p:ext>
-    </p:extLst>
-  </p:cSld>
-  <p:clrMapOvr>
-    <a:masterClrMapping/>
-  </p:clrMapOvr>
-</p:sld>
-</file>
-
-<file path=ppt/slides/slide53.xml><?xml version="1.0" encoding="utf-8"?>
 <p:sld xmlns:a="http://schemas.openxmlformats.org/drawingml/2006/main" xmlns:r="http://schemas.openxmlformats.org/officeDocument/2006/relationships" xmlns:p="http://schemas.openxmlformats.org/presentationml/2006/main">
   <p:cSld>
     <p:spTree>
@@ -20937,7 +20981,7 @@
                 <a:cs typeface="Calibri"/>
               </a:rPr>
               <a:pPr marL="25400"/>
-              <a:t>53</a:t>
+              <a:t>51</a:t>
             </a:fld>
             <a:endParaRPr dirty="0">
               <a:latin typeface="Calibri"/>

--- a/CalendarioAgo25/presentaciones/18_Expresiones_regulares.pptx
+++ b/CalendarioAgo25/presentaciones/18_Expresiones_regulares.pptx
@@ -189,7 +189,7 @@
   <pc:docChgLst>
     <pc:chgData name="Lizethe Pérez Fuertes" userId="4ae9ef87-2a7d-42f8-8dfa-0a501a9e2ff4" providerId="ADAL" clId="{FDDD45CB-1330-4033-A842-3D2746AFF7C7}"/>
     <pc:docChg chg="undo custSel addSld delSld modSld">
-      <pc:chgData name="Lizethe Pérez Fuertes" userId="4ae9ef87-2a7d-42f8-8dfa-0a501a9e2ff4" providerId="ADAL" clId="{FDDD45CB-1330-4033-A842-3D2746AFF7C7}" dt="2025-09-03T18:33:13.529" v="375" actId="113"/>
+      <pc:chgData name="Lizethe Pérez Fuertes" userId="4ae9ef87-2a7d-42f8-8dfa-0a501a9e2ff4" providerId="ADAL" clId="{FDDD45CB-1330-4033-A842-3D2746AFF7C7}" dt="2025-09-03T22:50:01.701" v="379" actId="1076"/>
       <pc:docMkLst>
         <pc:docMk/>
       </pc:docMkLst>
@@ -331,14 +331,14 @@
           <pc:sldMk cId="1923512369" sldId="691"/>
         </pc:sldMkLst>
       </pc:sldChg>
-      <pc:sldChg chg="addSp modSp mod">
-        <pc:chgData name="Lizethe Pérez Fuertes" userId="4ae9ef87-2a7d-42f8-8dfa-0a501a9e2ff4" providerId="ADAL" clId="{FDDD45CB-1330-4033-A842-3D2746AFF7C7}" dt="2025-09-03T18:19:04.159" v="344" actId="5793"/>
+      <pc:sldChg chg="addSp delSp modSp mod">
+        <pc:chgData name="Lizethe Pérez Fuertes" userId="4ae9ef87-2a7d-42f8-8dfa-0a501a9e2ff4" providerId="ADAL" clId="{FDDD45CB-1330-4033-A842-3D2746AFF7C7}" dt="2025-09-03T22:22:50.829" v="376" actId="478"/>
         <pc:sldMkLst>
           <pc:docMk/>
           <pc:sldMk cId="2777994466" sldId="728"/>
         </pc:sldMkLst>
-        <pc:spChg chg="add mod">
-          <ac:chgData name="Lizethe Pérez Fuertes" userId="4ae9ef87-2a7d-42f8-8dfa-0a501a9e2ff4" providerId="ADAL" clId="{FDDD45CB-1330-4033-A842-3D2746AFF7C7}" dt="2025-09-03T18:19:04.159" v="344" actId="5793"/>
+        <pc:spChg chg="add del mod">
+          <ac:chgData name="Lizethe Pérez Fuertes" userId="4ae9ef87-2a7d-42f8-8dfa-0a501a9e2ff4" providerId="ADAL" clId="{FDDD45CB-1330-4033-A842-3D2746AFF7C7}" dt="2025-09-03T22:22:50.829" v="376" actId="478"/>
           <ac:spMkLst>
             <pc:docMk/>
             <pc:sldMk cId="2777994466" sldId="728"/>
@@ -487,21 +487,21 @@
         </pc:picChg>
       </pc:sldChg>
       <pc:sldChg chg="addSp delSp modSp add mod">
-        <pc:chgData name="Lizethe Pérez Fuertes" userId="4ae9ef87-2a7d-42f8-8dfa-0a501a9e2ff4" providerId="ADAL" clId="{FDDD45CB-1330-4033-A842-3D2746AFF7C7}" dt="2025-09-03T18:33:13.529" v="375" actId="113"/>
+        <pc:chgData name="Lizethe Pérez Fuertes" userId="4ae9ef87-2a7d-42f8-8dfa-0a501a9e2ff4" providerId="ADAL" clId="{FDDD45CB-1330-4033-A842-3D2746AFF7C7}" dt="2025-09-03T22:50:01.701" v="379" actId="1076"/>
         <pc:sldMkLst>
           <pc:docMk/>
           <pc:sldMk cId="1919744961" sldId="732"/>
         </pc:sldMkLst>
         <pc:spChg chg="mod">
-          <ac:chgData name="Lizethe Pérez Fuertes" userId="4ae9ef87-2a7d-42f8-8dfa-0a501a9e2ff4" providerId="ADAL" clId="{FDDD45CB-1330-4033-A842-3D2746AFF7C7}" dt="2025-09-03T18:33:13.529" v="375" actId="113"/>
+          <ac:chgData name="Lizethe Pérez Fuertes" userId="4ae9ef87-2a7d-42f8-8dfa-0a501a9e2ff4" providerId="ADAL" clId="{FDDD45CB-1330-4033-A842-3D2746AFF7C7}" dt="2025-09-03T22:49:59.460" v="378" actId="1076"/>
           <ac:spMkLst>
             <pc:docMk/>
             <pc:sldMk cId="1919744961" sldId="732"/>
             <ac:spMk id="3" creationId="{731A6801-6C8C-D007-4366-6A294226C510}"/>
           </ac:spMkLst>
         </pc:spChg>
-        <pc:spChg chg="mod">
-          <ac:chgData name="Lizethe Pérez Fuertes" userId="4ae9ef87-2a7d-42f8-8dfa-0a501a9e2ff4" providerId="ADAL" clId="{FDDD45CB-1330-4033-A842-3D2746AFF7C7}" dt="2025-09-03T18:19:21.946" v="346" actId="6549"/>
+        <pc:spChg chg="del mod">
+          <ac:chgData name="Lizethe Pérez Fuertes" userId="4ae9ef87-2a7d-42f8-8dfa-0a501a9e2ff4" providerId="ADAL" clId="{FDDD45CB-1330-4033-A842-3D2746AFF7C7}" dt="2025-09-03T22:49:55.563" v="377" actId="478"/>
           <ac:spMkLst>
             <pc:docMk/>
             <pc:sldMk cId="1919744961" sldId="732"/>
@@ -525,7 +525,7 @@
           </ac:picMkLst>
         </pc:picChg>
         <pc:picChg chg="add mod">
-          <ac:chgData name="Lizethe Pérez Fuertes" userId="4ae9ef87-2a7d-42f8-8dfa-0a501a9e2ff4" providerId="ADAL" clId="{FDDD45CB-1330-4033-A842-3D2746AFF7C7}" dt="2025-09-03T18:33:10.785" v="374" actId="1076"/>
+          <ac:chgData name="Lizethe Pérez Fuertes" userId="4ae9ef87-2a7d-42f8-8dfa-0a501a9e2ff4" providerId="ADAL" clId="{FDDD45CB-1330-4033-A842-3D2746AFF7C7}" dt="2025-09-03T22:50:01.701" v="379" actId="1076"/>
           <ac:picMkLst>
             <pc:docMk/>
             <pc:sldMk cId="1919744961" sldId="732"/>
@@ -19034,88 +19034,6 @@
           </a:prstGeom>
         </p:spPr>
       </p:pic>
-      <p:sp>
-        <p:nvSpPr>
-          <p:cNvPr id="3" name="CuadroTexto 2">
-            <a:extLst>
-              <a:ext uri="{FF2B5EF4-FFF2-40B4-BE49-F238E27FC236}">
-                <a16:creationId xmlns:a16="http://schemas.microsoft.com/office/drawing/2014/main" id="{8A01372C-C9B9-F812-2C71-D9E395D5AA27}"/>
-              </a:ext>
-            </a:extLst>
-          </p:cNvPr>
-          <p:cNvSpPr txBox="1"/>
-          <p:nvPr/>
-        </p:nvSpPr>
-        <p:spPr>
-          <a:xfrm>
-            <a:off x="1051888" y="5877272"/>
-            <a:ext cx="4572000" cy="1200329"/>
-          </a:xfrm>
-          <a:prstGeom prst="rect">
-            <a:avLst/>
-          </a:prstGeom>
-          <a:noFill/>
-        </p:spPr>
-        <p:txBody>
-          <a:bodyPr wrap="square">
-            <a:spAutoFit/>
-          </a:bodyPr>
-          <a:lstStyle/>
-          <a:p>
-            <a:pPr algn="l"/>
-            <a:r>
-              <a:rPr lang="es-MX" b="1" i="0" dirty="0">
-                <a:solidFill>
-                  <a:srgbClr val="000000"/>
-                </a:solidFill>
-                <a:effectLst/>
-                <a:latin typeface="Poppins-Regular"/>
-              </a:rPr>
-              <a:t>Raw </a:t>
-            </a:r>
-            <a:r>
-              <a:rPr lang="es-MX" b="1" i="0" dirty="0" err="1">
-                <a:solidFill>
-                  <a:srgbClr val="000000"/>
-                </a:solidFill>
-                <a:effectLst/>
-                <a:latin typeface="Poppins-Regular"/>
-              </a:rPr>
-              <a:t>string</a:t>
-            </a:r>
-            <a:r>
-              <a:rPr lang="es-MX" b="0" i="0" dirty="0">
-                <a:solidFill>
-                  <a:srgbClr val="000000"/>
-                </a:solidFill>
-                <a:effectLst/>
-                <a:latin typeface="Poppins-Regular"/>
-              </a:rPr>
-              <a:t>: Utilizamos una cadena "raw" (</a:t>
-            </a:r>
-            <a:r>
-              <a:rPr lang="es-MX" b="0" i="0" dirty="0" err="1">
-                <a:solidFill>
-                  <a:srgbClr val="000000"/>
-                </a:solidFill>
-                <a:effectLst/>
-                <a:latin typeface="Poppins-Regular"/>
-              </a:rPr>
-              <a:t>r"cadena</a:t>
-            </a:r>
-            <a:r>
-              <a:rPr lang="es-MX" b="0" i="0" dirty="0">
-                <a:solidFill>
-                  <a:srgbClr val="000000"/>
-                </a:solidFill>
-                <a:effectLst/>
-                <a:latin typeface="Poppins-Regular"/>
-              </a:rPr>
-              <a:t>") para evitar problemas con los caracteres de escape en las expresiones regulares.</a:t>
-            </a:r>
-          </a:p>
-        </p:txBody>
-      </p:sp>
     </p:spTree>
     <p:extLst>
       <p:ext uri="{BB962C8B-B14F-4D97-AF65-F5344CB8AC3E}">
@@ -19485,84 +19403,6 @@
       </p:sp>
       <p:sp>
         <p:nvSpPr>
-          <p:cNvPr id="7" name="CuadroTexto 6">
-            <a:extLst>
-              <a:ext uri="{FF2B5EF4-FFF2-40B4-BE49-F238E27FC236}">
-                <a16:creationId xmlns:a16="http://schemas.microsoft.com/office/drawing/2014/main" id="{A27303CE-DCC1-3013-97FF-268A3292B1FB}"/>
-              </a:ext>
-            </a:extLst>
-          </p:cNvPr>
-          <p:cNvSpPr txBox="1"/>
-          <p:nvPr/>
-        </p:nvSpPr>
-        <p:spPr>
-          <a:xfrm>
-            <a:off x="817609" y="1349150"/>
-            <a:ext cx="7642824" cy="714298"/>
-          </a:xfrm>
-          <a:prstGeom prst="rect">
-            <a:avLst/>
-          </a:prstGeom>
-          <a:noFill/>
-        </p:spPr>
-        <p:txBody>
-          <a:bodyPr wrap="square">
-            <a:spAutoFit/>
-          </a:bodyPr>
-          <a:lstStyle/>
-          <a:p>
-            <a:pPr algn="just" fontAlgn="base">
-              <a:lnSpc>
-                <a:spcPts val="2500"/>
-              </a:lnSpc>
-              <a:spcAft>
-                <a:spcPts val="1200"/>
-              </a:spcAft>
-            </a:pPr>
-            <a:r>
-              <a:rPr lang="es-ES" sz="1800" dirty="0">
-                <a:solidFill>
-                  <a:schemeClr val="tx1">
-                    <a:lumMod val="95000"/>
-                    <a:lumOff val="5000"/>
-                  </a:schemeClr>
-                </a:solidFill>
-              </a:rPr>
-              <a:t>El lenguaje de programación Python, en su librería estándar, nos proporciona el modulo </a:t>
-            </a:r>
-            <a:r>
-              <a:rPr lang="es-ES" sz="1800" b="1" dirty="0" err="1">
-                <a:solidFill>
-                  <a:srgbClr val="FF0000"/>
-                </a:solidFill>
-              </a:rPr>
-              <a:t>regex</a:t>
-            </a:r>
-            <a:r>
-              <a:rPr lang="es-ES" sz="1800" dirty="0">
-                <a:solidFill>
-                  <a:schemeClr val="tx1">
-                    <a:lumMod val="95000"/>
-                    <a:lumOff val="5000"/>
-                  </a:schemeClr>
-                </a:solidFill>
-              </a:rPr>
-              <a:t> el cual es utilizado para trabajar con expresiones regulares.</a:t>
-            </a:r>
-            <a:endParaRPr lang="es-ES" b="1" i="0" dirty="0">
-              <a:solidFill>
-                <a:schemeClr val="accent5">
-                  <a:lumMod val="75000"/>
-                </a:schemeClr>
-              </a:solidFill>
-              <a:effectLst/>
-              <a:latin typeface="inherit"/>
-            </a:endParaRPr>
-          </a:p>
-        </p:txBody>
-      </p:sp>
-      <p:sp>
-        <p:nvSpPr>
           <p:cNvPr id="3" name="CuadroTexto 2">
             <a:extLst>
               <a:ext uri="{FF2B5EF4-FFF2-40B4-BE49-F238E27FC236}">
@@ -19575,7 +19415,7 @@
         </p:nvSpPr>
         <p:spPr>
           <a:xfrm>
-            <a:off x="835589" y="2276872"/>
+            <a:off x="827584" y="1484784"/>
             <a:ext cx="7624844" cy="1200329"/>
           </a:xfrm>
           <a:prstGeom prst="rect">
@@ -19736,7 +19576,7 @@
         </p:blipFill>
         <p:spPr>
           <a:xfrm>
-            <a:off x="1382068" y="3690625"/>
+            <a:off x="1475656" y="2886844"/>
             <a:ext cx="6030167" cy="2486372"/>
           </a:xfrm>
           <a:prstGeom prst="rect">

--- a/CalendarioAgo25/presentaciones/18_Expresiones_regulares.pptx
+++ b/CalendarioAgo25/presentaciones/18_Expresiones_regulares.pptx
@@ -42,20 +42,20 @@
     <p:sldId id="680" r:id="rId33"/>
     <p:sldId id="681" r:id="rId34"/>
     <p:sldId id="682" r:id="rId35"/>
-    <p:sldId id="683" r:id="rId36"/>
-    <p:sldId id="708" r:id="rId37"/>
-    <p:sldId id="709" r:id="rId38"/>
-    <p:sldId id="710" r:id="rId39"/>
-    <p:sldId id="711" r:id="rId40"/>
-    <p:sldId id="712" r:id="rId41"/>
-    <p:sldId id="713" r:id="rId42"/>
-    <p:sldId id="688" r:id="rId43"/>
-    <p:sldId id="687" r:id="rId44"/>
-    <p:sldId id="674" r:id="rId45"/>
-    <p:sldId id="730" r:id="rId46"/>
-    <p:sldId id="689" r:id="rId47"/>
-    <p:sldId id="729" r:id="rId48"/>
-    <p:sldId id="731" r:id="rId49"/>
+    <p:sldId id="708" r:id="rId36"/>
+    <p:sldId id="709" r:id="rId37"/>
+    <p:sldId id="710" r:id="rId38"/>
+    <p:sldId id="711" r:id="rId39"/>
+    <p:sldId id="712" r:id="rId40"/>
+    <p:sldId id="713" r:id="rId41"/>
+    <p:sldId id="688" r:id="rId42"/>
+    <p:sldId id="687" r:id="rId43"/>
+    <p:sldId id="674" r:id="rId44"/>
+    <p:sldId id="730" r:id="rId45"/>
+    <p:sldId id="689" r:id="rId46"/>
+    <p:sldId id="729" r:id="rId47"/>
+    <p:sldId id="731" r:id="rId48"/>
+    <p:sldId id="733" r:id="rId49"/>
     <p:sldId id="728" r:id="rId50"/>
     <p:sldId id="732" r:id="rId51"/>
     <p:sldId id="282" r:id="rId52"/>
@@ -179,7 +179,7 @@
 <file path=ppt/revisionInfo.xml><?xml version="1.0" encoding="utf-8"?>
 <p1510:revInfo xmlns:a="http://schemas.openxmlformats.org/drawingml/2006/main" xmlns:r="http://schemas.openxmlformats.org/officeDocument/2006/relationships" xmlns:p1510="http://schemas.microsoft.com/office/powerpoint/2015/10/main">
   <p1510:revLst>
-    <p1510:client id="{1943A9A4-A4D4-4B2F-A97C-D7347219F3EB}" v="4" dt="2025-09-03T18:19:08.672"/>
+    <p1510:client id="{1943A9A4-A4D4-4B2F-A97C-D7347219F3EB}" v="8" dt="2025-09-04T00:21:59.135"/>
   </p1510:revLst>
 </p1510:revInfo>
 </file>
@@ -188,8 +188,8 @@
 <pc:chgInfo xmlns:a="http://schemas.openxmlformats.org/drawingml/2006/main" xmlns:r="http://schemas.openxmlformats.org/officeDocument/2006/relationships" xmlns:ac="http://schemas.microsoft.com/office/drawing/2013/main/command" xmlns:pc="http://schemas.microsoft.com/office/powerpoint/2013/main/command">
   <pc:docChgLst>
     <pc:chgData name="Lizethe Pérez Fuertes" userId="4ae9ef87-2a7d-42f8-8dfa-0a501a9e2ff4" providerId="ADAL" clId="{FDDD45CB-1330-4033-A842-3D2746AFF7C7}"/>
-    <pc:docChg chg="undo custSel addSld delSld modSld">
-      <pc:chgData name="Lizethe Pérez Fuertes" userId="4ae9ef87-2a7d-42f8-8dfa-0a501a9e2ff4" providerId="ADAL" clId="{FDDD45CB-1330-4033-A842-3D2746AFF7C7}" dt="2025-09-03T22:50:01.701" v="379" actId="1076"/>
+    <pc:docChg chg="undo redo custSel addSld delSld modSld">
+      <pc:chgData name="Lizethe Pérez Fuertes" userId="4ae9ef87-2a7d-42f8-8dfa-0a501a9e2ff4" providerId="ADAL" clId="{FDDD45CB-1330-4033-A842-3D2746AFF7C7}" dt="2025-09-04T00:22:19.260" v="684" actId="1076"/>
       <pc:docMkLst>
         <pc:docMk/>
       </pc:docMkLst>
@@ -263,6 +263,44 @@
           </ac:picMkLst>
         </pc:picChg>
       </pc:sldChg>
+      <pc:sldChg chg="addSp delSp modSp mod">
+        <pc:chgData name="Lizethe Pérez Fuertes" userId="4ae9ef87-2a7d-42f8-8dfa-0a501a9e2ff4" providerId="ADAL" clId="{FDDD45CB-1330-4033-A842-3D2746AFF7C7}" dt="2025-09-04T00:04:01.615" v="391" actId="20577"/>
+        <pc:sldMkLst>
+          <pc:docMk/>
+          <pc:sldMk cId="3833007669" sldId="682"/>
+        </pc:sldMkLst>
+        <pc:spChg chg="mod">
+          <ac:chgData name="Lizethe Pérez Fuertes" userId="4ae9ef87-2a7d-42f8-8dfa-0a501a9e2ff4" providerId="ADAL" clId="{FDDD45CB-1330-4033-A842-3D2746AFF7C7}" dt="2025-09-04T00:04:01.615" v="391" actId="20577"/>
+          <ac:spMkLst>
+            <pc:docMk/>
+            <pc:sldMk cId="3833007669" sldId="682"/>
+            <ac:spMk id="8" creationId="{483A51E2-20D8-491F-9488-1827DD8F8899}"/>
+          </ac:spMkLst>
+        </pc:spChg>
+        <pc:picChg chg="add mod">
+          <ac:chgData name="Lizethe Pérez Fuertes" userId="4ae9ef87-2a7d-42f8-8dfa-0a501a9e2ff4" providerId="ADAL" clId="{FDDD45CB-1330-4033-A842-3D2746AFF7C7}" dt="2025-09-04T00:02:52.177" v="382" actId="1076"/>
+          <ac:picMkLst>
+            <pc:docMk/>
+            <pc:sldMk cId="3833007669" sldId="682"/>
+            <ac:picMk id="3" creationId="{11195915-0514-0D81-0EAD-E41B395DFB1C}"/>
+          </ac:picMkLst>
+        </pc:picChg>
+        <pc:picChg chg="del">
+          <ac:chgData name="Lizethe Pérez Fuertes" userId="4ae9ef87-2a7d-42f8-8dfa-0a501a9e2ff4" providerId="ADAL" clId="{FDDD45CB-1330-4033-A842-3D2746AFF7C7}" dt="2025-09-04T00:02:44.371" v="380" actId="478"/>
+          <ac:picMkLst>
+            <pc:docMk/>
+            <pc:sldMk cId="3833007669" sldId="682"/>
+            <ac:picMk id="4" creationId="{3D302044-8FBD-4141-AF0D-9775E0EA48E8}"/>
+          </ac:picMkLst>
+        </pc:picChg>
+      </pc:sldChg>
+      <pc:sldChg chg="del">
+        <pc:chgData name="Lizethe Pérez Fuertes" userId="4ae9ef87-2a7d-42f8-8dfa-0a501a9e2ff4" providerId="ADAL" clId="{FDDD45CB-1330-4033-A842-3D2746AFF7C7}" dt="2025-09-04T00:03:31.128" v="383" actId="47"/>
+        <pc:sldMkLst>
+          <pc:docMk/>
+          <pc:sldMk cId="873268359" sldId="683"/>
+        </pc:sldMkLst>
+      </pc:sldChg>
       <pc:sldChg chg="del">
         <pc:chgData name="Lizethe Pérez Fuertes" userId="4ae9ef87-2a7d-42f8-8dfa-0a501a9e2ff4" providerId="ADAL" clId="{FDDD45CB-1330-4033-A842-3D2746AFF7C7}" dt="2025-09-03T17:13:05.248" v="1" actId="47"/>
         <pc:sldMkLst>
@@ -330,6 +368,36 @@
           <pc:docMk/>
           <pc:sldMk cId="1923512369" sldId="691"/>
         </pc:sldMkLst>
+      </pc:sldChg>
+      <pc:sldChg chg="modSp mod">
+        <pc:chgData name="Lizethe Pérez Fuertes" userId="4ae9ef87-2a7d-42f8-8dfa-0a501a9e2ff4" providerId="ADAL" clId="{FDDD45CB-1330-4033-A842-3D2746AFF7C7}" dt="2025-09-04T00:09:55.371" v="395" actId="20577"/>
+        <pc:sldMkLst>
+          <pc:docMk/>
+          <pc:sldMk cId="1474776067" sldId="698"/>
+        </pc:sldMkLst>
+        <pc:spChg chg="mod">
+          <ac:chgData name="Lizethe Pérez Fuertes" userId="4ae9ef87-2a7d-42f8-8dfa-0a501a9e2ff4" providerId="ADAL" clId="{FDDD45CB-1330-4033-A842-3D2746AFF7C7}" dt="2025-09-04T00:09:55.371" v="395" actId="20577"/>
+          <ac:spMkLst>
+            <pc:docMk/>
+            <pc:sldMk cId="1474776067" sldId="698"/>
+            <ac:spMk id="9" creationId="{E1C784F4-BDDC-4D50-B8E9-68B91761F76A}"/>
+          </ac:spMkLst>
+        </pc:spChg>
+      </pc:sldChg>
+      <pc:sldChg chg="modSp mod">
+        <pc:chgData name="Lizethe Pérez Fuertes" userId="4ae9ef87-2a7d-42f8-8dfa-0a501a9e2ff4" providerId="ADAL" clId="{FDDD45CB-1330-4033-A842-3D2746AFF7C7}" dt="2025-09-04T00:09:42.833" v="394" actId="20577"/>
+        <pc:sldMkLst>
+          <pc:docMk/>
+          <pc:sldMk cId="2849105023" sldId="699"/>
+        </pc:sldMkLst>
+        <pc:spChg chg="mod">
+          <ac:chgData name="Lizethe Pérez Fuertes" userId="4ae9ef87-2a7d-42f8-8dfa-0a501a9e2ff4" providerId="ADAL" clId="{FDDD45CB-1330-4033-A842-3D2746AFF7C7}" dt="2025-09-04T00:09:42.833" v="394" actId="20577"/>
+          <ac:spMkLst>
+            <pc:docMk/>
+            <pc:sldMk cId="2849105023" sldId="699"/>
+            <ac:spMk id="9" creationId="{E1C784F4-BDDC-4D50-B8E9-68B91761F76A}"/>
+          </ac:spMkLst>
+        </pc:spChg>
       </pc:sldChg>
       <pc:sldChg chg="addSp delSp modSp mod">
         <pc:chgData name="Lizethe Pérez Fuertes" userId="4ae9ef87-2a7d-42f8-8dfa-0a501a9e2ff4" providerId="ADAL" clId="{FDDD45CB-1330-4033-A842-3D2746AFF7C7}" dt="2025-09-03T22:22:50.829" v="376" actId="478"/>
@@ -533,6 +601,61 @@
           </ac:picMkLst>
         </pc:picChg>
       </pc:sldChg>
+      <pc:sldChg chg="addSp delSp modSp add mod">
+        <pc:chgData name="Lizethe Pérez Fuertes" userId="4ae9ef87-2a7d-42f8-8dfa-0a501a9e2ff4" providerId="ADAL" clId="{FDDD45CB-1330-4033-A842-3D2746AFF7C7}" dt="2025-09-04T00:22:19.260" v="684" actId="1076"/>
+        <pc:sldMkLst>
+          <pc:docMk/>
+          <pc:sldMk cId="1212743794" sldId="733"/>
+        </pc:sldMkLst>
+        <pc:spChg chg="add mod">
+          <ac:chgData name="Lizethe Pérez Fuertes" userId="4ae9ef87-2a7d-42f8-8dfa-0a501a9e2ff4" providerId="ADAL" clId="{FDDD45CB-1330-4033-A842-3D2746AFF7C7}" dt="2025-09-04T00:20:51.906" v="672" actId="1076"/>
+          <ac:spMkLst>
+            <pc:docMk/>
+            <pc:sldMk cId="1212743794" sldId="733"/>
+            <ac:spMk id="2" creationId="{DD48AE74-7006-399F-BE61-A25F53E14F30}"/>
+          </ac:spMkLst>
+        </pc:spChg>
+        <pc:spChg chg="mod">
+          <ac:chgData name="Lizethe Pérez Fuertes" userId="4ae9ef87-2a7d-42f8-8dfa-0a501a9e2ff4" providerId="ADAL" clId="{FDDD45CB-1330-4033-A842-3D2746AFF7C7}" dt="2025-09-04T00:20:48.878" v="671" actId="1076"/>
+          <ac:spMkLst>
+            <pc:docMk/>
+            <pc:sldMk cId="1212743794" sldId="733"/>
+            <ac:spMk id="5" creationId="{C20582F6-D5EC-1CFC-EB01-59FE60FC7F5E}"/>
+          </ac:spMkLst>
+        </pc:spChg>
+        <pc:spChg chg="mod">
+          <ac:chgData name="Lizethe Pérez Fuertes" userId="4ae9ef87-2a7d-42f8-8dfa-0a501a9e2ff4" providerId="ADAL" clId="{FDDD45CB-1330-4033-A842-3D2746AFF7C7}" dt="2025-09-04T00:22:19.260" v="684" actId="1076"/>
+          <ac:spMkLst>
+            <pc:docMk/>
+            <pc:sldMk cId="1212743794" sldId="733"/>
+            <ac:spMk id="6" creationId="{8C20D50E-303B-CA1C-3EE2-88FBFC9832C1}"/>
+          </ac:spMkLst>
+        </pc:spChg>
+        <pc:spChg chg="del mod">
+          <ac:chgData name="Lizethe Pérez Fuertes" userId="4ae9ef87-2a7d-42f8-8dfa-0a501a9e2ff4" providerId="ADAL" clId="{FDDD45CB-1330-4033-A842-3D2746AFF7C7}" dt="2025-09-04T00:16:28.520" v="501" actId="478"/>
+          <ac:spMkLst>
+            <pc:docMk/>
+            <pc:sldMk cId="1212743794" sldId="733"/>
+            <ac:spMk id="8" creationId="{961C17CF-7D69-11D8-A63B-228A62974095}"/>
+          </ac:spMkLst>
+        </pc:spChg>
+        <pc:picChg chg="del mod">
+          <ac:chgData name="Lizethe Pérez Fuertes" userId="4ae9ef87-2a7d-42f8-8dfa-0a501a9e2ff4" providerId="ADAL" clId="{FDDD45CB-1330-4033-A842-3D2746AFF7C7}" dt="2025-09-04T00:16:31.372" v="502" actId="478"/>
+          <ac:picMkLst>
+            <pc:docMk/>
+            <pc:sldMk cId="1212743794" sldId="733"/>
+            <ac:picMk id="4" creationId="{37B84E14-22EB-A7C8-A10D-98A786068788}"/>
+          </ac:picMkLst>
+        </pc:picChg>
+        <pc:picChg chg="add mod">
+          <ac:chgData name="Lizethe Pérez Fuertes" userId="4ae9ef87-2a7d-42f8-8dfa-0a501a9e2ff4" providerId="ADAL" clId="{FDDD45CB-1330-4033-A842-3D2746AFF7C7}" dt="2025-09-04T00:21:03.752" v="676" actId="1076"/>
+          <ac:picMkLst>
+            <pc:docMk/>
+            <pc:sldMk cId="1212743794" sldId="733"/>
+            <ac:picMk id="7" creationId="{BE24F6E2-DF85-2D14-541E-16B8BF313982}"/>
+          </ac:picMkLst>
+        </pc:picChg>
+      </pc:sldChg>
     </pc:docChg>
   </pc:docChgLst>
 </pc:chgInfo>
@@ -3230,7 +3353,7 @@
     </p:spTree>
     <p:extLst>
       <p:ext uri="{BB962C8B-B14F-4D97-AF65-F5344CB8AC3E}">
-        <p14:creationId xmlns:p14="http://schemas.microsoft.com/office/powerpoint/2010/main" val="83503663"/>
+        <p14:creationId xmlns:p14="http://schemas.microsoft.com/office/powerpoint/2010/main" val="559837277"/>
       </p:ext>
     </p:extLst>
   </p:cSld>
@@ -3314,7 +3437,7 @@
     </p:spTree>
     <p:extLst>
       <p:ext uri="{BB962C8B-B14F-4D97-AF65-F5344CB8AC3E}">
-        <p14:creationId xmlns:p14="http://schemas.microsoft.com/office/powerpoint/2010/main" val="559837277"/>
+        <p14:creationId xmlns:p14="http://schemas.microsoft.com/office/powerpoint/2010/main" val="2301885728"/>
       </p:ext>
     </p:extLst>
   </p:cSld>
@@ -3398,7 +3521,7 @@
     </p:spTree>
     <p:extLst>
       <p:ext uri="{BB962C8B-B14F-4D97-AF65-F5344CB8AC3E}">
-        <p14:creationId xmlns:p14="http://schemas.microsoft.com/office/powerpoint/2010/main" val="2301885728"/>
+        <p14:creationId xmlns:p14="http://schemas.microsoft.com/office/powerpoint/2010/main" val="3726423580"/>
       </p:ext>
     </p:extLst>
   </p:cSld>
@@ -3482,7 +3605,7 @@
     </p:spTree>
     <p:extLst>
       <p:ext uri="{BB962C8B-B14F-4D97-AF65-F5344CB8AC3E}">
-        <p14:creationId xmlns:p14="http://schemas.microsoft.com/office/powerpoint/2010/main" val="3726423580"/>
+        <p14:creationId xmlns:p14="http://schemas.microsoft.com/office/powerpoint/2010/main" val="1317899946"/>
       </p:ext>
     </p:extLst>
   </p:cSld>
@@ -3566,7 +3689,7 @@
     </p:spTree>
     <p:extLst>
       <p:ext uri="{BB962C8B-B14F-4D97-AF65-F5344CB8AC3E}">
-        <p14:creationId xmlns:p14="http://schemas.microsoft.com/office/powerpoint/2010/main" val="1317899946"/>
+        <p14:creationId xmlns:p14="http://schemas.microsoft.com/office/powerpoint/2010/main" val="2617218241"/>
       </p:ext>
     </p:extLst>
   </p:cSld>
@@ -3650,7 +3773,7 @@
     </p:spTree>
     <p:extLst>
       <p:ext uri="{BB962C8B-B14F-4D97-AF65-F5344CB8AC3E}">
-        <p14:creationId xmlns:p14="http://schemas.microsoft.com/office/powerpoint/2010/main" val="2617218241"/>
+        <p14:creationId xmlns:p14="http://schemas.microsoft.com/office/powerpoint/2010/main" val="772452526"/>
       </p:ext>
     </p:extLst>
   </p:cSld>
@@ -3818,7 +3941,7 @@
     </p:spTree>
     <p:extLst>
       <p:ext uri="{BB962C8B-B14F-4D97-AF65-F5344CB8AC3E}">
-        <p14:creationId xmlns:p14="http://schemas.microsoft.com/office/powerpoint/2010/main" val="772452526"/>
+        <p14:creationId xmlns:p14="http://schemas.microsoft.com/office/powerpoint/2010/main" val="3118897239"/>
       </p:ext>
     </p:extLst>
   </p:cSld>
@@ -3902,7 +4025,7 @@
     </p:spTree>
     <p:extLst>
       <p:ext uri="{BB962C8B-B14F-4D97-AF65-F5344CB8AC3E}">
-        <p14:creationId xmlns:p14="http://schemas.microsoft.com/office/powerpoint/2010/main" val="3118897239"/>
+        <p14:creationId xmlns:p14="http://schemas.microsoft.com/office/powerpoint/2010/main" val="1455058044"/>
       </p:ext>
     </p:extLst>
   </p:cSld>
@@ -3986,7 +4109,7 @@
     </p:spTree>
     <p:extLst>
       <p:ext uri="{BB962C8B-B14F-4D97-AF65-F5344CB8AC3E}">
-        <p14:creationId xmlns:p14="http://schemas.microsoft.com/office/powerpoint/2010/main" val="1455058044"/>
+        <p14:creationId xmlns:p14="http://schemas.microsoft.com/office/powerpoint/2010/main" val="1303278371"/>
       </p:ext>
     </p:extLst>
   </p:cSld>
@@ -4070,7 +4193,7 @@
     </p:spTree>
     <p:extLst>
       <p:ext uri="{BB962C8B-B14F-4D97-AF65-F5344CB8AC3E}">
-        <p14:creationId xmlns:p14="http://schemas.microsoft.com/office/powerpoint/2010/main" val="1303278371"/>
+        <p14:creationId xmlns:p14="http://schemas.microsoft.com/office/powerpoint/2010/main" val="356638316"/>
       </p:ext>
     </p:extLst>
   </p:cSld>
@@ -4154,7 +4277,7 @@
     </p:spTree>
     <p:extLst>
       <p:ext uri="{BB962C8B-B14F-4D97-AF65-F5344CB8AC3E}">
-        <p14:creationId xmlns:p14="http://schemas.microsoft.com/office/powerpoint/2010/main" val="356638316"/>
+        <p14:creationId xmlns:p14="http://schemas.microsoft.com/office/powerpoint/2010/main" val="4293576474"/>
       </p:ext>
     </p:extLst>
   </p:cSld>
@@ -4238,7 +4361,7 @@
     </p:spTree>
     <p:extLst>
       <p:ext uri="{BB962C8B-B14F-4D97-AF65-F5344CB8AC3E}">
-        <p14:creationId xmlns:p14="http://schemas.microsoft.com/office/powerpoint/2010/main" val="4293576474"/>
+        <p14:creationId xmlns:p14="http://schemas.microsoft.com/office/powerpoint/2010/main" val="2545028243"/>
       </p:ext>
     </p:extLst>
   </p:cSld>
@@ -4249,90 +4372,6 @@
 </file>
 
 <file path=ppt/notesSlides/notesSlide46.xml><?xml version="1.0" encoding="utf-8"?>
-<p:notes xmlns:a="http://schemas.openxmlformats.org/drawingml/2006/main" xmlns:r="http://schemas.openxmlformats.org/officeDocument/2006/relationships" xmlns:p="http://schemas.openxmlformats.org/presentationml/2006/main">
-  <p:cSld>
-    <p:spTree>
-      <p:nvGrpSpPr>
-        <p:cNvPr id="1" name=""/>
-        <p:cNvGrpSpPr/>
-        <p:nvPr/>
-      </p:nvGrpSpPr>
-      <p:grpSpPr>
-        <a:xfrm>
-          <a:off x="0" y="0"/>
-          <a:ext cx="0" cy="0"/>
-          <a:chOff x="0" y="0"/>
-          <a:chExt cx="0" cy="0"/>
-        </a:xfrm>
-      </p:grpSpPr>
-      <p:sp>
-        <p:nvSpPr>
-          <p:cNvPr id="2" name="Marcador de imagen de diapositiva 1"/>
-          <p:cNvSpPr>
-            <a:spLocks noGrp="1" noRot="1" noChangeAspect="1"/>
-          </p:cNvSpPr>
-          <p:nvPr>
-            <p:ph type="sldImg"/>
-          </p:nvPr>
-        </p:nvSpPr>
-        <p:spPr/>
-      </p:sp>
-      <p:sp>
-        <p:nvSpPr>
-          <p:cNvPr id="3" name="Marcador de notas 2"/>
-          <p:cNvSpPr>
-            <a:spLocks noGrp="1"/>
-          </p:cNvSpPr>
-          <p:nvPr>
-            <p:ph type="body" idx="1"/>
-          </p:nvPr>
-        </p:nvSpPr>
-        <p:spPr/>
-        <p:txBody>
-          <a:bodyPr/>
-          <a:lstStyle/>
-          <a:p>
-            <a:endParaRPr lang="es-MX" dirty="0"/>
-          </a:p>
-        </p:txBody>
-      </p:sp>
-      <p:sp>
-        <p:nvSpPr>
-          <p:cNvPr id="4" name="Marcador de número de diapositiva 3"/>
-          <p:cNvSpPr>
-            <a:spLocks noGrp="1"/>
-          </p:cNvSpPr>
-          <p:nvPr>
-            <p:ph type="sldNum" sz="quarter" idx="5"/>
-          </p:nvPr>
-        </p:nvSpPr>
-        <p:spPr/>
-        <p:txBody>
-          <a:bodyPr/>
-          <a:lstStyle/>
-          <a:p>
-            <a:fld id="{6BAB4312-99A1-4CE9-ACE7-4C62E9FD90EE}" type="slidenum">
-              <a:rPr lang="es-MX" smtClean="0"/>
-              <a:t>47</a:t>
-            </a:fld>
-            <a:endParaRPr lang="es-MX" dirty="0"/>
-          </a:p>
-        </p:txBody>
-      </p:sp>
-    </p:spTree>
-    <p:extLst>
-      <p:ext uri="{BB962C8B-B14F-4D97-AF65-F5344CB8AC3E}">
-        <p14:creationId xmlns:p14="http://schemas.microsoft.com/office/powerpoint/2010/main" val="2545028243"/>
-      </p:ext>
-    </p:extLst>
-  </p:cSld>
-  <p:clrMapOvr>
-    <a:masterClrMapping/>
-  </p:clrMapOvr>
-</p:notes>
-</file>
-
-<file path=ppt/notesSlides/notesSlide47.xml><?xml version="1.0" encoding="utf-8"?>
 <p:notes xmlns:a="http://schemas.openxmlformats.org/drawingml/2006/main" xmlns:r="http://schemas.openxmlformats.org/officeDocument/2006/relationships" xmlns:p="http://schemas.openxmlformats.org/presentationml/2006/main">
   <p:cSld>
     <p:spTree>
@@ -4421,7 +4460,7 @@
           <a:p>
             <a:fld id="{6BAB4312-99A1-4CE9-ACE7-4C62E9FD90EE}" type="slidenum">
               <a:rPr lang="es-MX" smtClean="0"/>
-              <a:t>48</a:t>
+              <a:t>47</a:t>
             </a:fld>
             <a:endParaRPr lang="es-MX" dirty="0"/>
           </a:p>
@@ -4431,6 +4470,114 @@
     <p:extLst>
       <p:ext uri="{BB962C8B-B14F-4D97-AF65-F5344CB8AC3E}">
         <p14:creationId xmlns:p14="http://schemas.microsoft.com/office/powerpoint/2010/main" val="1322724279"/>
+      </p:ext>
+    </p:extLst>
+  </p:cSld>
+  <p:clrMapOvr>
+    <a:masterClrMapping/>
+  </p:clrMapOvr>
+</p:notes>
+</file>
+
+<file path=ppt/notesSlides/notesSlide47.xml><?xml version="1.0" encoding="utf-8"?>
+<p:notes xmlns:a="http://schemas.openxmlformats.org/drawingml/2006/main" xmlns:r="http://schemas.openxmlformats.org/officeDocument/2006/relationships" xmlns:p="http://schemas.openxmlformats.org/presentationml/2006/main">
+  <p:cSld>
+    <p:spTree>
+      <p:nvGrpSpPr>
+        <p:cNvPr id="1" name="">
+          <a:extLst>
+            <a:ext uri="{FF2B5EF4-FFF2-40B4-BE49-F238E27FC236}">
+              <a16:creationId xmlns:a16="http://schemas.microsoft.com/office/drawing/2014/main" id="{62534DBB-6712-7088-3196-3C9D088F4097}"/>
+            </a:ext>
+          </a:extLst>
+        </p:cNvPr>
+        <p:cNvGrpSpPr/>
+        <p:nvPr/>
+      </p:nvGrpSpPr>
+      <p:grpSpPr>
+        <a:xfrm>
+          <a:off x="0" y="0"/>
+          <a:ext cx="0" cy="0"/>
+          <a:chOff x="0" y="0"/>
+          <a:chExt cx="0" cy="0"/>
+        </a:xfrm>
+      </p:grpSpPr>
+      <p:sp>
+        <p:nvSpPr>
+          <p:cNvPr id="2" name="Marcador de imagen de diapositiva 1">
+            <a:extLst>
+              <a:ext uri="{FF2B5EF4-FFF2-40B4-BE49-F238E27FC236}">
+                <a16:creationId xmlns:a16="http://schemas.microsoft.com/office/drawing/2014/main" id="{46F2501F-CBFF-BA2D-95FC-7C89E3B0E6F5}"/>
+              </a:ext>
+            </a:extLst>
+          </p:cNvPr>
+          <p:cNvSpPr>
+            <a:spLocks noGrp="1" noRot="1" noChangeAspect="1"/>
+          </p:cNvSpPr>
+          <p:nvPr>
+            <p:ph type="sldImg"/>
+          </p:nvPr>
+        </p:nvSpPr>
+        <p:spPr/>
+      </p:sp>
+      <p:sp>
+        <p:nvSpPr>
+          <p:cNvPr id="3" name="Marcador de notas 2">
+            <a:extLst>
+              <a:ext uri="{FF2B5EF4-FFF2-40B4-BE49-F238E27FC236}">
+                <a16:creationId xmlns:a16="http://schemas.microsoft.com/office/drawing/2014/main" id="{9774A151-5FB1-89C3-6E9B-A0CD4F6FFB99}"/>
+              </a:ext>
+            </a:extLst>
+          </p:cNvPr>
+          <p:cNvSpPr>
+            <a:spLocks noGrp="1"/>
+          </p:cNvSpPr>
+          <p:nvPr>
+            <p:ph type="body" idx="1"/>
+          </p:nvPr>
+        </p:nvSpPr>
+        <p:spPr/>
+        <p:txBody>
+          <a:bodyPr/>
+          <a:lstStyle/>
+          <a:p>
+            <a:endParaRPr lang="es-MX" dirty="0"/>
+          </a:p>
+        </p:txBody>
+      </p:sp>
+      <p:sp>
+        <p:nvSpPr>
+          <p:cNvPr id="4" name="Marcador de número de diapositiva 3">
+            <a:extLst>
+              <a:ext uri="{FF2B5EF4-FFF2-40B4-BE49-F238E27FC236}">
+                <a16:creationId xmlns:a16="http://schemas.microsoft.com/office/drawing/2014/main" id="{05411B26-6776-89AF-C695-AC08AB4D68ED}"/>
+              </a:ext>
+            </a:extLst>
+          </p:cNvPr>
+          <p:cNvSpPr>
+            <a:spLocks noGrp="1"/>
+          </p:cNvSpPr>
+          <p:nvPr>
+            <p:ph type="sldNum" sz="quarter" idx="5"/>
+          </p:nvPr>
+        </p:nvSpPr>
+        <p:spPr/>
+        <p:txBody>
+          <a:bodyPr/>
+          <a:lstStyle/>
+          <a:p>
+            <a:fld id="{6BAB4312-99A1-4CE9-ACE7-4C62E9FD90EE}" type="slidenum">
+              <a:rPr lang="es-MX" smtClean="0"/>
+              <a:t>48</a:t>
+            </a:fld>
+            <a:endParaRPr lang="es-MX" dirty="0"/>
+          </a:p>
+        </p:txBody>
+      </p:sp>
+    </p:spTree>
+    <p:extLst>
+      <p:ext uri="{BB962C8B-B14F-4D97-AF65-F5344CB8AC3E}">
+        <p14:creationId xmlns:p14="http://schemas.microsoft.com/office/powerpoint/2010/main" val="2123286492"/>
       </p:ext>
     </p:extLst>
   </p:cSld>
@@ -11260,7 +11407,30 @@
                 </a:solidFill>
                 <a:effectLst/>
               </a:rPr>
-              <a:t>“Mundo”</a:t>
+              <a:t>“Mundo</a:t>
+            </a:r>
+            <a:r>
+              <a:rPr lang="es-ES" sz="2000" dirty="0">
+                <a:solidFill>
+                  <a:schemeClr val="tx1">
+                    <a:lumMod val="95000"/>
+                    <a:lumOff val="5000"/>
+                  </a:schemeClr>
+                </a:solidFill>
+              </a:rPr>
+              <a:t>.</a:t>
+            </a:r>
+            <a:r>
+              <a:rPr lang="es-ES" sz="2000" i="0" dirty="0">
+                <a:solidFill>
+                  <a:schemeClr val="tx1">
+                    <a:lumMod val="95000"/>
+                    <a:lumOff val="5000"/>
+                  </a:schemeClr>
+                </a:solidFill>
+                <a:effectLst/>
+              </a:rPr>
+              <a:t>”</a:t>
             </a:r>
           </a:p>
           <a:p>
@@ -11596,7 +11766,7 @@
                 </a:solidFill>
                 <a:effectLst/>
               </a:rPr>
-              <a:t>“Mundo”</a:t>
+              <a:t>“Mundo.”</a:t>
             </a:r>
             <a:endParaRPr lang="es-ES" sz="2000" b="1" dirty="0">
               <a:solidFill>
@@ -15264,6 +15434,21 @@
                 <a:spcPts val="2400"/>
               </a:lnSpc>
             </a:pPr>
+            <a:endParaRPr lang="es-ES" sz="2000" b="1" dirty="0">
+              <a:solidFill>
+                <a:schemeClr val="tx1">
+                  <a:lumMod val="95000"/>
+                  <a:lumOff val="5000"/>
+                </a:schemeClr>
+              </a:solidFill>
+            </a:endParaRPr>
+          </a:p>
+          <a:p>
+            <a:pPr algn="just">
+              <a:lnSpc>
+                <a:spcPts val="2400"/>
+              </a:lnSpc>
+            </a:pPr>
             <a:r>
               <a:rPr lang="es-ES" sz="2000" b="1" dirty="0">
                 <a:solidFill>
@@ -15294,38 +15479,17 @@
                   </a:schemeClr>
                 </a:solidFill>
               </a:rPr>
-              <a:t>\w+</a:t>
-            </a:r>
-            <a:r>
-              <a:rPr lang="es-ES" sz="2000" b="1" dirty="0">
-                <a:solidFill>
-                  <a:schemeClr val="accent6">
-                    <a:lumMod val="75000"/>
-                  </a:schemeClr>
-                </a:solidFill>
-              </a:rPr>
-              <a:t>?</a:t>
-            </a:r>
-            <a:r>
-              <a:rPr lang="es-ES" sz="2000" b="1" dirty="0">
-                <a:solidFill>
-                  <a:schemeClr val="tx1">
-                    <a:lumMod val="95000"/>
-                    <a:lumOff val="5000"/>
-                  </a:schemeClr>
-                </a:solidFill>
-              </a:rPr>
-              <a:t> Opcional espacio y carácter de palabra.</a:t>
+              <a:t> Opcional espacio</a:t>
             </a:r>
           </a:p>
         </p:txBody>
       </p:sp>
       <p:pic>
         <p:nvPicPr>
-          <p:cNvPr id="4" name="Imagen 3">
+          <p:cNvPr id="3" name="Imagen 2">
             <a:extLst>
               <a:ext uri="{FF2B5EF4-FFF2-40B4-BE49-F238E27FC236}">
-                <a16:creationId xmlns:a16="http://schemas.microsoft.com/office/drawing/2014/main" id="{3D302044-8FBD-4141-AF0D-9775E0EA48E8}"/>
+                <a16:creationId xmlns:a16="http://schemas.microsoft.com/office/drawing/2014/main" id="{11195915-0514-0D81-0EAD-E41B395DFB1C}"/>
               </a:ext>
             </a:extLst>
           </p:cNvPr>
@@ -15342,8 +15506,8 @@
         </p:blipFill>
         <p:spPr>
           <a:xfrm>
-            <a:off x="5153022" y="1700808"/>
-            <a:ext cx="3501526" cy="4671301"/>
+            <a:off x="5148064" y="1700808"/>
+            <a:ext cx="3667637" cy="4658375"/>
           </a:xfrm>
           <a:prstGeom prst="rect">
             <a:avLst/>
@@ -15392,7 +15556,7 @@
         </p:nvSpPr>
         <p:spPr>
           <a:xfrm>
-            <a:off x="289721" y="4056"/>
+            <a:off x="390364" y="260648"/>
             <a:ext cx="8363272" cy="1143000"/>
           </a:xfrm>
         </p:spPr>
@@ -15406,7 +15570,7 @@
               <a:defRPr/>
             </a:pPr>
             <a:r>
-              <a:rPr lang="es-MX" b="1">
+              <a:rPr lang="es-MX" b="1" dirty="0">
                 <a:solidFill>
                   <a:schemeClr val="accent4">
                     <a:lumMod val="50000"/>
@@ -15419,58 +15583,112 @@
                 </a:effectLst>
                 <a:latin typeface="Dom Casual" charset="0"/>
               </a:rPr>
-              <a:t>Expresión regular</a:t>
-            </a:r>
-            <a:endParaRPr lang="es-MX" b="1" dirty="0">
-              <a:solidFill>
-                <a:schemeClr val="accent4">
-                  <a:lumMod val="50000"/>
-                </a:schemeClr>
-              </a:solidFill>
-              <a:effectLst>
-                <a:outerShdw blurRad="38100" dist="38100" dir="2700000" algn="tl">
-                  <a:srgbClr val="C0C0C0"/>
-                </a:outerShdw>
-              </a:effectLst>
-              <a:latin typeface="Dom Casual" charset="0"/>
-            </a:endParaRPr>
-          </a:p>
-        </p:txBody>
-      </p:sp>
-      <p:pic>
-        <p:nvPicPr>
-          <p:cNvPr id="3" name="Imagen 2">
+              <a:t>Grupos</a:t>
+            </a:r>
+          </a:p>
+        </p:txBody>
+      </p:sp>
+      <p:sp>
+        <p:nvSpPr>
+          <p:cNvPr id="5" name="CuadroTexto 4">
             <a:extLst>
               <a:ext uri="{FF2B5EF4-FFF2-40B4-BE49-F238E27FC236}">
-                <a16:creationId xmlns:a16="http://schemas.microsoft.com/office/drawing/2014/main" id="{C3B79B8F-0030-4A52-B38F-3E49C6389F5B}"/>
+                <a16:creationId xmlns:a16="http://schemas.microsoft.com/office/drawing/2014/main" id="{F5D927B0-3579-4E54-99D7-681F443BC962}"/>
               </a:ext>
             </a:extLst>
           </p:cNvPr>
-          <p:cNvPicPr>
-            <a:picLocks noChangeAspect="1"/>
-          </p:cNvPicPr>
+          <p:cNvSpPr txBox="1"/>
           <p:nvPr/>
-        </p:nvPicPr>
-        <p:blipFill>
-          <a:blip r:embed="rId3"/>
-          <a:stretch>
-            <a:fillRect/>
-          </a:stretch>
-        </p:blipFill>
-        <p:spPr>
-          <a:xfrm>
-            <a:off x="2400300" y="1119402"/>
-            <a:ext cx="4343400" cy="5648325"/>
+        </p:nvSpPr>
+        <p:spPr>
+          <a:xfrm>
+            <a:off x="1187624" y="2046744"/>
+            <a:ext cx="7056784" cy="2352952"/>
           </a:xfrm>
           <a:prstGeom prst="rect">
             <a:avLst/>
           </a:prstGeom>
-        </p:spPr>
-      </p:pic>
+          <a:noFill/>
+        </p:spPr>
+        <p:txBody>
+          <a:bodyPr wrap="square">
+            <a:spAutoFit/>
+          </a:bodyPr>
+          <a:lstStyle/>
+          <a:p>
+            <a:pPr>
+              <a:lnSpc>
+                <a:spcPct val="150000"/>
+              </a:lnSpc>
+            </a:pPr>
+            <a:r>
+              <a:rPr lang="es-MX" sz="2000" b="1" dirty="0"/>
+              <a:t>[]</a:t>
+            </a:r>
+            <a:r>
+              <a:rPr lang="es-MX" sz="2000" dirty="0"/>
+              <a:t>	Encuentra caracteres en corchetes</a:t>
+            </a:r>
+          </a:p>
+          <a:p>
+            <a:pPr>
+              <a:lnSpc>
+                <a:spcPct val="150000"/>
+              </a:lnSpc>
+            </a:pPr>
+            <a:r>
+              <a:rPr lang="es-MX" sz="2000" b="1" dirty="0"/>
+              <a:t>[^ ]</a:t>
+            </a:r>
+            <a:r>
+              <a:rPr lang="es-MX" sz="2000" dirty="0"/>
+              <a:t>	Encuentra caracteres que no están dentro de corchetes</a:t>
+            </a:r>
+          </a:p>
+          <a:p>
+            <a:pPr>
+              <a:lnSpc>
+                <a:spcPct val="150000"/>
+              </a:lnSpc>
+            </a:pPr>
+            <a:r>
+              <a:rPr lang="es-MX" sz="2000" b="1" dirty="0"/>
+              <a:t>|</a:t>
+            </a:r>
+            <a:r>
+              <a:rPr lang="es-MX" sz="2000" dirty="0"/>
+              <a:t>	Condicional O</a:t>
+            </a:r>
+          </a:p>
+          <a:p>
+            <a:pPr>
+              <a:lnSpc>
+                <a:spcPct val="150000"/>
+              </a:lnSpc>
+            </a:pPr>
+            <a:r>
+              <a:rPr lang="es-MX" sz="2000" b="1" dirty="0"/>
+              <a:t>()	</a:t>
+            </a:r>
+            <a:r>
+              <a:rPr lang="es-MX" sz="2000" dirty="0"/>
+              <a:t>Grupos</a:t>
+            </a:r>
+          </a:p>
+          <a:p>
+            <a:pPr>
+              <a:lnSpc>
+                <a:spcPct val="150000"/>
+              </a:lnSpc>
+            </a:pPr>
+            <a:endParaRPr lang="es-MX" sz="2000" dirty="0"/>
+          </a:p>
+        </p:txBody>
+      </p:sp>
     </p:spTree>
     <p:extLst>
       <p:ext uri="{BB962C8B-B14F-4D97-AF65-F5344CB8AC3E}">
-        <p14:creationId xmlns:p14="http://schemas.microsoft.com/office/powerpoint/2010/main" val="873268359"/>
+        <p14:creationId xmlns:p14="http://schemas.microsoft.com/office/powerpoint/2010/main" val="4213194641"/>
       </p:ext>
     </p:extLst>
   </p:cSld>
@@ -15555,8 +15773,8 @@
         </p:nvSpPr>
         <p:spPr>
           <a:xfrm>
-            <a:off x="1187624" y="2046744"/>
-            <a:ext cx="7056784" cy="2352952"/>
+            <a:off x="713980" y="1648459"/>
+            <a:ext cx="7890467" cy="967957"/>
           </a:xfrm>
           <a:prstGeom prst="rect">
             <a:avLst/>
@@ -15576,72 +15794,100 @@
             </a:pPr>
             <a:r>
               <a:rPr lang="es-MX" sz="2000" b="1" dirty="0"/>
-              <a:t>[]</a:t>
+              <a:t>Ejemplo: </a:t>
             </a:r>
             <a:r>
               <a:rPr lang="es-MX" sz="2000" dirty="0"/>
-              <a:t>	Encuentra caracteres en corchetes</a:t>
-            </a:r>
-          </a:p>
-          <a:p>
-            <a:pPr>
+              <a:t>Identificar los números telefónicos que comiencen con 1 o 2 después de la lada 442.</a:t>
+            </a:r>
+          </a:p>
+        </p:txBody>
+      </p:sp>
+      <p:sp>
+        <p:nvSpPr>
+          <p:cNvPr id="4" name="CuadroTexto 3">
+            <a:extLst>
+              <a:ext uri="{FF2B5EF4-FFF2-40B4-BE49-F238E27FC236}">
+                <a16:creationId xmlns:a16="http://schemas.microsoft.com/office/drawing/2014/main" id="{B8F537AB-6E7D-42EE-B6D8-7CF10886F935}"/>
+              </a:ext>
+            </a:extLst>
+          </p:cNvPr>
+          <p:cNvSpPr txBox="1"/>
+          <p:nvPr/>
+        </p:nvSpPr>
+        <p:spPr>
+          <a:xfrm>
+            <a:off x="1063153" y="1134649"/>
+            <a:ext cx="7017694" cy="393698"/>
+          </a:xfrm>
+          <a:prstGeom prst="rect">
+            <a:avLst/>
+          </a:prstGeom>
+          <a:noFill/>
+        </p:spPr>
+        <p:txBody>
+          <a:bodyPr wrap="square">
+            <a:spAutoFit/>
+          </a:bodyPr>
+          <a:lstStyle/>
+          <a:p>
+            <a:pPr algn="ctr" fontAlgn="base">
               <a:lnSpc>
-                <a:spcPct val="150000"/>
+                <a:spcPts val="2500"/>
               </a:lnSpc>
+              <a:spcAft>
+                <a:spcPts val="600"/>
+              </a:spcAft>
             </a:pPr>
             <a:r>
-              <a:rPr lang="es-MX" sz="2000" b="1" dirty="0"/>
-              <a:t>[^ ]</a:t>
-            </a:r>
-            <a:r>
-              <a:rPr lang="es-MX" sz="2000" dirty="0"/>
-              <a:t>	Encuentra caracteres que no están dentro de corchetes</a:t>
-            </a:r>
-          </a:p>
-          <a:p>
-            <a:pPr>
-              <a:lnSpc>
-                <a:spcPct val="150000"/>
-              </a:lnSpc>
-            </a:pPr>
-            <a:r>
-              <a:rPr lang="es-MX" sz="2000" b="1" dirty="0"/>
-              <a:t>|</a:t>
-            </a:r>
-            <a:r>
-              <a:rPr lang="es-MX" sz="2000" dirty="0"/>
-              <a:t>	Condicional O</a:t>
-            </a:r>
-          </a:p>
-          <a:p>
-            <a:pPr>
-              <a:lnSpc>
-                <a:spcPct val="150000"/>
-              </a:lnSpc>
-            </a:pPr>
-            <a:r>
-              <a:rPr lang="es-MX" sz="2000" b="1" dirty="0"/>
-              <a:t>()	</a:t>
-            </a:r>
-            <a:r>
-              <a:rPr lang="es-MX" sz="2000" dirty="0"/>
-              <a:t>Grupos</a:t>
-            </a:r>
-          </a:p>
-          <a:p>
-            <a:pPr>
-              <a:lnSpc>
-                <a:spcPct val="150000"/>
-              </a:lnSpc>
-            </a:pPr>
-            <a:endParaRPr lang="es-MX" sz="2000" dirty="0"/>
-          </a:p>
-        </p:txBody>
-      </p:sp>
+              <a:rPr lang="es-ES" b="1" i="0" dirty="0">
+                <a:solidFill>
+                  <a:schemeClr val="accent6">
+                    <a:lumMod val="75000"/>
+                  </a:schemeClr>
+                </a:solidFill>
+                <a:effectLst/>
+                <a:latin typeface="inherit"/>
+              </a:rPr>
+              <a:t>() Grupos  </a:t>
+            </a:r>
+          </a:p>
+        </p:txBody>
+      </p:sp>
+      <p:pic>
+        <p:nvPicPr>
+          <p:cNvPr id="7" name="Imagen 6">
+            <a:extLst>
+              <a:ext uri="{FF2B5EF4-FFF2-40B4-BE49-F238E27FC236}">
+                <a16:creationId xmlns:a16="http://schemas.microsoft.com/office/drawing/2014/main" id="{BF36162E-AB01-4082-9DCC-64CA926DEA3F}"/>
+              </a:ext>
+            </a:extLst>
+          </p:cNvPr>
+          <p:cNvPicPr>
+            <a:picLocks noChangeAspect="1"/>
+          </p:cNvPicPr>
+          <p:nvPr/>
+        </p:nvPicPr>
+        <p:blipFill>
+          <a:blip r:embed="rId3"/>
+          <a:stretch>
+            <a:fillRect/>
+          </a:stretch>
+        </p:blipFill>
+        <p:spPr>
+          <a:xfrm>
+            <a:off x="1143000" y="2861227"/>
+            <a:ext cx="6858000" cy="2990850"/>
+          </a:xfrm>
+          <a:prstGeom prst="rect">
+            <a:avLst/>
+          </a:prstGeom>
+        </p:spPr>
+      </p:pic>
     </p:spTree>
     <p:extLst>
       <p:ext uri="{BB962C8B-B14F-4D97-AF65-F5344CB8AC3E}">
-        <p14:creationId xmlns:p14="http://schemas.microsoft.com/office/powerpoint/2010/main" val="4213194641"/>
+        <p14:creationId xmlns:p14="http://schemas.microsoft.com/office/powerpoint/2010/main" val="2219602021"/>
       </p:ext>
     </p:extLst>
   </p:cSld>
@@ -15680,7 +15926,7 @@
         </p:nvSpPr>
         <p:spPr>
           <a:xfrm>
-            <a:off x="390364" y="260648"/>
+            <a:off x="390364" y="114351"/>
             <a:ext cx="8363272" cy="1143000"/>
           </a:xfrm>
         </p:spPr>
@@ -15747,11 +15993,11 @@
             </a:pPr>
             <a:r>
               <a:rPr lang="es-MX" sz="2000" b="1" dirty="0"/>
-              <a:t>Ejemplo: </a:t>
+              <a:t>Ejemplo:</a:t>
             </a:r>
             <a:r>
               <a:rPr lang="es-MX" sz="2000" dirty="0"/>
-              <a:t>Identificar los números telefónicos que comiencen con 1 o 2 después de la lada 442.</a:t>
+              <a:t> Identificar los números telefónicos que comiencen con 1 o 3 después de la lada 442.</a:t>
             </a:r>
           </a:p>
         </p:txBody>
@@ -15802,17 +16048,17 @@
                 <a:effectLst/>
                 <a:latin typeface="inherit"/>
               </a:rPr>
-              <a:t>() Grupos  </a:t>
+              <a:t>[] Encuentra caracteres en corchetes</a:t>
             </a:r>
           </a:p>
         </p:txBody>
       </p:sp>
       <p:pic>
         <p:nvPicPr>
-          <p:cNvPr id="7" name="Imagen 6">
+          <p:cNvPr id="3" name="Imagen 2">
             <a:extLst>
               <a:ext uri="{FF2B5EF4-FFF2-40B4-BE49-F238E27FC236}">
-                <a16:creationId xmlns:a16="http://schemas.microsoft.com/office/drawing/2014/main" id="{BF36162E-AB01-4082-9DCC-64CA926DEA3F}"/>
+                <a16:creationId xmlns:a16="http://schemas.microsoft.com/office/drawing/2014/main" id="{562FCA3F-B241-48B1-887C-80AB7500A0F6}"/>
               </a:ext>
             </a:extLst>
           </p:cNvPr>
@@ -15829,8 +16075,8 @@
         </p:blipFill>
         <p:spPr>
           <a:xfrm>
-            <a:off x="1143000" y="2861227"/>
-            <a:ext cx="6858000" cy="2990850"/>
+            <a:off x="1143000" y="2996952"/>
+            <a:ext cx="6858000" cy="3048000"/>
           </a:xfrm>
           <a:prstGeom prst="rect">
             <a:avLst/>
@@ -15840,7 +16086,7 @@
     </p:spTree>
     <p:extLst>
       <p:ext uri="{BB962C8B-B14F-4D97-AF65-F5344CB8AC3E}">
-        <p14:creationId xmlns:p14="http://schemas.microsoft.com/office/powerpoint/2010/main" val="2219602021"/>
+        <p14:creationId xmlns:p14="http://schemas.microsoft.com/office/powerpoint/2010/main" val="1483557897"/>
       </p:ext>
     </p:extLst>
   </p:cSld>
@@ -15879,7 +16125,7 @@
         </p:nvSpPr>
         <p:spPr>
           <a:xfrm>
-            <a:off x="390364" y="114351"/>
+            <a:off x="390364" y="260648"/>
             <a:ext cx="8363272" cy="1143000"/>
           </a:xfrm>
         </p:spPr>
@@ -15925,8 +16171,8 @@
         </p:nvSpPr>
         <p:spPr>
           <a:xfrm>
-            <a:off x="713980" y="1648459"/>
-            <a:ext cx="7890467" cy="967957"/>
+            <a:off x="971600" y="1775513"/>
+            <a:ext cx="7890467" cy="506292"/>
           </a:xfrm>
           <a:prstGeom prst="rect">
             <a:avLst/>
@@ -15950,7 +16196,7 @@
             </a:r>
             <a:r>
               <a:rPr lang="es-MX" sz="2000" dirty="0"/>
-              <a:t> Identificar los números telefónicos que comiencen con 1 o 3 después de la lada 442.</a:t>
+              <a:t> Identificar las letras y dígitos.</a:t>
             </a:r>
           </a:p>
         </p:txBody>
@@ -16008,10 +16254,10 @@
       </p:sp>
       <p:pic>
         <p:nvPicPr>
-          <p:cNvPr id="3" name="Imagen 2">
+          <p:cNvPr id="6" name="Imagen 5">
             <a:extLst>
               <a:ext uri="{FF2B5EF4-FFF2-40B4-BE49-F238E27FC236}">
-                <a16:creationId xmlns:a16="http://schemas.microsoft.com/office/drawing/2014/main" id="{562FCA3F-B241-48B1-887C-80AB7500A0F6}"/>
+                <a16:creationId xmlns:a16="http://schemas.microsoft.com/office/drawing/2014/main" id="{153C4AD9-FDC2-4B87-A643-2E5D785B084E}"/>
               </a:ext>
             </a:extLst>
           </p:cNvPr>
@@ -16028,8 +16274,8 @@
         </p:blipFill>
         <p:spPr>
           <a:xfrm>
-            <a:off x="1143000" y="2996952"/>
-            <a:ext cx="6858000" cy="3048000"/>
+            <a:off x="1063153" y="2612553"/>
+            <a:ext cx="6877050" cy="3095625"/>
           </a:xfrm>
           <a:prstGeom prst="rect">
             <a:avLst/>
@@ -16039,7 +16285,7 @@
     </p:spTree>
     <p:extLst>
       <p:ext uri="{BB962C8B-B14F-4D97-AF65-F5344CB8AC3E}">
-        <p14:creationId xmlns:p14="http://schemas.microsoft.com/office/powerpoint/2010/main" val="1483557897"/>
+        <p14:creationId xmlns:p14="http://schemas.microsoft.com/office/powerpoint/2010/main" val="4097825035"/>
       </p:ext>
     </p:extLst>
   </p:cSld>
@@ -16145,11 +16391,11 @@
             </a:pPr>
             <a:r>
               <a:rPr lang="es-MX" sz="2000" b="1" dirty="0"/>
-              <a:t>Ejemplo:</a:t>
+              <a:t>Ejemplo: </a:t>
             </a:r>
             <a:r>
               <a:rPr lang="es-MX" sz="2000" dirty="0"/>
-              <a:t> Identificar las letras y dígitos.</a:t>
+              <a:t>Identificar todos los caracteres que no son letras minúsculas.</a:t>
             </a:r>
           </a:p>
         </p:txBody>
@@ -16200,17 +16446,17 @@
                 <a:effectLst/>
                 <a:latin typeface="inherit"/>
               </a:rPr>
-              <a:t>[] Encuentra caracteres en corchetes</a:t>
+              <a:t>[^] Encuentra caracteres no están dentro de corchetes</a:t>
             </a:r>
           </a:p>
         </p:txBody>
       </p:sp>
       <p:pic>
         <p:nvPicPr>
-          <p:cNvPr id="6" name="Imagen 5">
+          <p:cNvPr id="3" name="Imagen 2">
             <a:extLst>
               <a:ext uri="{FF2B5EF4-FFF2-40B4-BE49-F238E27FC236}">
-                <a16:creationId xmlns:a16="http://schemas.microsoft.com/office/drawing/2014/main" id="{153C4AD9-FDC2-4B87-A643-2E5D785B084E}"/>
+                <a16:creationId xmlns:a16="http://schemas.microsoft.com/office/drawing/2014/main" id="{5FCCE2F5-84A8-4D1F-BC8C-225CA58F9C21}"/>
               </a:ext>
             </a:extLst>
           </p:cNvPr>
@@ -16227,8 +16473,8 @@
         </p:blipFill>
         <p:spPr>
           <a:xfrm>
-            <a:off x="1063153" y="2612553"/>
-            <a:ext cx="6877050" cy="3095625"/>
+            <a:off x="1331640" y="2653670"/>
+            <a:ext cx="6915150" cy="2971800"/>
           </a:xfrm>
           <a:prstGeom prst="rect">
             <a:avLst/>
@@ -16238,7 +16484,7 @@
     </p:spTree>
     <p:extLst>
       <p:ext uri="{BB962C8B-B14F-4D97-AF65-F5344CB8AC3E}">
-        <p14:creationId xmlns:p14="http://schemas.microsoft.com/office/powerpoint/2010/main" val="4097825035"/>
+        <p14:creationId xmlns:p14="http://schemas.microsoft.com/office/powerpoint/2010/main" val="3835573933"/>
       </p:ext>
     </p:extLst>
   </p:cSld>
@@ -16539,7 +16785,7 @@
         </p:nvSpPr>
         <p:spPr>
           <a:xfrm>
-            <a:off x="971600" y="1775513"/>
+            <a:off x="1296806" y="1837862"/>
             <a:ext cx="7890467" cy="506292"/>
           </a:xfrm>
           <a:prstGeom prst="rect">
@@ -16564,7 +16810,7 @@
             </a:r>
             <a:r>
               <a:rPr lang="es-MX" sz="2000" dirty="0"/>
-              <a:t>Identificar todos los caracteres que no son letras minúsculas.</a:t>
+              <a:t>Identificar todos los caracteres que no son dígitos.</a:t>
             </a:r>
           </a:p>
         </p:txBody>
@@ -16615,17 +16861,17 @@
                 <a:effectLst/>
                 <a:latin typeface="inherit"/>
               </a:rPr>
-              <a:t>[^] Encuentra caracteres no están dentro de corchetes</a:t>
+              <a:t>[^] Encuentra caracteres que no están dentro de corchetes</a:t>
             </a:r>
           </a:p>
         </p:txBody>
       </p:sp>
       <p:pic>
         <p:nvPicPr>
-          <p:cNvPr id="3" name="Imagen 2">
+          <p:cNvPr id="6" name="Imagen 5">
             <a:extLst>
               <a:ext uri="{FF2B5EF4-FFF2-40B4-BE49-F238E27FC236}">
-                <a16:creationId xmlns:a16="http://schemas.microsoft.com/office/drawing/2014/main" id="{5FCCE2F5-84A8-4D1F-BC8C-225CA58F9C21}"/>
+                <a16:creationId xmlns:a16="http://schemas.microsoft.com/office/drawing/2014/main" id="{6A06D8D1-0041-4A5B-AB89-20F25531A6A4}"/>
               </a:ext>
             </a:extLst>
           </p:cNvPr>
@@ -16642,8 +16888,8 @@
         </p:blipFill>
         <p:spPr>
           <a:xfrm>
-            <a:off x="1331640" y="2653670"/>
-            <a:ext cx="6915150" cy="2971800"/>
+            <a:off x="1403648" y="2653669"/>
+            <a:ext cx="6791325" cy="2981325"/>
           </a:xfrm>
           <a:prstGeom prst="rect">
             <a:avLst/>
@@ -16653,7 +16899,7 @@
     </p:spTree>
     <p:extLst>
       <p:ext uri="{BB962C8B-B14F-4D97-AF65-F5344CB8AC3E}">
-        <p14:creationId xmlns:p14="http://schemas.microsoft.com/office/powerpoint/2010/main" val="3835573933"/>
+        <p14:creationId xmlns:p14="http://schemas.microsoft.com/office/powerpoint/2010/main" val="3374492358"/>
       </p:ext>
     </p:extLst>
   </p:cSld>
@@ -16692,7 +16938,7 @@
         </p:nvSpPr>
         <p:spPr>
           <a:xfrm>
-            <a:off x="390364" y="260648"/>
+            <a:off x="390364" y="116632"/>
             <a:ext cx="8363272" cy="1143000"/>
           </a:xfrm>
         </p:spPr>
@@ -16726,10 +16972,10 @@
       </p:sp>
       <p:sp>
         <p:nvSpPr>
-          <p:cNvPr id="5" name="CuadroTexto 4">
+          <p:cNvPr id="7" name="CuadroTexto 6">
             <a:extLst>
               <a:ext uri="{FF2B5EF4-FFF2-40B4-BE49-F238E27FC236}">
-                <a16:creationId xmlns:a16="http://schemas.microsoft.com/office/drawing/2014/main" id="{F5D927B0-3579-4E54-99D7-681F443BC962}"/>
+                <a16:creationId xmlns:a16="http://schemas.microsoft.com/office/drawing/2014/main" id="{4E1DD8D9-5B93-44E0-8677-C81B21CCD7A2}"/>
               </a:ext>
             </a:extLst>
           </p:cNvPr>
@@ -16738,8 +16984,8 @@
         </p:nvSpPr>
         <p:spPr>
           <a:xfrm>
-            <a:off x="1296806" y="1837862"/>
-            <a:ext cx="7890467" cy="506292"/>
+            <a:off x="646172" y="1340768"/>
+            <a:ext cx="7851655" cy="2814617"/>
           </a:xfrm>
           <a:prstGeom prst="rect">
             <a:avLst/>
@@ -16751,6 +16997,43 @@
             <a:spAutoFit/>
           </a:bodyPr>
           <a:lstStyle/>
+          <a:p>
+            <a:pPr marL="342900" indent="-342900">
+              <a:lnSpc>
+                <a:spcPct val="150000"/>
+              </a:lnSpc>
+              <a:buFont typeface="Arial" panose="020B0604020202020204" pitchFamily="34" charset="0"/>
+              <a:buChar char="•"/>
+            </a:pPr>
+            <a:r>
+              <a:rPr lang="es-MX" sz="2000" b="1" dirty="0"/>
+              <a:t>[0-5]+	</a:t>
+            </a:r>
+            <a:r>
+              <a:rPr lang="es-MX" sz="2000" dirty="0"/>
+              <a:t>En los grupos </a:t>
+            </a:r>
+            <a:r>
+              <a:rPr lang="es-MX" sz="2000" b="1" dirty="0"/>
+              <a:t>no </a:t>
+            </a:r>
+            <a:r>
+              <a:rPr lang="es-MX" sz="2000" dirty="0"/>
+              <a:t>es necesario el uso del </a:t>
+            </a:r>
+            <a:r>
+              <a:rPr lang="es-MX" sz="2000" b="1" dirty="0" err="1"/>
+              <a:t>slash</a:t>
+            </a:r>
+            <a:r>
+              <a:rPr lang="es-MX" sz="2000" b="1" dirty="0"/>
+              <a:t> \  </a:t>
+            </a:r>
+            <a:r>
+              <a:rPr lang="es-MX" sz="2000" dirty="0"/>
+              <a:t>para los</a:t>
+            </a:r>
+          </a:p>
           <a:p>
             <a:pPr>
               <a:lnSpc>
@@ -16758,73 +17041,72 @@
               </a:lnSpc>
             </a:pPr>
             <a:r>
+              <a:rPr lang="es-MX" sz="2000" dirty="0"/>
+              <a:t>		</a:t>
+            </a:r>
+            <a:r>
+              <a:rPr lang="es-MX" sz="2000" dirty="0" err="1"/>
+              <a:t>metacaracteres</a:t>
+            </a:r>
+            <a:r>
+              <a:rPr lang="es-MX" sz="2000" dirty="0"/>
+              <a:t> como el punto.</a:t>
+            </a:r>
+            <a:endParaRPr lang="es-MX" sz="2000" b="1" dirty="0"/>
+          </a:p>
+          <a:p>
+            <a:pPr marL="342900" indent="-342900">
+              <a:lnSpc>
+                <a:spcPct val="150000"/>
+              </a:lnSpc>
+              <a:buFont typeface="Arial" panose="020B0604020202020204" pitchFamily="34" charset="0"/>
+              <a:buChar char="•"/>
+            </a:pPr>
+            <a:r>
               <a:rPr lang="es-MX" sz="2000" b="1" dirty="0"/>
-              <a:t>Ejemplo: </a:t>
+              <a:t>[a-</a:t>
+            </a:r>
+            <a:r>
+              <a:rPr lang="es-MX" sz="2000" b="1" dirty="0" err="1"/>
+              <a:t>zA</a:t>
+            </a:r>
+            <a:r>
+              <a:rPr lang="es-MX" sz="2000" b="1" dirty="0"/>
+              <a:t>-Z.@]</a:t>
             </a:r>
             <a:r>
               <a:rPr lang="es-MX" sz="2000" dirty="0"/>
-              <a:t>Identificar todos los caracteres que no son dígitos.</a:t>
-            </a:r>
-          </a:p>
-        </p:txBody>
-      </p:sp>
-      <p:sp>
-        <p:nvSpPr>
-          <p:cNvPr id="4" name="CuadroTexto 3">
+              <a:t>	Encuentra caracteres del abecedario en mayúsculas o 		minúsculas, puntos, arrobas.</a:t>
+            </a:r>
+          </a:p>
+          <a:p>
+            <a:pPr marL="342900" indent="-342900">
+              <a:lnSpc>
+                <a:spcPct val="150000"/>
+              </a:lnSpc>
+              <a:buFont typeface="Arial" panose="020B0604020202020204" pitchFamily="34" charset="0"/>
+              <a:buChar char="•"/>
+            </a:pPr>
+            <a:endParaRPr lang="es-MX" sz="2000" b="1" dirty="0"/>
+          </a:p>
+          <a:p>
+            <a:pPr marL="342900" indent="-342900">
+              <a:lnSpc>
+                <a:spcPct val="150000"/>
+              </a:lnSpc>
+              <a:buFont typeface="Arial" panose="020B0604020202020204" pitchFamily="34" charset="0"/>
+              <a:buChar char="•"/>
+            </a:pPr>
+            <a:endParaRPr lang="es-MX" sz="2000" dirty="0"/>
+          </a:p>
+        </p:txBody>
+      </p:sp>
+      <p:pic>
+        <p:nvPicPr>
+          <p:cNvPr id="8" name="Imagen 7">
             <a:extLst>
               <a:ext uri="{FF2B5EF4-FFF2-40B4-BE49-F238E27FC236}">
-                <a16:creationId xmlns:a16="http://schemas.microsoft.com/office/drawing/2014/main" id="{B8F537AB-6E7D-42EE-B6D8-7CF10886F935}"/>
-              </a:ext>
-            </a:extLst>
-          </p:cNvPr>
-          <p:cNvSpPr txBox="1"/>
-          <p:nvPr/>
-        </p:nvSpPr>
-        <p:spPr>
-          <a:xfrm>
-            <a:off x="1063153" y="1134649"/>
-            <a:ext cx="7017694" cy="393698"/>
-          </a:xfrm>
-          <a:prstGeom prst="rect">
-            <a:avLst/>
-          </a:prstGeom>
-          <a:noFill/>
-        </p:spPr>
-        <p:txBody>
-          <a:bodyPr wrap="square">
-            <a:spAutoFit/>
-          </a:bodyPr>
-          <a:lstStyle/>
-          <a:p>
-            <a:pPr algn="ctr" fontAlgn="base">
-              <a:lnSpc>
-                <a:spcPts val="2500"/>
-              </a:lnSpc>
-              <a:spcAft>
-                <a:spcPts val="600"/>
-              </a:spcAft>
-            </a:pPr>
-            <a:r>
-              <a:rPr lang="es-ES" b="1" i="0" dirty="0">
-                <a:solidFill>
-                  <a:schemeClr val="accent6">
-                    <a:lumMod val="75000"/>
-                  </a:schemeClr>
-                </a:solidFill>
-                <a:effectLst/>
-                <a:latin typeface="inherit"/>
-              </a:rPr>
-              <a:t>[^] Encuentra caracteres que no están dentro de corchetes</a:t>
-            </a:r>
-          </a:p>
-        </p:txBody>
-      </p:sp>
-      <p:pic>
-        <p:nvPicPr>
-          <p:cNvPr id="6" name="Imagen 5">
-            <a:extLst>
-              <a:ext uri="{FF2B5EF4-FFF2-40B4-BE49-F238E27FC236}">
-                <a16:creationId xmlns:a16="http://schemas.microsoft.com/office/drawing/2014/main" id="{6A06D8D1-0041-4A5B-AB89-20F25531A6A4}"/>
+                <a16:creationId xmlns:a16="http://schemas.microsoft.com/office/drawing/2014/main" id="{3FB79202-DD0E-4565-BE9C-63EA25840081}"/>
               </a:ext>
             </a:extLst>
           </p:cNvPr>
@@ -16841,8 +17123,8 @@
         </p:blipFill>
         <p:spPr>
           <a:xfrm>
-            <a:off x="1403648" y="2653669"/>
-            <a:ext cx="6791325" cy="2981325"/>
+            <a:off x="5438936" y="3636481"/>
+            <a:ext cx="3314700" cy="2724150"/>
           </a:xfrm>
           <a:prstGeom prst="rect">
             <a:avLst/>
@@ -16852,7 +17134,7 @@
     </p:spTree>
     <p:extLst>
       <p:ext uri="{BB962C8B-B14F-4D97-AF65-F5344CB8AC3E}">
-        <p14:creationId xmlns:p14="http://schemas.microsoft.com/office/powerpoint/2010/main" val="3374492358"/>
+        <p14:creationId xmlns:p14="http://schemas.microsoft.com/office/powerpoint/2010/main" val="3183765036"/>
       </p:ext>
     </p:extLst>
   </p:cSld>
@@ -16891,7 +17173,7 @@
         </p:nvSpPr>
         <p:spPr>
           <a:xfrm>
-            <a:off x="390364" y="116632"/>
+            <a:off x="390364" y="96243"/>
             <a:ext cx="8363272" cy="1143000"/>
           </a:xfrm>
         </p:spPr>
@@ -16937,8 +17219,8 @@
         </p:nvSpPr>
         <p:spPr>
           <a:xfrm>
-            <a:off x="646172" y="1340768"/>
-            <a:ext cx="7851655" cy="2814617"/>
+            <a:off x="628866" y="1124744"/>
+            <a:ext cx="7886268" cy="967957"/>
           </a:xfrm>
           <a:prstGeom prst="rect">
             <a:avLst/>
@@ -16960,31 +17242,19 @@
             </a:pPr>
             <a:r>
               <a:rPr lang="es-MX" sz="2000" b="1" dirty="0"/>
-              <a:t>[0-5]+	</a:t>
+              <a:t>[^a-</a:t>
+            </a:r>
+            <a:r>
+              <a:rPr lang="es-MX" sz="2000" b="1" dirty="0" err="1"/>
+              <a:t>zA</a:t>
+            </a:r>
+            <a:r>
+              <a:rPr lang="es-MX" sz="2000" b="1" dirty="0"/>
+              <a:t>-Z.@]</a:t>
             </a:r>
             <a:r>
               <a:rPr lang="es-MX" sz="2000" dirty="0"/>
-              <a:t>En los grupos </a:t>
-            </a:r>
-            <a:r>
-              <a:rPr lang="es-MX" sz="2000" b="1" dirty="0"/>
-              <a:t>no </a:t>
-            </a:r>
-            <a:r>
-              <a:rPr lang="es-MX" sz="2000" dirty="0"/>
-              <a:t>es necesario el uso del </a:t>
-            </a:r>
-            <a:r>
-              <a:rPr lang="es-MX" sz="2000" b="1" dirty="0" err="1"/>
-              <a:t>slash</a:t>
-            </a:r>
-            <a:r>
-              <a:rPr lang="es-MX" sz="2000" b="1" dirty="0"/>
-              <a:t> \  </a:t>
-            </a:r>
-            <a:r>
-              <a:rPr lang="es-MX" sz="2000" dirty="0"/>
-              <a:t>para los</a:t>
+              <a:t>	No caracteres del abecedario en mayúsculas o</a:t>
             </a:r>
           </a:p>
           <a:p>
@@ -16995,71 +17265,17 @@
             </a:pPr>
             <a:r>
               <a:rPr lang="es-MX" sz="2000" dirty="0"/>
-              <a:t>		</a:t>
-            </a:r>
-            <a:r>
-              <a:rPr lang="es-MX" sz="2000" dirty="0" err="1"/>
-              <a:t>metacaracteres</a:t>
-            </a:r>
-            <a:r>
-              <a:rPr lang="es-MX" sz="2000" dirty="0"/>
-              <a:t> como el punto.</a:t>
-            </a:r>
-            <a:endParaRPr lang="es-MX" sz="2000" b="1" dirty="0"/>
-          </a:p>
-          <a:p>
-            <a:pPr marL="342900" indent="-342900">
-              <a:lnSpc>
-                <a:spcPct val="150000"/>
-              </a:lnSpc>
-              <a:buFont typeface="Arial" panose="020B0604020202020204" pitchFamily="34" charset="0"/>
-              <a:buChar char="•"/>
-            </a:pPr>
-            <a:r>
-              <a:rPr lang="es-MX" sz="2000" b="1" dirty="0"/>
-              <a:t>[a-</a:t>
-            </a:r>
-            <a:r>
-              <a:rPr lang="es-MX" sz="2000" b="1" dirty="0" err="1"/>
-              <a:t>zA</a:t>
-            </a:r>
-            <a:r>
-              <a:rPr lang="es-MX" sz="2000" b="1" dirty="0"/>
-              <a:t>-Z.@]</a:t>
-            </a:r>
-            <a:r>
-              <a:rPr lang="es-MX" sz="2000" dirty="0"/>
-              <a:t>	Encuentra caracteres del abecedario en mayúsculas o 		minúsculas, puntos, arrobas.</a:t>
-            </a:r>
-          </a:p>
-          <a:p>
-            <a:pPr marL="342900" indent="-342900">
-              <a:lnSpc>
-                <a:spcPct val="150000"/>
-              </a:lnSpc>
-              <a:buFont typeface="Arial" panose="020B0604020202020204" pitchFamily="34" charset="0"/>
-              <a:buChar char="•"/>
-            </a:pPr>
-            <a:endParaRPr lang="es-MX" sz="2000" b="1" dirty="0"/>
-          </a:p>
-          <a:p>
-            <a:pPr marL="342900" indent="-342900">
-              <a:lnSpc>
-                <a:spcPct val="150000"/>
-              </a:lnSpc>
-              <a:buFont typeface="Arial" panose="020B0604020202020204" pitchFamily="34" charset="0"/>
-              <a:buChar char="•"/>
-            </a:pPr>
-            <a:endParaRPr lang="es-MX" sz="2000" dirty="0"/>
+              <a:t> 		minúsculas, puntos, arrobas.</a:t>
+            </a:r>
           </a:p>
         </p:txBody>
       </p:sp>
       <p:pic>
         <p:nvPicPr>
-          <p:cNvPr id="8" name="Imagen 7">
+          <p:cNvPr id="10" name="Imagen 9">
             <a:extLst>
               <a:ext uri="{FF2B5EF4-FFF2-40B4-BE49-F238E27FC236}">
-                <a16:creationId xmlns:a16="http://schemas.microsoft.com/office/drawing/2014/main" id="{3FB79202-DD0E-4565-BE9C-63EA25840081}"/>
+                <a16:creationId xmlns:a16="http://schemas.microsoft.com/office/drawing/2014/main" id="{9CC91A83-4D82-4653-B180-EA64A134D8A5}"/>
               </a:ext>
             </a:extLst>
           </p:cNvPr>
@@ -17076,8 +17292,8 @@
         </p:blipFill>
         <p:spPr>
           <a:xfrm>
-            <a:off x="5438936" y="3636481"/>
-            <a:ext cx="3314700" cy="2724150"/>
+            <a:off x="2627784" y="2250667"/>
+            <a:ext cx="4257675" cy="4238625"/>
           </a:xfrm>
           <a:prstGeom prst="rect">
             <a:avLst/>
@@ -17087,7 +17303,7 @@
     </p:spTree>
     <p:extLst>
       <p:ext uri="{BB962C8B-B14F-4D97-AF65-F5344CB8AC3E}">
-        <p14:creationId xmlns:p14="http://schemas.microsoft.com/office/powerpoint/2010/main" val="3183765036"/>
+        <p14:creationId xmlns:p14="http://schemas.microsoft.com/office/powerpoint/2010/main" val="1447613152"/>
       </p:ext>
     </p:extLst>
   </p:cSld>
@@ -17126,7 +17342,7 @@
         </p:nvSpPr>
         <p:spPr>
           <a:xfrm>
-            <a:off x="390364" y="96243"/>
+            <a:off x="289721" y="4056"/>
             <a:ext cx="8363272" cy="1143000"/>
           </a:xfrm>
         </p:spPr>
@@ -17160,10 +17376,10 @@
       </p:sp>
       <p:sp>
         <p:nvSpPr>
-          <p:cNvPr id="7" name="CuadroTexto 6">
+          <p:cNvPr id="5" name="CuadroTexto 4">
             <a:extLst>
               <a:ext uri="{FF2B5EF4-FFF2-40B4-BE49-F238E27FC236}">
-                <a16:creationId xmlns:a16="http://schemas.microsoft.com/office/drawing/2014/main" id="{4E1DD8D9-5B93-44E0-8677-C81B21CCD7A2}"/>
+                <a16:creationId xmlns:a16="http://schemas.microsoft.com/office/drawing/2014/main" id="{FC189524-E564-48DD-B173-E7D162EDC50C}"/>
               </a:ext>
             </a:extLst>
           </p:cNvPr>
@@ -17172,8 +17388,8 @@
         </p:nvSpPr>
         <p:spPr>
           <a:xfrm>
-            <a:off x="628866" y="1124744"/>
-            <a:ext cx="7886268" cy="967957"/>
+            <a:off x="539552" y="1346051"/>
+            <a:ext cx="8251757" cy="506292"/>
           </a:xfrm>
           <a:prstGeom prst="rect">
             <a:avLst/>
@@ -17186,49 +17402,191 @@
           </a:bodyPr>
           <a:lstStyle/>
           <a:p>
-            <a:pPr marL="342900" indent="-342900">
-              <a:lnSpc>
-                <a:spcPct val="150000"/>
-              </a:lnSpc>
-              <a:buFont typeface="Arial" panose="020B0604020202020204" pitchFamily="34" charset="0"/>
-              <a:buChar char="•"/>
-            </a:pPr>
-            <a:r>
-              <a:rPr lang="es-MX" sz="2000" b="1" dirty="0"/>
-              <a:t>[^a-</a:t>
-            </a:r>
-            <a:r>
-              <a:rPr lang="es-MX" sz="2000" b="1" dirty="0" err="1"/>
-              <a:t>zA</a:t>
-            </a:r>
-            <a:r>
-              <a:rPr lang="es-MX" sz="2000" b="1" dirty="0"/>
-              <a:t>-Z.@]</a:t>
-            </a:r>
-            <a:r>
-              <a:rPr lang="es-MX" sz="2000" dirty="0"/>
-              <a:t>	No caracteres del abecedario en mayúsculas o</a:t>
-            </a:r>
-          </a:p>
-          <a:p>
-            <a:pPr>
+            <a:pPr algn="just">
               <a:lnSpc>
                 <a:spcPct val="150000"/>
               </a:lnSpc>
             </a:pPr>
             <a:r>
+              <a:rPr lang="es-ES" sz="2000" b="1" i="0" dirty="0">
+                <a:solidFill>
+                  <a:schemeClr val="tx1">
+                    <a:lumMod val="95000"/>
+                    <a:lumOff val="5000"/>
+                  </a:schemeClr>
+                </a:solidFill>
+                <a:effectLst/>
+              </a:rPr>
+              <a:t>Ejemplo 1: </a:t>
+            </a:r>
+            <a:r>
+              <a:rPr lang="es-ES" sz="2000" i="0" dirty="0">
+                <a:solidFill>
+                  <a:schemeClr val="tx1">
+                    <a:lumMod val="95000"/>
+                    <a:lumOff val="5000"/>
+                  </a:schemeClr>
+                </a:solidFill>
+                <a:effectLst/>
+              </a:rPr>
+              <a:t>Extraer todos los números telefónicos con espacio, punto o guion.</a:t>
+            </a:r>
+            <a:endParaRPr lang="es-ES" sz="2000" b="1" dirty="0">
+              <a:solidFill>
+                <a:schemeClr val="tx1">
+                  <a:lumMod val="95000"/>
+                  <a:lumOff val="5000"/>
+                </a:schemeClr>
+              </a:solidFill>
+            </a:endParaRPr>
+          </a:p>
+        </p:txBody>
+      </p:sp>
+      <p:sp>
+        <p:nvSpPr>
+          <p:cNvPr id="6" name="CuadroTexto 5">
+            <a:extLst>
+              <a:ext uri="{FF2B5EF4-FFF2-40B4-BE49-F238E27FC236}">
+                <a16:creationId xmlns:a16="http://schemas.microsoft.com/office/drawing/2014/main" id="{7B04CF3A-CFE2-489B-A399-BF52B6C4C715}"/>
+              </a:ext>
+            </a:extLst>
+          </p:cNvPr>
+          <p:cNvSpPr txBox="1"/>
+          <p:nvPr/>
+        </p:nvSpPr>
+        <p:spPr>
+          <a:xfrm>
+            <a:off x="549968" y="1852343"/>
+            <a:ext cx="7920880" cy="967957"/>
+          </a:xfrm>
+          <a:prstGeom prst="rect">
+            <a:avLst/>
+          </a:prstGeom>
+          <a:noFill/>
+        </p:spPr>
+        <p:txBody>
+          <a:bodyPr wrap="square">
+            <a:spAutoFit/>
+          </a:bodyPr>
+          <a:lstStyle/>
+          <a:p>
+            <a:pPr algn="just">
+              <a:lnSpc>
+                <a:spcPct val="150000"/>
+              </a:lnSpc>
+            </a:pPr>
+            <a:r>
+              <a:rPr lang="es-ES" sz="2000" i="0" dirty="0">
+                <a:solidFill>
+                  <a:schemeClr val="tx1">
+                    <a:lumMod val="95000"/>
+                    <a:lumOff val="5000"/>
+                  </a:schemeClr>
+                </a:solidFill>
+                <a:effectLst/>
+              </a:rPr>
+              <a:t>Primero tres dígitos juntos, luego espacio, punto o guion, otros tres dígitos, espacio, punt</a:t>
+            </a:r>
+            <a:r>
+              <a:rPr lang="es-ES" sz="2000" dirty="0">
+                <a:solidFill>
+                  <a:schemeClr val="tx1">
+                    <a:lumMod val="95000"/>
+                    <a:lumOff val="5000"/>
+                  </a:schemeClr>
+                </a:solidFill>
+              </a:rPr>
+              <a:t>o o </a:t>
+            </a:r>
+            <a:r>
+              <a:rPr lang="es-ES" sz="2000" i="0" dirty="0">
+                <a:solidFill>
+                  <a:schemeClr val="tx1">
+                    <a:lumMod val="95000"/>
+                    <a:lumOff val="5000"/>
+                  </a:schemeClr>
+                </a:solidFill>
+                <a:effectLst/>
+              </a:rPr>
+              <a:t>guion, luego dos y dos. </a:t>
+            </a:r>
+            <a:endParaRPr lang="es-ES" sz="2000" b="1" dirty="0">
+              <a:solidFill>
+                <a:schemeClr val="tx1">
+                  <a:lumMod val="95000"/>
+                  <a:lumOff val="5000"/>
+                </a:schemeClr>
+              </a:solidFill>
+            </a:endParaRPr>
+          </a:p>
+        </p:txBody>
+      </p:sp>
+      <p:sp>
+        <p:nvSpPr>
+          <p:cNvPr id="7" name="CuadroTexto 6">
+            <a:extLst>
+              <a:ext uri="{FF2B5EF4-FFF2-40B4-BE49-F238E27FC236}">
+                <a16:creationId xmlns:a16="http://schemas.microsoft.com/office/drawing/2014/main" id="{D442F124-35ED-4AE6-AEB6-DC1CB4FBEC4A}"/>
+              </a:ext>
+            </a:extLst>
+          </p:cNvPr>
+          <p:cNvSpPr txBox="1"/>
+          <p:nvPr/>
+        </p:nvSpPr>
+        <p:spPr>
+          <a:xfrm>
+            <a:off x="2116379" y="748792"/>
+            <a:ext cx="7027621" cy="506292"/>
+          </a:xfrm>
+          <a:prstGeom prst="rect">
+            <a:avLst/>
+          </a:prstGeom>
+          <a:noFill/>
+        </p:spPr>
+        <p:txBody>
+          <a:bodyPr wrap="square">
+            <a:spAutoFit/>
+          </a:bodyPr>
+          <a:lstStyle/>
+          <a:p>
+            <a:pPr algn="just">
+              <a:lnSpc>
+                <a:spcPct val="150000"/>
+              </a:lnSpc>
+            </a:pPr>
+            <a:r>
+              <a:rPr lang="es-MX" sz="2000" b="1" dirty="0">
+                <a:solidFill>
+                  <a:schemeClr val="accent6">
+                    <a:lumMod val="75000"/>
+                  </a:schemeClr>
+                </a:solidFill>
+              </a:rPr>
+              <a:t>()</a:t>
+            </a:r>
+            <a:r>
               <a:rPr lang="es-MX" sz="2000" dirty="0"/>
-              <a:t> 		minúsculas, puntos, arrobas.</a:t>
+              <a:t> </a:t>
+            </a:r>
+            <a:r>
+              <a:rPr lang="es-MX" sz="2000" dirty="0">
+                <a:solidFill>
+                  <a:schemeClr val="accent6">
+                    <a:lumMod val="75000"/>
+                  </a:schemeClr>
+                </a:solidFill>
+              </a:rPr>
+              <a:t>Nos permiten comparar entre algunos valores</a:t>
             </a:r>
           </a:p>
         </p:txBody>
       </p:sp>
       <p:pic>
         <p:nvPicPr>
-          <p:cNvPr id="10" name="Imagen 9">
+          <p:cNvPr id="11" name="Imagen 10">
             <a:extLst>
               <a:ext uri="{FF2B5EF4-FFF2-40B4-BE49-F238E27FC236}">
-                <a16:creationId xmlns:a16="http://schemas.microsoft.com/office/drawing/2014/main" id="{9CC91A83-4D82-4653-B180-EA64A134D8A5}"/>
+                <a16:creationId xmlns:a16="http://schemas.microsoft.com/office/drawing/2014/main" id="{40FAFC4F-C677-08E6-65FA-6C0A7E64CA35}"/>
               </a:ext>
             </a:extLst>
           </p:cNvPr>
@@ -17245,8 +17603,8 @@
         </p:blipFill>
         <p:spPr>
           <a:xfrm>
-            <a:off x="2627784" y="2250667"/>
-            <a:ext cx="4257675" cy="4238625"/>
+            <a:off x="2245742" y="2924944"/>
+            <a:ext cx="4839375" cy="3696216"/>
           </a:xfrm>
           <a:prstGeom prst="rect">
             <a:avLst/>
@@ -17256,7 +17614,7 @@
     </p:spTree>
     <p:extLst>
       <p:ext uri="{BB962C8B-B14F-4D97-AF65-F5344CB8AC3E}">
-        <p14:creationId xmlns:p14="http://schemas.microsoft.com/office/powerpoint/2010/main" val="1447613152"/>
+        <p14:creationId xmlns:p14="http://schemas.microsoft.com/office/powerpoint/2010/main" val="3850094616"/>
       </p:ext>
     </p:extLst>
   </p:cSld>
@@ -17341,8 +17699,8 @@
         </p:nvSpPr>
         <p:spPr>
           <a:xfrm>
-            <a:off x="539552" y="1346051"/>
-            <a:ext cx="8251757" cy="506292"/>
+            <a:off x="640291" y="1147056"/>
+            <a:ext cx="7920880" cy="967957"/>
           </a:xfrm>
           <a:prstGeom prst="rect">
             <a:avLst/>
@@ -17370,7 +17728,7 @@
                 </a:solidFill>
                 <a:effectLst/>
               </a:rPr>
-              <a:t>Ejemplo 1: </a:t>
+              <a:t>Ejemplo 2: </a:t>
             </a:r>
             <a:r>
               <a:rPr lang="es-ES" sz="2000" i="0" dirty="0">
@@ -17382,7 +17740,30 @@
                 </a:solidFill>
                 <a:effectLst/>
               </a:rPr>
-              <a:t>Extraer todos los números telefónicos con espacio, punto o guion.</a:t>
+              <a:t>Extraer todos los números telefónicos </a:t>
+            </a:r>
+            <a:r>
+              <a:rPr lang="es-ES" sz="2000" dirty="0">
+                <a:solidFill>
+                  <a:schemeClr val="tx1">
+                    <a:lumMod val="95000"/>
+                    <a:lumOff val="5000"/>
+                  </a:schemeClr>
+                </a:solidFill>
+              </a:rPr>
+              <a:t>haciendo uso de </a:t>
+            </a:r>
+            <a:r>
+              <a:rPr lang="es-ES" sz="2000" i="0" dirty="0">
+                <a:solidFill>
+                  <a:schemeClr val="tx1">
+                    <a:lumMod val="95000"/>
+                    <a:lumOff val="5000"/>
+                  </a:schemeClr>
+                </a:solidFill>
+                <a:effectLst/>
+              </a:rPr>
+              <a:t>grupos y cuantificadores. </a:t>
             </a:r>
             <a:endParaRPr lang="es-ES" sz="2000" b="1" dirty="0">
               <a:solidFill>
@@ -17409,8 +17790,8 @@
         </p:nvSpPr>
         <p:spPr>
           <a:xfrm>
-            <a:off x="549968" y="1852343"/>
-            <a:ext cx="7920880" cy="967957"/>
+            <a:off x="640291" y="2611441"/>
+            <a:ext cx="2995174" cy="3276282"/>
           </a:xfrm>
           <a:prstGeom prst="rect">
             <a:avLst/>
@@ -17423,10 +17804,12 @@
           </a:bodyPr>
           <a:lstStyle/>
           <a:p>
-            <a:pPr algn="just">
+            <a:pPr marL="342900" indent="-342900" algn="just">
               <a:lnSpc>
                 <a:spcPct val="150000"/>
               </a:lnSpc>
+              <a:buFont typeface="Arial" panose="020B0604020202020204" pitchFamily="34" charset="0"/>
+              <a:buChar char="•"/>
             </a:pPr>
             <a:r>
               <a:rPr lang="es-ES" sz="2000" i="0" dirty="0">
@@ -17438,8 +17821,17 @@
                 </a:solidFill>
                 <a:effectLst/>
               </a:rPr>
-              <a:t>Primero tres dígitos juntos, luego espacio, punto o guion, otros tres dígitos, espacio, punt</a:t>
-            </a:r>
+              <a:t>Tres dígitos</a:t>
+            </a:r>
+          </a:p>
+          <a:p>
+            <a:pPr marL="342900" indent="-342900" algn="just">
+              <a:lnSpc>
+                <a:spcPct val="150000"/>
+              </a:lnSpc>
+              <a:buFont typeface="Arial" panose="020B0604020202020204" pitchFamily="34" charset="0"/>
+              <a:buChar char="•"/>
+            </a:pPr>
             <a:r>
               <a:rPr lang="es-ES" sz="2000" dirty="0">
                 <a:solidFill>
@@ -17449,7 +17841,7 @@
                   </a:schemeClr>
                 </a:solidFill>
               </a:rPr>
-              <a:t>o o </a:t>
+              <a:t>E</a:t>
             </a:r>
             <a:r>
               <a:rPr lang="es-ES" sz="2000" i="0" dirty="0">
@@ -17461,7 +17853,143 @@
                 </a:solidFill>
                 <a:effectLst/>
               </a:rPr>
-              <a:t>guion, luego dos y dos. </a:t>
+              <a:t>spacio, punto o guion</a:t>
+            </a:r>
+          </a:p>
+          <a:p>
+            <a:pPr marL="342900" indent="-342900" algn="just">
+              <a:lnSpc>
+                <a:spcPct val="150000"/>
+              </a:lnSpc>
+              <a:buFont typeface="Arial" panose="020B0604020202020204" pitchFamily="34" charset="0"/>
+              <a:buChar char="•"/>
+            </a:pPr>
+            <a:r>
+              <a:rPr lang="es-ES" sz="2000" dirty="0">
+                <a:solidFill>
+                  <a:schemeClr val="tx1">
+                    <a:lumMod val="95000"/>
+                    <a:lumOff val="5000"/>
+                  </a:schemeClr>
+                </a:solidFill>
+              </a:rPr>
+              <a:t>Tres</a:t>
+            </a:r>
+            <a:r>
+              <a:rPr lang="es-ES" sz="2000" i="0" dirty="0">
+                <a:solidFill>
+                  <a:schemeClr val="tx1">
+                    <a:lumMod val="95000"/>
+                    <a:lumOff val="5000"/>
+                  </a:schemeClr>
+                </a:solidFill>
+                <a:effectLst/>
+              </a:rPr>
+              <a:t> dígitos</a:t>
+            </a:r>
+          </a:p>
+          <a:p>
+            <a:pPr marL="342900" indent="-342900" algn="just">
+              <a:lnSpc>
+                <a:spcPct val="150000"/>
+              </a:lnSpc>
+              <a:buFont typeface="Arial" panose="020B0604020202020204" pitchFamily="34" charset="0"/>
+              <a:buChar char="•"/>
+            </a:pPr>
+            <a:r>
+              <a:rPr lang="es-ES" sz="2000" dirty="0">
+                <a:solidFill>
+                  <a:schemeClr val="tx1">
+                    <a:lumMod val="95000"/>
+                    <a:lumOff val="5000"/>
+                  </a:schemeClr>
+                </a:solidFill>
+              </a:rPr>
+              <a:t>Espacio, punto o guion</a:t>
+            </a:r>
+          </a:p>
+          <a:p>
+            <a:pPr marL="342900" indent="-342900" algn="just">
+              <a:lnSpc>
+                <a:spcPct val="150000"/>
+              </a:lnSpc>
+              <a:buFont typeface="Arial" panose="020B0604020202020204" pitchFamily="34" charset="0"/>
+              <a:buChar char="•"/>
+            </a:pPr>
+            <a:r>
+              <a:rPr lang="es-ES" sz="2000" dirty="0">
+                <a:solidFill>
+                  <a:schemeClr val="tx1">
+                    <a:lumMod val="95000"/>
+                    <a:lumOff val="5000"/>
+                  </a:schemeClr>
+                </a:solidFill>
+              </a:rPr>
+              <a:t>D</a:t>
+            </a:r>
+            <a:r>
+              <a:rPr lang="es-ES" sz="2000" i="0" dirty="0">
+                <a:solidFill>
+                  <a:schemeClr val="tx1">
+                    <a:lumMod val="95000"/>
+                    <a:lumOff val="5000"/>
+                  </a:schemeClr>
+                </a:solidFill>
+                <a:effectLst/>
+              </a:rPr>
+              <a:t>os dígitos</a:t>
+            </a:r>
+          </a:p>
+          <a:p>
+            <a:pPr marL="342900" indent="-342900" algn="just">
+              <a:lnSpc>
+                <a:spcPct val="150000"/>
+              </a:lnSpc>
+              <a:buFont typeface="Arial" panose="020B0604020202020204" pitchFamily="34" charset="0"/>
+              <a:buChar char="•"/>
+            </a:pPr>
+            <a:r>
+              <a:rPr lang="es-ES" sz="2000" dirty="0">
+                <a:solidFill>
+                  <a:schemeClr val="tx1">
+                    <a:lumMod val="95000"/>
+                    <a:lumOff val="5000"/>
+                  </a:schemeClr>
+                </a:solidFill>
+              </a:rPr>
+              <a:t>Espacio, punto o guion</a:t>
+            </a:r>
+          </a:p>
+          <a:p>
+            <a:pPr marL="342900" indent="-342900" algn="just">
+              <a:lnSpc>
+                <a:spcPct val="150000"/>
+              </a:lnSpc>
+              <a:buFont typeface="Arial" panose="020B0604020202020204" pitchFamily="34" charset="0"/>
+              <a:buChar char="•"/>
+            </a:pPr>
+            <a:r>
+              <a:rPr lang="es-ES" sz="2000" dirty="0">
+                <a:solidFill>
+                  <a:schemeClr val="tx1">
+                    <a:lumMod val="95000"/>
+                    <a:lumOff val="5000"/>
+                  </a:schemeClr>
+                </a:solidFill>
+              </a:rPr>
+              <a:t>D</a:t>
+            </a:r>
+            <a:r>
+              <a:rPr lang="es-ES" sz="2000" i="0" dirty="0">
+                <a:solidFill>
+                  <a:schemeClr val="tx1">
+                    <a:lumMod val="95000"/>
+                    <a:lumOff val="5000"/>
+                  </a:schemeClr>
+                </a:solidFill>
+                <a:effectLst/>
+              </a:rPr>
+              <a:t>os dígitos.</a:t>
             </a:r>
             <a:endParaRPr lang="es-ES" sz="2000" b="1" dirty="0">
               <a:solidFill>
@@ -17474,72 +18002,12 @@
           </a:p>
         </p:txBody>
       </p:sp>
-      <p:sp>
-        <p:nvSpPr>
-          <p:cNvPr id="7" name="CuadroTexto 6">
+      <p:pic>
+        <p:nvPicPr>
+          <p:cNvPr id="9" name="Imagen 8">
             <a:extLst>
               <a:ext uri="{FF2B5EF4-FFF2-40B4-BE49-F238E27FC236}">
-                <a16:creationId xmlns:a16="http://schemas.microsoft.com/office/drawing/2014/main" id="{D442F124-35ED-4AE6-AEB6-DC1CB4FBEC4A}"/>
-              </a:ext>
-            </a:extLst>
-          </p:cNvPr>
-          <p:cNvSpPr txBox="1"/>
-          <p:nvPr/>
-        </p:nvSpPr>
-        <p:spPr>
-          <a:xfrm>
-            <a:off x="2116379" y="748792"/>
-            <a:ext cx="7027621" cy="506292"/>
-          </a:xfrm>
-          <a:prstGeom prst="rect">
-            <a:avLst/>
-          </a:prstGeom>
-          <a:noFill/>
-        </p:spPr>
-        <p:txBody>
-          <a:bodyPr wrap="square">
-            <a:spAutoFit/>
-          </a:bodyPr>
-          <a:lstStyle/>
-          <a:p>
-            <a:pPr algn="just">
-              <a:lnSpc>
-                <a:spcPct val="150000"/>
-              </a:lnSpc>
-            </a:pPr>
-            <a:r>
-              <a:rPr lang="es-MX" sz="2000" b="1" dirty="0">
-                <a:solidFill>
-                  <a:schemeClr val="accent6">
-                    <a:lumMod val="75000"/>
-                  </a:schemeClr>
-                </a:solidFill>
-              </a:rPr>
-              <a:t>()</a:t>
-            </a:r>
-            <a:r>
-              <a:rPr lang="es-MX" sz="2000" dirty="0"/>
-              <a:t> </a:t>
-            </a:r>
-            <a:r>
-              <a:rPr lang="es-MX" sz="2000" dirty="0">
-                <a:solidFill>
-                  <a:schemeClr val="accent6">
-                    <a:lumMod val="75000"/>
-                  </a:schemeClr>
-                </a:solidFill>
-              </a:rPr>
-              <a:t>Nos permiten comparar entre algunos valores</a:t>
-            </a:r>
-          </a:p>
-        </p:txBody>
-      </p:sp>
-      <p:pic>
-        <p:nvPicPr>
-          <p:cNvPr id="11" name="Imagen 10">
-            <a:extLst>
-              <a:ext uri="{FF2B5EF4-FFF2-40B4-BE49-F238E27FC236}">
-                <a16:creationId xmlns:a16="http://schemas.microsoft.com/office/drawing/2014/main" id="{40FAFC4F-C677-08E6-65FA-6C0A7E64CA35}"/>
+                <a16:creationId xmlns:a16="http://schemas.microsoft.com/office/drawing/2014/main" id="{CB066C06-55B5-2780-069C-E34F3460A7AD}"/>
               </a:ext>
             </a:extLst>
           </p:cNvPr>
@@ -17556,8 +18024,8 @@
         </p:blipFill>
         <p:spPr>
           <a:xfrm>
-            <a:off x="2245742" y="2924944"/>
-            <a:ext cx="4839375" cy="3696216"/>
+            <a:off x="4625063" y="2195736"/>
+            <a:ext cx="3781953" cy="3762900"/>
           </a:xfrm>
           <a:prstGeom prst="rect">
             <a:avLst/>
@@ -17567,7 +18035,7 @@
     </p:spTree>
     <p:extLst>
       <p:ext uri="{BB962C8B-B14F-4D97-AF65-F5344CB8AC3E}">
-        <p14:creationId xmlns:p14="http://schemas.microsoft.com/office/powerpoint/2010/main" val="3850094616"/>
+        <p14:creationId xmlns:p14="http://schemas.microsoft.com/office/powerpoint/2010/main" val="589800836"/>
       </p:ext>
     </p:extLst>
   </p:cSld>
@@ -17606,7 +18074,7 @@
         </p:nvSpPr>
         <p:spPr>
           <a:xfrm>
-            <a:off x="289721" y="4056"/>
+            <a:off x="388809" y="34415"/>
             <a:ext cx="8363272" cy="1143000"/>
           </a:xfrm>
         </p:spPr>
@@ -17640,10 +18108,10 @@
       </p:sp>
       <p:sp>
         <p:nvSpPr>
-          <p:cNvPr id="5" name="CuadroTexto 4">
+          <p:cNvPr id="7" name="CuadroTexto 6">
             <a:extLst>
               <a:ext uri="{FF2B5EF4-FFF2-40B4-BE49-F238E27FC236}">
-                <a16:creationId xmlns:a16="http://schemas.microsoft.com/office/drawing/2014/main" id="{FC189524-E564-48DD-B173-E7D162EDC50C}"/>
+                <a16:creationId xmlns:a16="http://schemas.microsoft.com/office/drawing/2014/main" id="{4E1DD8D9-5B93-44E0-8677-C81B21CCD7A2}"/>
               </a:ext>
             </a:extLst>
           </p:cNvPr>
@@ -17652,8 +18120,8 @@
         </p:nvSpPr>
         <p:spPr>
           <a:xfrm>
-            <a:off x="640291" y="1147056"/>
-            <a:ext cx="7920880" cy="967957"/>
+            <a:off x="2051720" y="930724"/>
+            <a:ext cx="8363271" cy="506292"/>
           </a:xfrm>
           <a:prstGeom prst="rect">
             <a:avLst/>
@@ -17672,69 +18140,38 @@
               </a:lnSpc>
             </a:pPr>
             <a:r>
-              <a:rPr lang="es-ES" sz="2000" b="1" i="0" dirty="0">
-                <a:solidFill>
-                  <a:schemeClr val="tx1">
-                    <a:lumMod val="95000"/>
-                    <a:lumOff val="5000"/>
-                  </a:schemeClr>
-                </a:solidFill>
-                <a:effectLst/>
-              </a:rPr>
-              <a:t>Ejemplo 2: </a:t>
-            </a:r>
-            <a:r>
-              <a:rPr lang="es-ES" sz="2000" i="0" dirty="0">
-                <a:solidFill>
-                  <a:schemeClr val="tx1">
-                    <a:lumMod val="95000"/>
-                    <a:lumOff val="5000"/>
-                  </a:schemeClr>
-                </a:solidFill>
-                <a:effectLst/>
-              </a:rPr>
-              <a:t>Extraer todos los números telefónicos </a:t>
-            </a:r>
-            <a:r>
-              <a:rPr lang="es-ES" sz="2000" dirty="0">
-                <a:solidFill>
-                  <a:schemeClr val="tx1">
-                    <a:lumMod val="95000"/>
-                    <a:lumOff val="5000"/>
-                  </a:schemeClr>
-                </a:solidFill>
-              </a:rPr>
-              <a:t>haciendo uso de </a:t>
-            </a:r>
-            <a:r>
-              <a:rPr lang="es-ES" sz="2000" i="0" dirty="0">
-                <a:solidFill>
-                  <a:schemeClr val="tx1">
-                    <a:lumMod val="95000"/>
-                    <a:lumOff val="5000"/>
-                  </a:schemeClr>
-                </a:solidFill>
-                <a:effectLst/>
-              </a:rPr>
-              <a:t>grupos y cuantificadores. </a:t>
-            </a:r>
-            <a:endParaRPr lang="es-ES" sz="2000" b="1" dirty="0">
-              <a:solidFill>
-                <a:schemeClr val="tx1">
-                  <a:lumMod val="95000"/>
-                  <a:lumOff val="5000"/>
-                </a:schemeClr>
-              </a:solidFill>
-            </a:endParaRPr>
-          </a:p>
-        </p:txBody>
-      </p:sp>
-      <p:sp>
-        <p:nvSpPr>
-          <p:cNvPr id="6" name="CuadroTexto 5">
+              <a:rPr lang="es-MX" sz="2000" b="1" dirty="0">
+                <a:solidFill>
+                  <a:schemeClr val="accent6">
+                    <a:lumMod val="75000"/>
+                  </a:schemeClr>
+                </a:solidFill>
+              </a:rPr>
+              <a:t>()</a:t>
+            </a:r>
+            <a:r>
+              <a:rPr lang="es-MX" sz="2000" dirty="0"/>
+              <a:t> </a:t>
+            </a:r>
+            <a:r>
+              <a:rPr lang="es-MX" sz="2000" dirty="0">
+                <a:solidFill>
+                  <a:schemeClr val="accent6">
+                    <a:lumMod val="75000"/>
+                  </a:schemeClr>
+                </a:solidFill>
+              </a:rPr>
+              <a:t>Nos permiten comparar entre algunos valores</a:t>
+            </a:r>
+          </a:p>
+        </p:txBody>
+      </p:sp>
+      <p:sp>
+        <p:nvSpPr>
+          <p:cNvPr id="5" name="CuadroTexto 4">
             <a:extLst>
               <a:ext uri="{FF2B5EF4-FFF2-40B4-BE49-F238E27FC236}">
-                <a16:creationId xmlns:a16="http://schemas.microsoft.com/office/drawing/2014/main" id="{7B04CF3A-CFE2-489B-A399-BF52B6C4C715}"/>
+                <a16:creationId xmlns:a16="http://schemas.microsoft.com/office/drawing/2014/main" id="{CD51C6FC-C7B4-4F3A-BEE8-8127DCEAF665}"/>
               </a:ext>
             </a:extLst>
           </p:cNvPr>
@@ -17743,8 +18180,8 @@
         </p:nvSpPr>
         <p:spPr>
           <a:xfrm>
-            <a:off x="640291" y="2611441"/>
-            <a:ext cx="2995174" cy="3276282"/>
+            <a:off x="388809" y="1582957"/>
+            <a:ext cx="8363271" cy="506292"/>
           </a:xfrm>
           <a:prstGeom prst="rect">
             <a:avLst/>
@@ -17757,210 +18194,79 @@
           </a:bodyPr>
           <a:lstStyle/>
           <a:p>
-            <a:pPr marL="342900" indent="-342900" algn="just">
+            <a:pPr algn="just">
               <a:lnSpc>
                 <a:spcPct val="150000"/>
               </a:lnSpc>
-              <a:buFont typeface="Arial" panose="020B0604020202020204" pitchFamily="34" charset="0"/>
-              <a:buChar char="•"/>
             </a:pPr>
             <a:r>
-              <a:rPr lang="es-ES" sz="2000" i="0" dirty="0">
-                <a:solidFill>
-                  <a:schemeClr val="tx1">
-                    <a:lumMod val="95000"/>
-                    <a:lumOff val="5000"/>
-                  </a:schemeClr>
-                </a:solidFill>
-                <a:effectLst/>
-              </a:rPr>
-              <a:t>Tres dígitos</a:t>
-            </a:r>
-          </a:p>
-          <a:p>
-            <a:pPr marL="342900" indent="-342900" algn="just">
+              <a:rPr lang="es-MX" sz="2000" b="1" dirty="0"/>
+              <a:t>Ejemplo 3: </a:t>
+            </a:r>
+            <a:r>
+              <a:rPr lang="es-MX" sz="2000" dirty="0"/>
+              <a:t>Encuentre los número de teléfono con ladas 442 y 443 solamente.</a:t>
+            </a:r>
+          </a:p>
+        </p:txBody>
+      </p:sp>
+      <p:sp>
+        <p:nvSpPr>
+          <p:cNvPr id="13" name="CuadroTexto 12">
+            <a:extLst>
+              <a:ext uri="{FF2B5EF4-FFF2-40B4-BE49-F238E27FC236}">
+                <a16:creationId xmlns:a16="http://schemas.microsoft.com/office/drawing/2014/main" id="{D8614476-5746-4910-AE97-837BDC1DE82C}"/>
+              </a:ext>
+            </a:extLst>
+          </p:cNvPr>
+          <p:cNvSpPr txBox="1"/>
+          <p:nvPr/>
+        </p:nvSpPr>
+        <p:spPr>
+          <a:xfrm>
+            <a:off x="388809" y="2140899"/>
+            <a:ext cx="3562351" cy="506292"/>
+          </a:xfrm>
+          <a:prstGeom prst="rect">
+            <a:avLst/>
+          </a:prstGeom>
+          <a:noFill/>
+        </p:spPr>
+        <p:txBody>
+          <a:bodyPr wrap="square">
+            <a:spAutoFit/>
+          </a:bodyPr>
+          <a:lstStyle/>
+          <a:p>
+            <a:pPr algn="just">
               <a:lnSpc>
                 <a:spcPct val="150000"/>
               </a:lnSpc>
-              <a:buFont typeface="Arial" panose="020B0604020202020204" pitchFamily="34" charset="0"/>
-              <a:buChar char="•"/>
             </a:pPr>
             <a:r>
-              <a:rPr lang="es-ES" sz="2000" dirty="0">
-                <a:solidFill>
-                  <a:schemeClr val="tx1">
-                    <a:lumMod val="95000"/>
-                    <a:lumOff val="5000"/>
-                  </a:schemeClr>
-                </a:solidFill>
-              </a:rPr>
-              <a:t>E</a:t>
-            </a:r>
-            <a:r>
-              <a:rPr lang="es-ES" sz="2000" i="0" dirty="0">
-                <a:solidFill>
-                  <a:schemeClr val="tx1">
-                    <a:lumMod val="95000"/>
-                    <a:lumOff val="5000"/>
-                  </a:schemeClr>
-                </a:solidFill>
-                <a:effectLst/>
-              </a:rPr>
-              <a:t>spacio, punto o guion</a:t>
-            </a:r>
-          </a:p>
-          <a:p>
-            <a:pPr marL="342900" indent="-342900" algn="just">
-              <a:lnSpc>
-                <a:spcPct val="150000"/>
-              </a:lnSpc>
-              <a:buFont typeface="Arial" panose="020B0604020202020204" pitchFamily="34" charset="0"/>
-              <a:buChar char="•"/>
-            </a:pPr>
-            <a:r>
-              <a:rPr lang="es-ES" sz="2000" dirty="0">
-                <a:solidFill>
-                  <a:schemeClr val="tx1">
-                    <a:lumMod val="95000"/>
-                    <a:lumOff val="5000"/>
-                  </a:schemeClr>
-                </a:solidFill>
-              </a:rPr>
-              <a:t>Tres</a:t>
-            </a:r>
-            <a:r>
-              <a:rPr lang="es-ES" sz="2000" i="0" dirty="0">
-                <a:solidFill>
-                  <a:schemeClr val="tx1">
-                    <a:lumMod val="95000"/>
-                    <a:lumOff val="5000"/>
-                  </a:schemeClr>
-                </a:solidFill>
-                <a:effectLst/>
-              </a:rPr>
-              <a:t> dígitos</a:t>
-            </a:r>
-          </a:p>
-          <a:p>
-            <a:pPr marL="342900" indent="-342900" algn="just">
-              <a:lnSpc>
-                <a:spcPct val="150000"/>
-              </a:lnSpc>
-              <a:buFont typeface="Arial" panose="020B0604020202020204" pitchFamily="34" charset="0"/>
-              <a:buChar char="•"/>
-            </a:pPr>
-            <a:r>
-              <a:rPr lang="es-ES" sz="2000" dirty="0">
-                <a:solidFill>
-                  <a:schemeClr val="tx1">
-                    <a:lumMod val="95000"/>
-                    <a:lumOff val="5000"/>
-                  </a:schemeClr>
-                </a:solidFill>
-              </a:rPr>
-              <a:t>Espacio, punto o guion</a:t>
-            </a:r>
-          </a:p>
-          <a:p>
-            <a:pPr marL="342900" indent="-342900" algn="just">
-              <a:lnSpc>
-                <a:spcPct val="150000"/>
-              </a:lnSpc>
-              <a:buFont typeface="Arial" panose="020B0604020202020204" pitchFamily="34" charset="0"/>
-              <a:buChar char="•"/>
-            </a:pPr>
-            <a:r>
-              <a:rPr lang="es-ES" sz="2000" dirty="0">
-                <a:solidFill>
-                  <a:schemeClr val="tx1">
-                    <a:lumMod val="95000"/>
-                    <a:lumOff val="5000"/>
-                  </a:schemeClr>
-                </a:solidFill>
-              </a:rPr>
-              <a:t>D</a:t>
-            </a:r>
-            <a:r>
-              <a:rPr lang="es-ES" sz="2000" i="0" dirty="0">
-                <a:solidFill>
-                  <a:schemeClr val="tx1">
-                    <a:lumMod val="95000"/>
-                    <a:lumOff val="5000"/>
-                  </a:schemeClr>
-                </a:solidFill>
-                <a:effectLst/>
-              </a:rPr>
-              <a:t>os dígitos</a:t>
-            </a:r>
-          </a:p>
-          <a:p>
-            <a:pPr marL="342900" indent="-342900" algn="just">
-              <a:lnSpc>
-                <a:spcPct val="150000"/>
-              </a:lnSpc>
-              <a:buFont typeface="Arial" panose="020B0604020202020204" pitchFamily="34" charset="0"/>
-              <a:buChar char="•"/>
-            </a:pPr>
-            <a:r>
-              <a:rPr lang="es-ES" sz="2000" dirty="0">
-                <a:solidFill>
-                  <a:schemeClr val="tx1">
-                    <a:lumMod val="95000"/>
-                    <a:lumOff val="5000"/>
-                  </a:schemeClr>
-                </a:solidFill>
-              </a:rPr>
-              <a:t>Espacio, punto o guion</a:t>
-            </a:r>
-          </a:p>
-          <a:p>
-            <a:pPr marL="342900" indent="-342900" algn="just">
-              <a:lnSpc>
-                <a:spcPct val="150000"/>
-              </a:lnSpc>
-              <a:buFont typeface="Arial" panose="020B0604020202020204" pitchFamily="34" charset="0"/>
-              <a:buChar char="•"/>
-            </a:pPr>
-            <a:r>
-              <a:rPr lang="es-ES" sz="2000" dirty="0">
-                <a:solidFill>
-                  <a:schemeClr val="tx1">
-                    <a:lumMod val="95000"/>
-                    <a:lumOff val="5000"/>
-                  </a:schemeClr>
-                </a:solidFill>
-              </a:rPr>
-              <a:t>D</a:t>
-            </a:r>
-            <a:r>
-              <a:rPr lang="es-ES" sz="2000" i="0" dirty="0">
-                <a:solidFill>
-                  <a:schemeClr val="tx1">
-                    <a:lumMod val="95000"/>
-                    <a:lumOff val="5000"/>
-                  </a:schemeClr>
-                </a:solidFill>
-                <a:effectLst/>
-              </a:rPr>
-              <a:t>os dígitos.</a:t>
-            </a:r>
-            <a:endParaRPr lang="es-ES" sz="2000" b="1" dirty="0">
-              <a:solidFill>
-                <a:schemeClr val="tx1">
-                  <a:lumMod val="95000"/>
-                  <a:lumOff val="5000"/>
-                </a:schemeClr>
-              </a:solidFill>
-            </a:endParaRPr>
+              <a:rPr lang="es-MX" sz="2000" dirty="0"/>
+              <a:t>Conjunto de caracteres </a:t>
+            </a:r>
+            <a:r>
+              <a:rPr lang="es-MX" sz="2000" b="1" dirty="0">
+                <a:solidFill>
+                  <a:schemeClr val="accent6">
+                    <a:lumMod val="75000"/>
+                  </a:schemeClr>
+                </a:solidFill>
+              </a:rPr>
+              <a:t>2 y 3</a:t>
+            </a:r>
+            <a:endParaRPr lang="es-MX" sz="2000" dirty="0"/>
           </a:p>
         </p:txBody>
       </p:sp>
       <p:pic>
         <p:nvPicPr>
-          <p:cNvPr id="9" name="Imagen 8">
+          <p:cNvPr id="3" name="Imagen 2">
             <a:extLst>
               <a:ext uri="{FF2B5EF4-FFF2-40B4-BE49-F238E27FC236}">
-                <a16:creationId xmlns:a16="http://schemas.microsoft.com/office/drawing/2014/main" id="{CB066C06-55B5-2780-069C-E34F3460A7AD}"/>
+                <a16:creationId xmlns:a16="http://schemas.microsoft.com/office/drawing/2014/main" id="{CC56C17C-52EF-DEF6-AFA2-44D926EB428F}"/>
               </a:ext>
             </a:extLst>
           </p:cNvPr>
@@ -17977,8 +18283,8 @@
         </p:blipFill>
         <p:spPr>
           <a:xfrm>
-            <a:off x="4625063" y="2195736"/>
-            <a:ext cx="3781953" cy="3762900"/>
+            <a:off x="3964226" y="2235190"/>
+            <a:ext cx="4320480" cy="4222287"/>
           </a:xfrm>
           <a:prstGeom prst="rect">
             <a:avLst/>
@@ -17988,7 +18294,7 @@
     </p:spTree>
     <p:extLst>
       <p:ext uri="{BB962C8B-B14F-4D97-AF65-F5344CB8AC3E}">
-        <p14:creationId xmlns:p14="http://schemas.microsoft.com/office/powerpoint/2010/main" val="589800836"/>
+        <p14:creationId xmlns:p14="http://schemas.microsoft.com/office/powerpoint/2010/main" val="3789720049"/>
       </p:ext>
     </p:extLst>
   </p:cSld>
@@ -18027,265 +18333,6 @@
         </p:nvSpPr>
         <p:spPr>
           <a:xfrm>
-            <a:off x="388809" y="34415"/>
-            <a:ext cx="8363272" cy="1143000"/>
-          </a:xfrm>
-        </p:spPr>
-        <p:txBody>
-          <a:bodyPr>
-            <a:normAutofit/>
-          </a:bodyPr>
-          <a:lstStyle/>
-          <a:p>
-            <a:pPr eaLnBrk="1" hangingPunct="1">
-              <a:defRPr/>
-            </a:pPr>
-            <a:r>
-              <a:rPr lang="es-MX" b="1" dirty="0">
-                <a:solidFill>
-                  <a:schemeClr val="accent4">
-                    <a:lumMod val="50000"/>
-                  </a:schemeClr>
-                </a:solidFill>
-                <a:effectLst>
-                  <a:outerShdw blurRad="38100" dist="38100" dir="2700000" algn="tl">
-                    <a:srgbClr val="C0C0C0"/>
-                  </a:outerShdw>
-                </a:effectLst>
-                <a:latin typeface="Dom Casual" charset="0"/>
-              </a:rPr>
-              <a:t>Grupos</a:t>
-            </a:r>
-          </a:p>
-        </p:txBody>
-      </p:sp>
-      <p:sp>
-        <p:nvSpPr>
-          <p:cNvPr id="7" name="CuadroTexto 6">
-            <a:extLst>
-              <a:ext uri="{FF2B5EF4-FFF2-40B4-BE49-F238E27FC236}">
-                <a16:creationId xmlns:a16="http://schemas.microsoft.com/office/drawing/2014/main" id="{4E1DD8D9-5B93-44E0-8677-C81B21CCD7A2}"/>
-              </a:ext>
-            </a:extLst>
-          </p:cNvPr>
-          <p:cNvSpPr txBox="1"/>
-          <p:nvPr/>
-        </p:nvSpPr>
-        <p:spPr>
-          <a:xfrm>
-            <a:off x="2051720" y="930724"/>
-            <a:ext cx="8363271" cy="506292"/>
-          </a:xfrm>
-          <a:prstGeom prst="rect">
-            <a:avLst/>
-          </a:prstGeom>
-          <a:noFill/>
-        </p:spPr>
-        <p:txBody>
-          <a:bodyPr wrap="square">
-            <a:spAutoFit/>
-          </a:bodyPr>
-          <a:lstStyle/>
-          <a:p>
-            <a:pPr algn="just">
-              <a:lnSpc>
-                <a:spcPct val="150000"/>
-              </a:lnSpc>
-            </a:pPr>
-            <a:r>
-              <a:rPr lang="es-MX" sz="2000" b="1" dirty="0">
-                <a:solidFill>
-                  <a:schemeClr val="accent6">
-                    <a:lumMod val="75000"/>
-                  </a:schemeClr>
-                </a:solidFill>
-              </a:rPr>
-              <a:t>()</a:t>
-            </a:r>
-            <a:r>
-              <a:rPr lang="es-MX" sz="2000" dirty="0"/>
-              <a:t> </a:t>
-            </a:r>
-            <a:r>
-              <a:rPr lang="es-MX" sz="2000" dirty="0">
-                <a:solidFill>
-                  <a:schemeClr val="accent6">
-                    <a:lumMod val="75000"/>
-                  </a:schemeClr>
-                </a:solidFill>
-              </a:rPr>
-              <a:t>Nos permiten comparar entre algunos valores</a:t>
-            </a:r>
-          </a:p>
-        </p:txBody>
-      </p:sp>
-      <p:sp>
-        <p:nvSpPr>
-          <p:cNvPr id="5" name="CuadroTexto 4">
-            <a:extLst>
-              <a:ext uri="{FF2B5EF4-FFF2-40B4-BE49-F238E27FC236}">
-                <a16:creationId xmlns:a16="http://schemas.microsoft.com/office/drawing/2014/main" id="{CD51C6FC-C7B4-4F3A-BEE8-8127DCEAF665}"/>
-              </a:ext>
-            </a:extLst>
-          </p:cNvPr>
-          <p:cNvSpPr txBox="1"/>
-          <p:nvPr/>
-        </p:nvSpPr>
-        <p:spPr>
-          <a:xfrm>
-            <a:off x="388809" y="1582957"/>
-            <a:ext cx="8363271" cy="506292"/>
-          </a:xfrm>
-          <a:prstGeom prst="rect">
-            <a:avLst/>
-          </a:prstGeom>
-          <a:noFill/>
-        </p:spPr>
-        <p:txBody>
-          <a:bodyPr wrap="square">
-            <a:spAutoFit/>
-          </a:bodyPr>
-          <a:lstStyle/>
-          <a:p>
-            <a:pPr algn="just">
-              <a:lnSpc>
-                <a:spcPct val="150000"/>
-              </a:lnSpc>
-            </a:pPr>
-            <a:r>
-              <a:rPr lang="es-MX" sz="2000" b="1" dirty="0"/>
-              <a:t>Ejemplo 3: </a:t>
-            </a:r>
-            <a:r>
-              <a:rPr lang="es-MX" sz="2000" dirty="0"/>
-              <a:t>Encuentre los número de teléfono con ladas 442 y 443 solamente.</a:t>
-            </a:r>
-          </a:p>
-        </p:txBody>
-      </p:sp>
-      <p:sp>
-        <p:nvSpPr>
-          <p:cNvPr id="13" name="CuadroTexto 12">
-            <a:extLst>
-              <a:ext uri="{FF2B5EF4-FFF2-40B4-BE49-F238E27FC236}">
-                <a16:creationId xmlns:a16="http://schemas.microsoft.com/office/drawing/2014/main" id="{D8614476-5746-4910-AE97-837BDC1DE82C}"/>
-              </a:ext>
-            </a:extLst>
-          </p:cNvPr>
-          <p:cNvSpPr txBox="1"/>
-          <p:nvPr/>
-        </p:nvSpPr>
-        <p:spPr>
-          <a:xfrm>
-            <a:off x="388809" y="2140899"/>
-            <a:ext cx="3562351" cy="506292"/>
-          </a:xfrm>
-          <a:prstGeom prst="rect">
-            <a:avLst/>
-          </a:prstGeom>
-          <a:noFill/>
-        </p:spPr>
-        <p:txBody>
-          <a:bodyPr wrap="square">
-            <a:spAutoFit/>
-          </a:bodyPr>
-          <a:lstStyle/>
-          <a:p>
-            <a:pPr algn="just">
-              <a:lnSpc>
-                <a:spcPct val="150000"/>
-              </a:lnSpc>
-            </a:pPr>
-            <a:r>
-              <a:rPr lang="es-MX" sz="2000" dirty="0"/>
-              <a:t>Conjunto de caracteres </a:t>
-            </a:r>
-            <a:r>
-              <a:rPr lang="es-MX" sz="2000" b="1" dirty="0">
-                <a:solidFill>
-                  <a:schemeClr val="accent6">
-                    <a:lumMod val="75000"/>
-                  </a:schemeClr>
-                </a:solidFill>
-              </a:rPr>
-              <a:t>2 y 3</a:t>
-            </a:r>
-            <a:endParaRPr lang="es-MX" sz="2000" dirty="0"/>
-          </a:p>
-        </p:txBody>
-      </p:sp>
-      <p:pic>
-        <p:nvPicPr>
-          <p:cNvPr id="3" name="Imagen 2">
-            <a:extLst>
-              <a:ext uri="{FF2B5EF4-FFF2-40B4-BE49-F238E27FC236}">
-                <a16:creationId xmlns:a16="http://schemas.microsoft.com/office/drawing/2014/main" id="{CC56C17C-52EF-DEF6-AFA2-44D926EB428F}"/>
-              </a:ext>
-            </a:extLst>
-          </p:cNvPr>
-          <p:cNvPicPr>
-            <a:picLocks noChangeAspect="1"/>
-          </p:cNvPicPr>
-          <p:nvPr/>
-        </p:nvPicPr>
-        <p:blipFill>
-          <a:blip r:embed="rId3"/>
-          <a:stretch>
-            <a:fillRect/>
-          </a:stretch>
-        </p:blipFill>
-        <p:spPr>
-          <a:xfrm>
-            <a:off x="3964226" y="2235190"/>
-            <a:ext cx="4320480" cy="4222287"/>
-          </a:xfrm>
-          <a:prstGeom prst="rect">
-            <a:avLst/>
-          </a:prstGeom>
-        </p:spPr>
-      </p:pic>
-    </p:spTree>
-    <p:extLst>
-      <p:ext uri="{BB962C8B-B14F-4D97-AF65-F5344CB8AC3E}">
-        <p14:creationId xmlns:p14="http://schemas.microsoft.com/office/powerpoint/2010/main" val="3789720049"/>
-      </p:ext>
-    </p:extLst>
-  </p:cSld>
-  <p:clrMapOvr>
-    <a:masterClrMapping/>
-  </p:clrMapOvr>
-</p:sld>
-</file>
-
-<file path=ppt/slides/slide47.xml><?xml version="1.0" encoding="utf-8"?>
-<p:sld xmlns:a="http://schemas.openxmlformats.org/drawingml/2006/main" xmlns:r="http://schemas.openxmlformats.org/officeDocument/2006/relationships" xmlns:p="http://schemas.openxmlformats.org/presentationml/2006/main">
-  <p:cSld>
-    <p:spTree>
-      <p:nvGrpSpPr>
-        <p:cNvPr id="1" name=""/>
-        <p:cNvGrpSpPr/>
-        <p:nvPr/>
-      </p:nvGrpSpPr>
-      <p:grpSpPr>
-        <a:xfrm>
-          <a:off x="0" y="0"/>
-          <a:ext cx="0" cy="0"/>
-          <a:chOff x="0" y="0"/>
-          <a:chExt cx="0" cy="0"/>
-        </a:xfrm>
-      </p:grpSpPr>
-      <p:sp>
-        <p:nvSpPr>
-          <p:cNvPr id="184324" name="Rectangle 4"/>
-          <p:cNvSpPr>
-            <a:spLocks noGrp="1" noChangeArrowheads="1"/>
-          </p:cNvSpPr>
-          <p:nvPr>
-            <p:ph type="title"/>
-          </p:nvPr>
-        </p:nvSpPr>
-        <p:spPr>
-          <a:xfrm>
             <a:off x="289721" y="4056"/>
             <a:ext cx="8363272" cy="1143000"/>
           </a:xfrm>
@@ -18429,7 +18476,7 @@
 </p:sld>
 </file>
 
-<file path=ppt/slides/slide48.xml><?xml version="1.0" encoding="utf-8"?>
+<file path=ppt/slides/slide47.xml><?xml version="1.0" encoding="utf-8"?>
 <p:sld xmlns:a="http://schemas.openxmlformats.org/drawingml/2006/main" xmlns:r="http://schemas.openxmlformats.org/officeDocument/2006/relationships" xmlns:p="http://schemas.openxmlformats.org/presentationml/2006/main">
   <p:cSld>
     <p:spTree>
@@ -18684,6 +18731,543 @@
     <p:extLst>
       <p:ext uri="{BB962C8B-B14F-4D97-AF65-F5344CB8AC3E}">
         <p14:creationId xmlns:p14="http://schemas.microsoft.com/office/powerpoint/2010/main" val="3134704428"/>
+      </p:ext>
+    </p:extLst>
+  </p:cSld>
+  <p:clrMapOvr>
+    <a:masterClrMapping/>
+  </p:clrMapOvr>
+</p:sld>
+</file>
+
+<file path=ppt/slides/slide48.xml><?xml version="1.0" encoding="utf-8"?>
+<p:sld xmlns:a="http://schemas.openxmlformats.org/drawingml/2006/main" xmlns:r="http://schemas.openxmlformats.org/officeDocument/2006/relationships" xmlns:p="http://schemas.openxmlformats.org/presentationml/2006/main">
+  <p:cSld>
+    <p:spTree>
+      <p:nvGrpSpPr>
+        <p:cNvPr id="1" name="">
+          <a:extLst>
+            <a:ext uri="{FF2B5EF4-FFF2-40B4-BE49-F238E27FC236}">
+              <a16:creationId xmlns:a16="http://schemas.microsoft.com/office/drawing/2014/main" id="{A83C6943-6528-EFAE-6DA3-C2CC9629BFEE}"/>
+            </a:ext>
+          </a:extLst>
+        </p:cNvPr>
+        <p:cNvGrpSpPr/>
+        <p:nvPr/>
+      </p:nvGrpSpPr>
+      <p:grpSpPr>
+        <a:xfrm>
+          <a:off x="0" y="0"/>
+          <a:ext cx="0" cy="0"/>
+          <a:chOff x="0" y="0"/>
+          <a:chExt cx="0" cy="0"/>
+        </a:xfrm>
+      </p:grpSpPr>
+      <p:sp>
+        <p:nvSpPr>
+          <p:cNvPr id="184324" name="Rectangle 4">
+            <a:extLst>
+              <a:ext uri="{FF2B5EF4-FFF2-40B4-BE49-F238E27FC236}">
+                <a16:creationId xmlns:a16="http://schemas.microsoft.com/office/drawing/2014/main" id="{CB38F4C3-E000-F6DD-CC93-47C9BF34B7FD}"/>
+              </a:ext>
+            </a:extLst>
+          </p:cNvPr>
+          <p:cNvSpPr>
+            <a:spLocks noGrp="1" noChangeArrowheads="1"/>
+          </p:cNvSpPr>
+          <p:nvPr>
+            <p:ph type="title"/>
+          </p:nvPr>
+        </p:nvSpPr>
+        <p:spPr>
+          <a:xfrm>
+            <a:off x="289721" y="4056"/>
+            <a:ext cx="8363272" cy="1143000"/>
+          </a:xfrm>
+        </p:spPr>
+        <p:txBody>
+          <a:bodyPr>
+            <a:normAutofit/>
+          </a:bodyPr>
+          <a:lstStyle/>
+          <a:p>
+            <a:pPr eaLnBrk="1" hangingPunct="1">
+              <a:defRPr/>
+            </a:pPr>
+            <a:r>
+              <a:rPr lang="es-MX" b="1" dirty="0">
+                <a:solidFill>
+                  <a:schemeClr val="accent4">
+                    <a:lumMod val="50000"/>
+                  </a:schemeClr>
+                </a:solidFill>
+                <a:effectLst>
+                  <a:outerShdw blurRad="38100" dist="38100" dir="2700000" algn="tl">
+                    <a:srgbClr val="C0C0C0"/>
+                  </a:outerShdw>
+                </a:effectLst>
+                <a:latin typeface="Dom Casual" charset="0"/>
+              </a:rPr>
+              <a:t>Expresión regular</a:t>
+            </a:r>
+          </a:p>
+        </p:txBody>
+      </p:sp>
+      <p:sp>
+        <p:nvSpPr>
+          <p:cNvPr id="5" name="CuadroTexto 4">
+            <a:extLst>
+              <a:ext uri="{FF2B5EF4-FFF2-40B4-BE49-F238E27FC236}">
+                <a16:creationId xmlns:a16="http://schemas.microsoft.com/office/drawing/2014/main" id="{C20582F6-D5EC-1CFC-EB01-59FE60FC7F5E}"/>
+              </a:ext>
+            </a:extLst>
+          </p:cNvPr>
+          <p:cNvSpPr txBox="1"/>
+          <p:nvPr/>
+        </p:nvSpPr>
+        <p:spPr>
+          <a:xfrm>
+            <a:off x="302981" y="915848"/>
+            <a:ext cx="8335698" cy="833305"/>
+          </a:xfrm>
+          <a:prstGeom prst="rect">
+            <a:avLst/>
+          </a:prstGeom>
+          <a:noFill/>
+        </p:spPr>
+        <p:txBody>
+          <a:bodyPr wrap="square">
+            <a:spAutoFit/>
+          </a:bodyPr>
+          <a:lstStyle/>
+          <a:p>
+            <a:pPr algn="just">
+              <a:lnSpc>
+                <a:spcPts val="3000"/>
+              </a:lnSpc>
+            </a:pPr>
+            <a:r>
+              <a:rPr lang="es-ES" sz="2000" b="1" i="0" dirty="0">
+                <a:solidFill>
+                  <a:schemeClr val="tx1">
+                    <a:lumMod val="95000"/>
+                    <a:lumOff val="5000"/>
+                  </a:schemeClr>
+                </a:solidFill>
+                <a:effectLst/>
+              </a:rPr>
+              <a:t>Ejemplo:</a:t>
+            </a:r>
+            <a:r>
+              <a:rPr lang="es-ES" sz="2000" b="1" dirty="0">
+                <a:solidFill>
+                  <a:schemeClr val="accent6">
+                    <a:lumMod val="75000"/>
+                  </a:schemeClr>
+                </a:solidFill>
+              </a:rPr>
+              <a:t> Extraer los nombres del directorio con dos textos con acentos y que termine con 0 o un espacio</a:t>
+            </a:r>
+          </a:p>
+        </p:txBody>
+      </p:sp>
+      <p:sp>
+        <p:nvSpPr>
+          <p:cNvPr id="6" name="CuadroTexto 5">
+            <a:extLst>
+              <a:ext uri="{FF2B5EF4-FFF2-40B4-BE49-F238E27FC236}">
+                <a16:creationId xmlns:a16="http://schemas.microsoft.com/office/drawing/2014/main" id="{8C20D50E-303B-CA1C-3EE2-88FBFC9832C1}"/>
+              </a:ext>
+            </a:extLst>
+          </p:cNvPr>
+          <p:cNvSpPr txBox="1"/>
+          <p:nvPr/>
+        </p:nvSpPr>
+        <p:spPr>
+          <a:xfrm>
+            <a:off x="302981" y="2243193"/>
+            <a:ext cx="3374315" cy="4199611"/>
+          </a:xfrm>
+          <a:prstGeom prst="rect">
+            <a:avLst/>
+          </a:prstGeom>
+          <a:noFill/>
+        </p:spPr>
+        <p:txBody>
+          <a:bodyPr wrap="square">
+            <a:spAutoFit/>
+          </a:bodyPr>
+          <a:lstStyle/>
+          <a:p>
+            <a:pPr>
+              <a:lnSpc>
+                <a:spcPct val="150000"/>
+              </a:lnSpc>
+            </a:pPr>
+            <a:r>
+              <a:rPr lang="es-ES" sz="2000" b="1" i="0" dirty="0">
+                <a:solidFill>
+                  <a:schemeClr val="accent6">
+                    <a:lumMod val="75000"/>
+                  </a:schemeClr>
+                </a:solidFill>
+                <a:effectLst/>
+              </a:rPr>
+              <a:t>[a-</a:t>
+            </a:r>
+            <a:r>
+              <a:rPr lang="es-ES" sz="2000" b="1" i="0" dirty="0" err="1">
+                <a:solidFill>
+                  <a:schemeClr val="accent6">
+                    <a:lumMod val="75000"/>
+                  </a:schemeClr>
+                </a:solidFill>
+                <a:effectLst/>
+              </a:rPr>
+              <a:t>zA</a:t>
+            </a:r>
+            <a:r>
+              <a:rPr lang="es-ES" sz="2000" b="1" i="0" dirty="0">
+                <a:solidFill>
+                  <a:schemeClr val="accent6">
+                    <a:lumMod val="75000"/>
+                  </a:schemeClr>
+                </a:solidFill>
+                <a:effectLst/>
+              </a:rPr>
+              <a:t>-</a:t>
+            </a:r>
+            <a:r>
+              <a:rPr lang="es-ES" sz="2000" b="1" i="0" dirty="0" err="1">
+                <a:solidFill>
+                  <a:schemeClr val="accent6">
+                    <a:lumMod val="75000"/>
+                  </a:schemeClr>
+                </a:solidFill>
+                <a:effectLst/>
+              </a:rPr>
+              <a:t>Zá</a:t>
+            </a:r>
+            <a:r>
+              <a:rPr lang="es-ES" sz="2000" b="1" i="0" dirty="0">
+                <a:solidFill>
+                  <a:schemeClr val="accent6">
+                    <a:lumMod val="75000"/>
+                  </a:schemeClr>
+                </a:solidFill>
+                <a:effectLst/>
+              </a:rPr>
+              <a:t>-</a:t>
+            </a:r>
+            <a:r>
+              <a:rPr lang="es-ES" sz="2000" b="1" i="0" dirty="0" err="1">
+                <a:solidFill>
+                  <a:schemeClr val="accent6">
+                    <a:lumMod val="75000"/>
+                  </a:schemeClr>
+                </a:solidFill>
+                <a:effectLst/>
+              </a:rPr>
+              <a:t>úÁ</a:t>
+            </a:r>
+            <a:r>
+              <a:rPr lang="es-ES" sz="2000" b="1" i="0" dirty="0">
+                <a:solidFill>
+                  <a:schemeClr val="accent6">
+                    <a:lumMod val="75000"/>
+                  </a:schemeClr>
+                </a:solidFill>
+                <a:effectLst/>
+              </a:rPr>
+              <a:t>-Ú] </a:t>
+            </a:r>
+            <a:r>
+              <a:rPr lang="es-ES" sz="2000" dirty="0">
+                <a:solidFill>
+                  <a:schemeClr val="tx1">
+                    <a:lumMod val="95000"/>
+                    <a:lumOff val="5000"/>
+                  </a:schemeClr>
+                </a:solidFill>
+              </a:rPr>
+              <a:t>A</a:t>
+            </a:r>
+            <a:r>
+              <a:rPr lang="es-ES" sz="2000" i="0" dirty="0">
+                <a:solidFill>
+                  <a:schemeClr val="tx1">
+                    <a:lumMod val="95000"/>
+                    <a:lumOff val="5000"/>
+                  </a:schemeClr>
+                </a:solidFill>
+                <a:effectLst/>
+              </a:rPr>
+              <a:t>becedario en minúsculas y mayúsculas y vocales acentuadas en mayúsculas y minúsculas</a:t>
+            </a:r>
+            <a:r>
+              <a:rPr lang="es-ES" sz="2000" dirty="0">
+                <a:solidFill>
+                  <a:schemeClr val="tx1">
+                    <a:lumMod val="95000"/>
+                    <a:lumOff val="5000"/>
+                  </a:schemeClr>
+                </a:solidFill>
+              </a:rPr>
+              <a:t>.</a:t>
+            </a:r>
+          </a:p>
+          <a:p>
+            <a:pPr algn="just">
+              <a:lnSpc>
+                <a:spcPct val="150000"/>
+              </a:lnSpc>
+            </a:pPr>
+            <a:r>
+              <a:rPr lang="es-ES" sz="2000" b="1" dirty="0">
+                <a:solidFill>
+                  <a:schemeClr val="accent6">
+                    <a:lumMod val="75000"/>
+                  </a:schemeClr>
+                </a:solidFill>
+              </a:rPr>
+              <a:t>+ </a:t>
+            </a:r>
+            <a:r>
+              <a:rPr lang="es-ES" sz="2000" dirty="0">
+                <a:solidFill>
+                  <a:schemeClr val="tx1">
+                    <a:lumMod val="95000"/>
+                    <a:lumOff val="5000"/>
+                  </a:schemeClr>
+                </a:solidFill>
+              </a:rPr>
+              <a:t>Uno o más caracteres</a:t>
+            </a:r>
+          </a:p>
+          <a:p>
+            <a:pPr algn="just">
+              <a:lnSpc>
+                <a:spcPct val="150000"/>
+              </a:lnSpc>
+            </a:pPr>
+            <a:r>
+              <a:rPr lang="es-ES" sz="2000" b="1" dirty="0">
+                <a:solidFill>
+                  <a:schemeClr val="accent6">
+                    <a:lumMod val="75000"/>
+                  </a:schemeClr>
+                </a:solidFill>
+              </a:rPr>
+              <a:t>\s </a:t>
+            </a:r>
+            <a:r>
+              <a:rPr lang="es-ES" sz="2000" dirty="0">
+                <a:solidFill>
+                  <a:schemeClr val="tx1">
+                    <a:lumMod val="95000"/>
+                    <a:lumOff val="5000"/>
+                  </a:schemeClr>
+                </a:solidFill>
+              </a:rPr>
+              <a:t>Espacio</a:t>
+            </a:r>
+          </a:p>
+          <a:p>
+            <a:pPr algn="just">
+              <a:lnSpc>
+                <a:spcPct val="150000"/>
+              </a:lnSpc>
+            </a:pPr>
+            <a:r>
+              <a:rPr lang="es-ES" sz="2000" b="1" dirty="0">
+                <a:solidFill>
+                  <a:schemeClr val="accent6">
+                    <a:lumMod val="75000"/>
+                  </a:schemeClr>
+                </a:solidFill>
+              </a:rPr>
+              <a:t>? </a:t>
+            </a:r>
+            <a:r>
+              <a:rPr lang="es-ES" sz="2000" dirty="0">
+                <a:solidFill>
+                  <a:schemeClr val="tx1">
+                    <a:lumMod val="95000"/>
+                    <a:lumOff val="5000"/>
+                  </a:schemeClr>
+                </a:solidFill>
+              </a:rPr>
+              <a:t>Cero o más caracteres</a:t>
+            </a:r>
+          </a:p>
+          <a:p>
+            <a:pPr algn="just">
+              <a:lnSpc>
+                <a:spcPct val="150000"/>
+              </a:lnSpc>
+            </a:pPr>
+            <a:r>
+              <a:rPr lang="es-ES" sz="2000" b="1" dirty="0">
+                <a:solidFill>
+                  <a:schemeClr val="accent6">
+                    <a:lumMod val="75000"/>
+                  </a:schemeClr>
+                </a:solidFill>
+              </a:rPr>
+              <a:t>^ </a:t>
+            </a:r>
+            <a:r>
+              <a:rPr lang="es-ES" sz="2000" dirty="0">
+                <a:solidFill>
+                  <a:schemeClr val="tx1">
+                    <a:lumMod val="95000"/>
+                    <a:lumOff val="5000"/>
+                  </a:schemeClr>
+                </a:solidFill>
+              </a:rPr>
+              <a:t>Al inicio de la línea</a:t>
+            </a:r>
+          </a:p>
+          <a:p>
+            <a:pPr algn="just">
+              <a:lnSpc>
+                <a:spcPct val="150000"/>
+              </a:lnSpc>
+            </a:pPr>
+            <a:r>
+              <a:rPr lang="es-ES" sz="2000" b="1" dirty="0">
+                <a:solidFill>
+                  <a:schemeClr val="accent6">
+                    <a:lumMod val="75000"/>
+                  </a:schemeClr>
+                </a:solidFill>
+              </a:rPr>
+              <a:t>$ </a:t>
+            </a:r>
+            <a:r>
+              <a:rPr lang="es-ES" sz="2000" dirty="0">
+                <a:solidFill>
+                  <a:schemeClr val="tx1">
+                    <a:lumMod val="95000"/>
+                    <a:lumOff val="5000"/>
+                  </a:schemeClr>
+                </a:solidFill>
+              </a:rPr>
+              <a:t>Al final de la línea</a:t>
+            </a:r>
+            <a:endParaRPr lang="es-ES" sz="2000" b="1" dirty="0">
+              <a:solidFill>
+                <a:schemeClr val="tx1">
+                  <a:lumMod val="95000"/>
+                  <a:lumOff val="5000"/>
+                </a:schemeClr>
+              </a:solidFill>
+            </a:endParaRPr>
+          </a:p>
+        </p:txBody>
+      </p:sp>
+      <p:sp>
+        <p:nvSpPr>
+          <p:cNvPr id="2" name="CuadroTexto 1">
+            <a:extLst>
+              <a:ext uri="{FF2B5EF4-FFF2-40B4-BE49-F238E27FC236}">
+                <a16:creationId xmlns:a16="http://schemas.microsoft.com/office/drawing/2014/main" id="{DD48AE74-7006-399F-BE61-A25F53E14F30}"/>
+              </a:ext>
+            </a:extLst>
+          </p:cNvPr>
+          <p:cNvSpPr txBox="1"/>
+          <p:nvPr/>
+        </p:nvSpPr>
+        <p:spPr>
+          <a:xfrm>
+            <a:off x="279870" y="1782584"/>
+            <a:ext cx="3505200" cy="400110"/>
+          </a:xfrm>
+          <a:prstGeom prst="rect">
+            <a:avLst/>
+          </a:prstGeom>
+          <a:noFill/>
+        </p:spPr>
+        <p:txBody>
+          <a:bodyPr wrap="square">
+            <a:spAutoFit/>
+          </a:bodyPr>
+          <a:lstStyle/>
+          <a:p>
+            <a:pPr algn="just">
+              <a:lnSpc>
+                <a:spcPts val="2400"/>
+              </a:lnSpc>
+            </a:pPr>
+            <a:r>
+              <a:rPr lang="es-ES" sz="2000" i="0" dirty="0">
+                <a:solidFill>
+                  <a:schemeClr val="tx1">
+                    <a:lumMod val="95000"/>
+                    <a:lumOff val="5000"/>
+                  </a:schemeClr>
+                </a:solidFill>
+                <a:effectLst/>
+              </a:rPr>
+              <a:t>Usar </a:t>
+            </a:r>
+            <a:r>
+              <a:rPr lang="es-ES" sz="2000" b="1" i="0" dirty="0">
+                <a:solidFill>
+                  <a:schemeClr val="tx1">
+                    <a:lumMod val="95000"/>
+                    <a:lumOff val="5000"/>
+                  </a:schemeClr>
+                </a:solidFill>
+                <a:effectLst/>
+              </a:rPr>
+              <a:t>TextoAcentos.txt</a:t>
+            </a:r>
+            <a:endParaRPr lang="es-ES" sz="2000" b="1" dirty="0">
+              <a:solidFill>
+                <a:schemeClr val="tx1">
+                  <a:lumMod val="95000"/>
+                  <a:lumOff val="5000"/>
+                </a:schemeClr>
+              </a:solidFill>
+            </a:endParaRPr>
+          </a:p>
+        </p:txBody>
+      </p:sp>
+      <p:pic>
+        <p:nvPicPr>
+          <p:cNvPr id="7" name="Imagen 6">
+            <a:extLst>
+              <a:ext uri="{FF2B5EF4-FFF2-40B4-BE49-F238E27FC236}">
+                <a16:creationId xmlns:a16="http://schemas.microsoft.com/office/drawing/2014/main" id="{BE24F6E2-DF85-2D14-541E-16B8BF313982}"/>
+              </a:ext>
+            </a:extLst>
+          </p:cNvPr>
+          <p:cNvPicPr>
+            <a:picLocks noChangeAspect="1"/>
+          </p:cNvPicPr>
+          <p:nvPr/>
+        </p:nvPicPr>
+        <p:blipFill>
+          <a:blip r:embed="rId3"/>
+          <a:stretch>
+            <a:fillRect/>
+          </a:stretch>
+        </p:blipFill>
+        <p:spPr>
+          <a:xfrm>
+            <a:off x="3832670" y="1841587"/>
+            <a:ext cx="4820323" cy="4601217"/>
+          </a:xfrm>
+          <a:prstGeom prst="rect">
+            <a:avLst/>
+          </a:prstGeom>
+        </p:spPr>
+      </p:pic>
+    </p:spTree>
+    <p:extLst>
+      <p:ext uri="{BB962C8B-B14F-4D97-AF65-F5344CB8AC3E}">
+        <p14:creationId xmlns:p14="http://schemas.microsoft.com/office/powerpoint/2010/main" val="1212743794"/>
       </p:ext>
     </p:extLst>
   </p:cSld>
